--- a/templates/PPT English Service.pptx
+++ b/templates/PPT English Service.pptx
@@ -707,7 +707,7 @@
           </a:ln>
           <a:extLst>
             <a:ext uri="{C572A759-6A51-4108-AA02-DFA0A04FC94B}">
-              <ma14:wrappingTextBoxFlag xmlns="" xmlns:m="http://schemas.openxmlformats.org/officeDocument/2006/math" xmlns:a14="http://schemas.microsoft.com/office/drawing/2010/main" xmlns:ma14="http://schemas.microsoft.com/office/mac/drawingml/2011/main" val="1"/>
+              <ma14:wrappingTextBoxFlag xmlns:ma14="http://schemas.microsoft.com/office/mac/drawingml/2011/main" xmlns:a14="http://schemas.microsoft.com/office/drawing/2010/main" xmlns:m="http://schemas.openxmlformats.org/officeDocument/2006/math" xmlns="" val="1"/>
             </a:ext>
           </a:extLst>
         </p:spPr>
@@ -744,7 +744,7 @@
           </a:ln>
           <a:extLst>
             <a:ext uri="{C572A759-6A51-4108-AA02-DFA0A04FC94B}">
-              <ma14:wrappingTextBoxFlag xmlns="" xmlns:m="http://schemas.openxmlformats.org/officeDocument/2006/math" xmlns:a14="http://schemas.microsoft.com/office/drawing/2010/main" xmlns:ma14="http://schemas.microsoft.com/office/mac/drawingml/2011/main" val="1"/>
+              <ma14:wrappingTextBoxFlag xmlns:ma14="http://schemas.microsoft.com/office/mac/drawingml/2011/main" xmlns:a14="http://schemas.microsoft.com/office/drawing/2010/main" xmlns:m="http://schemas.openxmlformats.org/officeDocument/2006/math" xmlns="" val="1"/>
             </a:ext>
           </a:extLst>
         </p:spPr>
@@ -1543,7 +1543,7 @@
 
 <file path=ppt/slides/slide1.xml><?xml version="1.0" encoding="utf-8"?>
 <p:sld xmlns:a="http://schemas.openxmlformats.org/drawingml/2006/main" xmlns:r="http://schemas.openxmlformats.org/officeDocument/2006/relationships" xmlns:p="http://schemas.openxmlformats.org/presentationml/2006/main">
-  <p:cSld>
+  <p:cSld name="Title">
     <p:spTree>
       <p:nvGrpSpPr>
         <p:cNvPr id="1" name=""/>
@@ -1582,7 +1582,7 @@
           </a:ln>
           <a:extLst>
             <a:ext uri="{C572A759-6A51-4108-AA02-DFA0A04FC94B}">
-              <ma14:wrappingTextBoxFlag xmlns="" xmlns:m="http://schemas.openxmlformats.org/officeDocument/2006/math" xmlns:a14="http://schemas.microsoft.com/office/drawing/2010/main" xmlns:ma14="http://schemas.microsoft.com/office/mac/drawingml/2011/main" val="1"/>
+              <ma14:wrappingTextBoxFlag xmlns:ma14="http://schemas.microsoft.com/office/mac/drawingml/2011/main" xmlns:a14="http://schemas.microsoft.com/office/drawing/2010/main" xmlns:m="http://schemas.openxmlformats.org/officeDocument/2006/math" xmlns="" val="1"/>
             </a:ext>
           </a:extLst>
         </p:spPr>
@@ -1622,7 +1622,7 @@
           </a:ln>
           <a:extLst>
             <a:ext uri="{C572A759-6A51-4108-AA02-DFA0A04FC94B}">
-              <ma14:wrappingTextBoxFlag xmlns="" xmlns:m="http://schemas.openxmlformats.org/officeDocument/2006/math" xmlns:a14="http://schemas.microsoft.com/office/drawing/2010/main" xmlns:ma14="http://schemas.microsoft.com/office/mac/drawingml/2011/main" val="1"/>
+              <ma14:wrappingTextBoxFlag xmlns:ma14="http://schemas.microsoft.com/office/mac/drawingml/2011/main" xmlns:a14="http://schemas.microsoft.com/office/drawing/2010/main" xmlns:m="http://schemas.openxmlformats.org/officeDocument/2006/math" xmlns="" val="1"/>
             </a:ext>
           </a:extLst>
         </p:spPr>
@@ -1666,7 +1666,7 @@
           </a:ln>
           <a:extLst>
             <a:ext uri="{C572A759-6A51-4108-AA02-DFA0A04FC94B}">
-              <ma14:wrappingTextBoxFlag xmlns="" xmlns:m="http://schemas.openxmlformats.org/officeDocument/2006/math" xmlns:a14="http://schemas.microsoft.com/office/drawing/2010/main" xmlns:ma14="http://schemas.microsoft.com/office/mac/drawingml/2011/main" val="1"/>
+              <ma14:wrappingTextBoxFlag xmlns:ma14="http://schemas.microsoft.com/office/mac/drawingml/2011/main" xmlns:a14="http://schemas.microsoft.com/office/drawing/2010/main" xmlns:m="http://schemas.openxmlformats.org/officeDocument/2006/math" xmlns="" val="1"/>
             </a:ext>
           </a:extLst>
         </p:spPr>
@@ -1712,7 +1712,7 @@
           </a:ln>
           <a:extLst>
             <a:ext uri="{C572A759-6A51-4108-AA02-DFA0A04FC94B}">
-              <ma14:wrappingTextBoxFlag xmlns="" xmlns:m="http://schemas.openxmlformats.org/officeDocument/2006/math" xmlns:a14="http://schemas.microsoft.com/office/drawing/2010/main" xmlns:ma14="http://schemas.microsoft.com/office/mac/drawingml/2011/main" val="1"/>
+              <ma14:wrappingTextBoxFlag xmlns:ma14="http://schemas.microsoft.com/office/mac/drawingml/2011/main" xmlns:a14="http://schemas.microsoft.com/office/drawing/2010/main" xmlns:m="http://schemas.openxmlformats.org/officeDocument/2006/math" xmlns="" val="1"/>
             </a:ext>
           </a:extLst>
         </p:spPr>
@@ -1753,7 +1753,7 @@
           </a:ln>
           <a:extLst>
             <a:ext uri="{C572A759-6A51-4108-AA02-DFA0A04FC94B}">
-              <ma14:wrappingTextBoxFlag xmlns="" xmlns:m="http://schemas.openxmlformats.org/officeDocument/2006/math" xmlns:a14="http://schemas.microsoft.com/office/drawing/2010/main" xmlns:ma14="http://schemas.microsoft.com/office/mac/drawingml/2011/main" val="1"/>
+              <ma14:wrappingTextBoxFlag xmlns:ma14="http://schemas.microsoft.com/office/mac/drawingml/2011/main" xmlns:a14="http://schemas.microsoft.com/office/drawing/2010/main" xmlns:m="http://schemas.openxmlformats.org/officeDocument/2006/math" xmlns="" val="1"/>
             </a:ext>
           </a:extLst>
         </p:spPr>
@@ -1822,7 +1822,7 @@
           </a:ln>
           <a:extLst>
             <a:ext uri="{C572A759-6A51-4108-AA02-DFA0A04FC94B}">
-              <ma14:wrappingTextBoxFlag xmlns="" xmlns:m="http://schemas.openxmlformats.org/officeDocument/2006/math" xmlns:a14="http://schemas.microsoft.com/office/drawing/2010/main" xmlns:ma14="http://schemas.microsoft.com/office/mac/drawingml/2011/main" val="1"/>
+              <ma14:wrappingTextBoxFlag xmlns:ma14="http://schemas.microsoft.com/office/mac/drawingml/2011/main" xmlns:a14="http://schemas.microsoft.com/office/drawing/2010/main" xmlns:m="http://schemas.openxmlformats.org/officeDocument/2006/math" xmlns="" val="1"/>
             </a:ext>
           </a:extLst>
         </p:spPr>
@@ -1865,7 +1865,7 @@
           </a:ln>
           <a:extLst>
             <a:ext uri="{C572A759-6A51-4108-AA02-DFA0A04FC94B}">
-              <ma14:wrappingTextBoxFlag xmlns="" xmlns:m="http://schemas.openxmlformats.org/officeDocument/2006/math" xmlns:a14="http://schemas.microsoft.com/office/drawing/2010/main" xmlns:ma14="http://schemas.microsoft.com/office/mac/drawingml/2011/main" val="1"/>
+              <ma14:wrappingTextBoxFlag xmlns:ma14="http://schemas.microsoft.com/office/mac/drawingml/2011/main" xmlns:a14="http://schemas.microsoft.com/office/drawing/2010/main" xmlns:m="http://schemas.openxmlformats.org/officeDocument/2006/math" xmlns="" val="1"/>
             </a:ext>
           </a:extLst>
         </p:spPr>
@@ -1931,7 +1931,7 @@
           </a:ln>
           <a:extLst>
             <a:ext uri="{C572A759-6A51-4108-AA02-DFA0A04FC94B}">
-              <ma14:wrappingTextBoxFlag xmlns="" xmlns:m="http://schemas.openxmlformats.org/officeDocument/2006/math" xmlns:a14="http://schemas.microsoft.com/office/drawing/2010/main" xmlns:ma14="http://schemas.microsoft.com/office/mac/drawingml/2011/main" val="1"/>
+              <ma14:wrappingTextBoxFlag xmlns:ma14="http://schemas.microsoft.com/office/mac/drawingml/2011/main" xmlns:a14="http://schemas.microsoft.com/office/drawing/2010/main" xmlns:m="http://schemas.openxmlformats.org/officeDocument/2006/math" xmlns="" val="1"/>
             </a:ext>
           </a:extLst>
         </p:spPr>
@@ -1995,7 +1995,7 @@
           </a:ln>
           <a:extLst>
             <a:ext uri="{C572A759-6A51-4108-AA02-DFA0A04FC94B}">
-              <ma14:wrappingTextBoxFlag xmlns="" xmlns:m="http://schemas.openxmlformats.org/officeDocument/2006/math" xmlns:a14="http://schemas.microsoft.com/office/drawing/2010/main" xmlns:ma14="http://schemas.microsoft.com/office/mac/drawingml/2011/main" val="1"/>
+              <ma14:wrappingTextBoxFlag xmlns:ma14="http://schemas.microsoft.com/office/mac/drawingml/2011/main" xmlns:a14="http://schemas.microsoft.com/office/drawing/2010/main" xmlns:m="http://schemas.openxmlformats.org/officeDocument/2006/math" xmlns="" val="1"/>
             </a:ext>
           </a:extLst>
         </p:spPr>
@@ -2062,7 +2062,7 @@
           </a:ln>
           <a:extLst>
             <a:ext uri="{C572A759-6A51-4108-AA02-DFA0A04FC94B}">
-              <ma14:wrappingTextBoxFlag xmlns="" xmlns:m="http://schemas.openxmlformats.org/officeDocument/2006/math" xmlns:a14="http://schemas.microsoft.com/office/drawing/2010/main" xmlns:ma14="http://schemas.microsoft.com/office/mac/drawingml/2011/main" val="1"/>
+              <ma14:wrappingTextBoxFlag xmlns:ma14="http://schemas.microsoft.com/office/mac/drawingml/2011/main" xmlns:a14="http://schemas.microsoft.com/office/drawing/2010/main" xmlns:m="http://schemas.openxmlformats.org/officeDocument/2006/math" xmlns="" val="1"/>
             </a:ext>
           </a:extLst>
         </p:spPr>
@@ -2133,7 +2133,7 @@
           </a:ln>
           <a:extLst>
             <a:ext uri="{C572A759-6A51-4108-AA02-DFA0A04FC94B}">
-              <ma14:wrappingTextBoxFlag xmlns="" xmlns:m="http://schemas.openxmlformats.org/officeDocument/2006/math" xmlns:a14="http://schemas.microsoft.com/office/drawing/2010/main" xmlns:ma14="http://schemas.microsoft.com/office/mac/drawingml/2011/main" val="1"/>
+              <ma14:wrappingTextBoxFlag xmlns:ma14="http://schemas.microsoft.com/office/mac/drawingml/2011/main" xmlns:a14="http://schemas.microsoft.com/office/drawing/2010/main" xmlns:m="http://schemas.openxmlformats.org/officeDocument/2006/math" xmlns="" val="1"/>
             </a:ext>
           </a:extLst>
         </p:spPr>
@@ -2174,7 +2174,7 @@
           </a:ln>
           <a:extLst>
             <a:ext uri="{C572A759-6A51-4108-AA02-DFA0A04FC94B}">
-              <ma14:wrappingTextBoxFlag xmlns="" xmlns:m="http://schemas.openxmlformats.org/officeDocument/2006/math" xmlns:a14="http://schemas.microsoft.com/office/drawing/2010/main" xmlns:ma14="http://schemas.microsoft.com/office/mac/drawingml/2011/main" val="1"/>
+              <ma14:wrappingTextBoxFlag xmlns:ma14="http://schemas.microsoft.com/office/mac/drawingml/2011/main" xmlns:a14="http://schemas.microsoft.com/office/drawing/2010/main" xmlns:m="http://schemas.openxmlformats.org/officeDocument/2006/math" xmlns="" val="1"/>
             </a:ext>
           </a:extLst>
         </p:spPr>
@@ -2241,7 +2241,7 @@
           </a:ln>
           <a:extLst>
             <a:ext uri="{C572A759-6A51-4108-AA02-DFA0A04FC94B}">
-              <ma14:wrappingTextBoxFlag xmlns="" xmlns:m="http://schemas.openxmlformats.org/officeDocument/2006/math" xmlns:a14="http://schemas.microsoft.com/office/drawing/2010/main" xmlns:ma14="http://schemas.microsoft.com/office/mac/drawingml/2011/main" val="1"/>
+              <ma14:wrappingTextBoxFlag xmlns:ma14="http://schemas.microsoft.com/office/mac/drawingml/2011/main" xmlns:a14="http://schemas.microsoft.com/office/drawing/2010/main" xmlns:m="http://schemas.openxmlformats.org/officeDocument/2006/math" xmlns="" val="1"/>
             </a:ext>
           </a:extLst>
         </p:spPr>
@@ -2308,7 +2308,7 @@
           </a:ln>
           <a:extLst>
             <a:ext uri="{C572A759-6A51-4108-AA02-DFA0A04FC94B}">
-              <ma14:wrappingTextBoxFlag xmlns="" xmlns:m="http://schemas.openxmlformats.org/officeDocument/2006/math" xmlns:a14="http://schemas.microsoft.com/office/drawing/2010/main" xmlns:ma14="http://schemas.microsoft.com/office/mac/drawingml/2011/main" val="1"/>
+              <ma14:wrappingTextBoxFlag xmlns:ma14="http://schemas.microsoft.com/office/mac/drawingml/2011/main" xmlns:a14="http://schemas.microsoft.com/office/drawing/2010/main" xmlns:m="http://schemas.openxmlformats.org/officeDocument/2006/math" xmlns="" val="1"/>
             </a:ext>
           </a:extLst>
         </p:spPr>
@@ -2348,7 +2348,7 @@
           </a:ln>
           <a:extLst>
             <a:ext uri="{C572A759-6A51-4108-AA02-DFA0A04FC94B}">
-              <ma14:wrappingTextBoxFlag xmlns="" xmlns:m="http://schemas.openxmlformats.org/officeDocument/2006/math" xmlns:a14="http://schemas.microsoft.com/office/drawing/2010/main" xmlns:ma14="http://schemas.microsoft.com/office/mac/drawingml/2011/main" val="1"/>
+              <ma14:wrappingTextBoxFlag xmlns:ma14="http://schemas.microsoft.com/office/mac/drawingml/2011/main" xmlns:a14="http://schemas.microsoft.com/office/drawing/2010/main" xmlns:m="http://schemas.openxmlformats.org/officeDocument/2006/math" xmlns="" val="1"/>
             </a:ext>
           </a:extLst>
         </p:spPr>
@@ -2414,7 +2414,7 @@
           </a:ln>
           <a:extLst>
             <a:ext uri="{C572A759-6A51-4108-AA02-DFA0A04FC94B}">
-              <ma14:wrappingTextBoxFlag xmlns="" xmlns:m="http://schemas.openxmlformats.org/officeDocument/2006/math" xmlns:a14="http://schemas.microsoft.com/office/drawing/2010/main" xmlns:ma14="http://schemas.microsoft.com/office/mac/drawingml/2011/main" val="1"/>
+              <ma14:wrappingTextBoxFlag xmlns:ma14="http://schemas.microsoft.com/office/mac/drawingml/2011/main" xmlns:a14="http://schemas.microsoft.com/office/drawing/2010/main" xmlns:m="http://schemas.openxmlformats.org/officeDocument/2006/math" xmlns="" val="1"/>
             </a:ext>
           </a:extLst>
         </p:spPr>
@@ -2511,7 +2511,7 @@
           </a:ln>
           <a:extLst>
             <a:ext uri="{C572A759-6A51-4108-AA02-DFA0A04FC94B}">
-              <ma14:wrappingTextBoxFlag xmlns="" xmlns:m="http://schemas.openxmlformats.org/officeDocument/2006/math" xmlns:a14="http://schemas.microsoft.com/office/drawing/2010/main" xmlns:ma14="http://schemas.microsoft.com/office/mac/drawingml/2011/main" val="1"/>
+              <ma14:wrappingTextBoxFlag xmlns:ma14="http://schemas.microsoft.com/office/mac/drawingml/2011/main" xmlns:a14="http://schemas.microsoft.com/office/drawing/2010/main" xmlns:m="http://schemas.openxmlformats.org/officeDocument/2006/math" xmlns="" val="1"/>
             </a:ext>
           </a:extLst>
         </p:spPr>
@@ -2552,7 +2552,7 @@
           </a:ln>
           <a:extLst>
             <a:ext uri="{C572A759-6A51-4108-AA02-DFA0A04FC94B}">
-              <ma14:wrappingTextBoxFlag xmlns="" xmlns:m="http://schemas.openxmlformats.org/officeDocument/2006/math" xmlns:a14="http://schemas.microsoft.com/office/drawing/2010/main" xmlns:ma14="http://schemas.microsoft.com/office/mac/drawingml/2011/main" val="1"/>
+              <ma14:wrappingTextBoxFlag xmlns:ma14="http://schemas.microsoft.com/office/mac/drawingml/2011/main" xmlns:a14="http://schemas.microsoft.com/office/drawing/2010/main" xmlns:m="http://schemas.openxmlformats.org/officeDocument/2006/math" xmlns="" val="1"/>
             </a:ext>
           </a:extLst>
         </p:spPr>
@@ -2593,7 +2593,7 @@
           </a:ln>
           <a:extLst>
             <a:ext uri="{C572A759-6A51-4108-AA02-DFA0A04FC94B}">
-              <ma14:wrappingTextBoxFlag xmlns="" xmlns:m="http://schemas.openxmlformats.org/officeDocument/2006/math" xmlns:a14="http://schemas.microsoft.com/office/drawing/2010/main" xmlns:ma14="http://schemas.microsoft.com/office/mac/drawingml/2011/main" val="1"/>
+              <ma14:wrappingTextBoxFlag xmlns:ma14="http://schemas.microsoft.com/office/mac/drawingml/2011/main" xmlns:a14="http://schemas.microsoft.com/office/drawing/2010/main" xmlns:m="http://schemas.openxmlformats.org/officeDocument/2006/math" xmlns="" val="1"/>
             </a:ext>
           </a:extLst>
         </p:spPr>
@@ -2660,7 +2660,7 @@
           </a:ln>
           <a:extLst>
             <a:ext uri="{C572A759-6A51-4108-AA02-DFA0A04FC94B}">
-              <ma14:wrappingTextBoxFlag xmlns="" xmlns:m="http://schemas.openxmlformats.org/officeDocument/2006/math" xmlns:a14="http://schemas.microsoft.com/office/drawing/2010/main" xmlns:ma14="http://schemas.microsoft.com/office/mac/drawingml/2011/main" val="1"/>
+              <ma14:wrappingTextBoxFlag xmlns:ma14="http://schemas.microsoft.com/office/mac/drawingml/2011/main" xmlns:a14="http://schemas.microsoft.com/office/drawing/2010/main" xmlns:m="http://schemas.openxmlformats.org/officeDocument/2006/math" xmlns="" val="1"/>
             </a:ext>
           </a:extLst>
         </p:spPr>
@@ -2724,7 +2724,7 @@
           </a:ln>
           <a:extLst>
             <a:ext uri="{C572A759-6A51-4108-AA02-DFA0A04FC94B}">
-              <ma14:wrappingTextBoxFlag xmlns="" xmlns:m="http://schemas.openxmlformats.org/officeDocument/2006/math" xmlns:a14="http://schemas.microsoft.com/office/drawing/2010/main" xmlns:ma14="http://schemas.microsoft.com/office/mac/drawingml/2011/main" val="1"/>
+              <ma14:wrappingTextBoxFlag xmlns:ma14="http://schemas.microsoft.com/office/mac/drawingml/2011/main" xmlns:a14="http://schemas.microsoft.com/office/drawing/2010/main" xmlns:m="http://schemas.openxmlformats.org/officeDocument/2006/math" xmlns="" val="1"/>
             </a:ext>
           </a:extLst>
         </p:spPr>
@@ -2765,7 +2765,7 @@
           </a:ln>
           <a:extLst>
             <a:ext uri="{C572A759-6A51-4108-AA02-DFA0A04FC94B}">
-              <ma14:wrappingTextBoxFlag xmlns="" xmlns:m="http://schemas.openxmlformats.org/officeDocument/2006/math" xmlns:a14="http://schemas.microsoft.com/office/drawing/2010/main" xmlns:ma14="http://schemas.microsoft.com/office/mac/drawingml/2011/main" val="1"/>
+              <ma14:wrappingTextBoxFlag xmlns:ma14="http://schemas.microsoft.com/office/mac/drawingml/2011/main" xmlns:a14="http://schemas.microsoft.com/office/drawing/2010/main" xmlns:m="http://schemas.openxmlformats.org/officeDocument/2006/math" xmlns="" val="1"/>
             </a:ext>
           </a:extLst>
         </p:spPr>
@@ -2832,7 +2832,7 @@
           </a:ln>
           <a:extLst>
             <a:ext uri="{C572A759-6A51-4108-AA02-DFA0A04FC94B}">
-              <ma14:wrappingTextBoxFlag xmlns="" xmlns:m="http://schemas.openxmlformats.org/officeDocument/2006/math" xmlns:a14="http://schemas.microsoft.com/office/drawing/2010/main" xmlns:ma14="http://schemas.microsoft.com/office/mac/drawingml/2011/main" val="1"/>
+              <ma14:wrappingTextBoxFlag xmlns:ma14="http://schemas.microsoft.com/office/mac/drawingml/2011/main" xmlns:a14="http://schemas.microsoft.com/office/drawing/2010/main" xmlns:m="http://schemas.openxmlformats.org/officeDocument/2006/math" xmlns="" val="1"/>
             </a:ext>
           </a:extLst>
         </p:spPr>
@@ -2897,7 +2897,7 @@
           </a:ln>
           <a:extLst>
             <a:ext uri="{C572A759-6A51-4108-AA02-DFA0A04FC94B}">
-              <ma14:wrappingTextBoxFlag xmlns="" xmlns:m="http://schemas.openxmlformats.org/officeDocument/2006/math" xmlns:a14="http://schemas.microsoft.com/office/drawing/2010/main" xmlns:ma14="http://schemas.microsoft.com/office/mac/drawingml/2011/main" val="1"/>
+              <ma14:wrappingTextBoxFlag xmlns:ma14="http://schemas.microsoft.com/office/mac/drawingml/2011/main" xmlns:a14="http://schemas.microsoft.com/office/drawing/2010/main" xmlns:m="http://schemas.openxmlformats.org/officeDocument/2006/math" xmlns="" val="1"/>
             </a:ext>
           </a:extLst>
         </p:spPr>
@@ -2938,7 +2938,7 @@
           </a:ln>
           <a:extLst>
             <a:ext uri="{C572A759-6A51-4108-AA02-DFA0A04FC94B}">
-              <ma14:wrappingTextBoxFlag xmlns="" xmlns:m="http://schemas.openxmlformats.org/officeDocument/2006/math" xmlns:a14="http://schemas.microsoft.com/office/drawing/2010/main" xmlns:ma14="http://schemas.microsoft.com/office/mac/drawingml/2011/main" val="1"/>
+              <ma14:wrappingTextBoxFlag xmlns:ma14="http://schemas.microsoft.com/office/mac/drawingml/2011/main" xmlns:a14="http://schemas.microsoft.com/office/drawing/2010/main" xmlns:m="http://schemas.openxmlformats.org/officeDocument/2006/math" xmlns="" val="1"/>
             </a:ext>
           </a:extLst>
         </p:spPr>
@@ -3005,7 +3005,7 @@
           </a:ln>
           <a:extLst>
             <a:ext uri="{C572A759-6A51-4108-AA02-DFA0A04FC94B}">
-              <ma14:wrappingTextBoxFlag xmlns="" xmlns:m="http://schemas.openxmlformats.org/officeDocument/2006/math" xmlns:a14="http://schemas.microsoft.com/office/drawing/2010/main" xmlns:ma14="http://schemas.microsoft.com/office/mac/drawingml/2011/main" val="1"/>
+              <ma14:wrappingTextBoxFlag xmlns:ma14="http://schemas.microsoft.com/office/mac/drawingml/2011/main" xmlns:a14="http://schemas.microsoft.com/office/drawing/2010/main" xmlns:m="http://schemas.openxmlformats.org/officeDocument/2006/math" xmlns="" val="1"/>
             </a:ext>
           </a:extLst>
         </p:spPr>
@@ -3097,7 +3097,7 @@
           </a:ln>
           <a:extLst>
             <a:ext uri="{C572A759-6A51-4108-AA02-DFA0A04FC94B}">
-              <ma14:wrappingTextBoxFlag xmlns="" xmlns:m="http://schemas.openxmlformats.org/officeDocument/2006/math" xmlns:a14="http://schemas.microsoft.com/office/drawing/2010/main" xmlns:ma14="http://schemas.microsoft.com/office/mac/drawingml/2011/main" val="1"/>
+              <ma14:wrappingTextBoxFlag xmlns:ma14="http://schemas.microsoft.com/office/mac/drawingml/2011/main" xmlns:a14="http://schemas.microsoft.com/office/drawing/2010/main" xmlns:m="http://schemas.openxmlformats.org/officeDocument/2006/math" xmlns="" val="1"/>
             </a:ext>
           </a:extLst>
         </p:spPr>
@@ -3138,7 +3138,7 @@
           </a:ln>
           <a:extLst>
             <a:ext uri="{C572A759-6A51-4108-AA02-DFA0A04FC94B}">
-              <ma14:wrappingTextBoxFlag xmlns="" xmlns:m="http://schemas.openxmlformats.org/officeDocument/2006/math" xmlns:a14="http://schemas.microsoft.com/office/drawing/2010/main" xmlns:ma14="http://schemas.microsoft.com/office/mac/drawingml/2011/main" val="1"/>
+              <ma14:wrappingTextBoxFlag xmlns:ma14="http://schemas.microsoft.com/office/mac/drawingml/2011/main" xmlns:a14="http://schemas.microsoft.com/office/drawing/2010/main" xmlns:m="http://schemas.openxmlformats.org/officeDocument/2006/math" xmlns="" val="1"/>
             </a:ext>
           </a:extLst>
         </p:spPr>
@@ -3205,7 +3205,7 @@
           </a:ln>
           <a:extLst>
             <a:ext uri="{C572A759-6A51-4108-AA02-DFA0A04FC94B}">
-              <ma14:wrappingTextBoxFlag xmlns="" xmlns:m="http://schemas.openxmlformats.org/officeDocument/2006/math" xmlns:a14="http://schemas.microsoft.com/office/drawing/2010/main" xmlns:ma14="http://schemas.microsoft.com/office/mac/drawingml/2011/main" val="1"/>
+              <ma14:wrappingTextBoxFlag xmlns:ma14="http://schemas.microsoft.com/office/mac/drawingml/2011/main" xmlns:a14="http://schemas.microsoft.com/office/drawing/2010/main" xmlns:m="http://schemas.openxmlformats.org/officeDocument/2006/math" xmlns="" val="1"/>
             </a:ext>
           </a:extLst>
         </p:spPr>
@@ -3273,7 +3273,7 @@
           </a:ln>
           <a:extLst>
             <a:ext uri="{C572A759-6A51-4108-AA02-DFA0A04FC94B}">
-              <ma14:wrappingTextBoxFlag xmlns="" xmlns:m="http://schemas.openxmlformats.org/officeDocument/2006/math" xmlns:a14="http://schemas.microsoft.com/office/drawing/2010/main" xmlns:ma14="http://schemas.microsoft.com/office/mac/drawingml/2011/main" val="1"/>
+              <ma14:wrappingTextBoxFlag xmlns:ma14="http://schemas.microsoft.com/office/mac/drawingml/2011/main" xmlns:a14="http://schemas.microsoft.com/office/drawing/2010/main" xmlns:m="http://schemas.openxmlformats.org/officeDocument/2006/math" xmlns="" val="1"/>
             </a:ext>
           </a:extLst>
         </p:spPr>
@@ -3314,7 +3314,7 @@
           </a:ln>
           <a:extLst>
             <a:ext uri="{C572A759-6A51-4108-AA02-DFA0A04FC94B}">
-              <ma14:wrappingTextBoxFlag xmlns="" xmlns:m="http://schemas.openxmlformats.org/officeDocument/2006/math" xmlns:a14="http://schemas.microsoft.com/office/drawing/2010/main" xmlns:ma14="http://schemas.microsoft.com/office/mac/drawingml/2011/main" val="1"/>
+              <ma14:wrappingTextBoxFlag xmlns:ma14="http://schemas.microsoft.com/office/mac/drawingml/2011/main" xmlns:a14="http://schemas.microsoft.com/office/drawing/2010/main" xmlns:m="http://schemas.openxmlformats.org/officeDocument/2006/math" xmlns="" val="1"/>
             </a:ext>
           </a:extLst>
         </p:spPr>
@@ -3381,7 +3381,7 @@
           </a:ln>
           <a:extLst>
             <a:ext uri="{C572A759-6A51-4108-AA02-DFA0A04FC94B}">
-              <ma14:wrappingTextBoxFlag xmlns="" xmlns:m="http://schemas.openxmlformats.org/officeDocument/2006/math" xmlns:a14="http://schemas.microsoft.com/office/drawing/2010/main" xmlns:ma14="http://schemas.microsoft.com/office/mac/drawingml/2011/main" val="1"/>
+              <ma14:wrappingTextBoxFlag xmlns:ma14="http://schemas.microsoft.com/office/mac/drawingml/2011/main" xmlns:a14="http://schemas.microsoft.com/office/drawing/2010/main" xmlns:m="http://schemas.openxmlformats.org/officeDocument/2006/math" xmlns="" val="1"/>
             </a:ext>
           </a:extLst>
         </p:spPr>
@@ -3469,7 +3469,7 @@
           </a:ln>
           <a:extLst>
             <a:ext uri="{C572A759-6A51-4108-AA02-DFA0A04FC94B}">
-              <ma14:wrappingTextBoxFlag xmlns="" xmlns:m="http://schemas.openxmlformats.org/officeDocument/2006/math" xmlns:a14="http://schemas.microsoft.com/office/drawing/2010/main" xmlns:ma14="http://schemas.microsoft.com/office/mac/drawingml/2011/main" val="1"/>
+              <ma14:wrappingTextBoxFlag xmlns:ma14="http://schemas.microsoft.com/office/mac/drawingml/2011/main" xmlns:a14="http://schemas.microsoft.com/office/drawing/2010/main" xmlns:m="http://schemas.openxmlformats.org/officeDocument/2006/math" xmlns="" val="1"/>
             </a:ext>
           </a:extLst>
         </p:spPr>
@@ -3510,7 +3510,7 @@
           </a:ln>
           <a:extLst>
             <a:ext uri="{C572A759-6A51-4108-AA02-DFA0A04FC94B}">
-              <ma14:wrappingTextBoxFlag xmlns="" xmlns:m="http://schemas.openxmlformats.org/officeDocument/2006/math" xmlns:a14="http://schemas.microsoft.com/office/drawing/2010/main" xmlns:ma14="http://schemas.microsoft.com/office/mac/drawingml/2011/main" val="1"/>
+              <ma14:wrappingTextBoxFlag xmlns:ma14="http://schemas.microsoft.com/office/mac/drawingml/2011/main" xmlns:a14="http://schemas.microsoft.com/office/drawing/2010/main" xmlns:m="http://schemas.openxmlformats.org/officeDocument/2006/math" xmlns="" val="1"/>
             </a:ext>
           </a:extLst>
         </p:spPr>
@@ -3577,7 +3577,7 @@
           </a:ln>
           <a:extLst>
             <a:ext uri="{C572A759-6A51-4108-AA02-DFA0A04FC94B}">
-              <ma14:wrappingTextBoxFlag xmlns="" xmlns:m="http://schemas.openxmlformats.org/officeDocument/2006/math" xmlns:a14="http://schemas.microsoft.com/office/drawing/2010/main" xmlns:ma14="http://schemas.microsoft.com/office/mac/drawingml/2011/main" val="1"/>
+              <ma14:wrappingTextBoxFlag xmlns:ma14="http://schemas.microsoft.com/office/mac/drawingml/2011/main" xmlns:a14="http://schemas.microsoft.com/office/drawing/2010/main" xmlns:m="http://schemas.openxmlformats.org/officeDocument/2006/math" xmlns="" val="1"/>
             </a:ext>
           </a:extLst>
         </p:spPr>
@@ -3667,7 +3667,7 @@
           </a:ln>
           <a:extLst>
             <a:ext uri="{C572A759-6A51-4108-AA02-DFA0A04FC94B}">
-              <ma14:wrappingTextBoxFlag xmlns="" xmlns:m="http://schemas.openxmlformats.org/officeDocument/2006/math" xmlns:a14="http://schemas.microsoft.com/office/drawing/2010/main" xmlns:ma14="http://schemas.microsoft.com/office/mac/drawingml/2011/main" val="1"/>
+              <ma14:wrappingTextBoxFlag xmlns:ma14="http://schemas.microsoft.com/office/mac/drawingml/2011/main" xmlns:a14="http://schemas.microsoft.com/office/drawing/2010/main" xmlns:m="http://schemas.openxmlformats.org/officeDocument/2006/math" xmlns="" val="1"/>
             </a:ext>
           </a:extLst>
         </p:spPr>
@@ -3708,7 +3708,7 @@
           </a:ln>
           <a:extLst>
             <a:ext uri="{C572A759-6A51-4108-AA02-DFA0A04FC94B}">
-              <ma14:wrappingTextBoxFlag xmlns="" xmlns:m="http://schemas.openxmlformats.org/officeDocument/2006/math" xmlns:a14="http://schemas.microsoft.com/office/drawing/2010/main" xmlns:ma14="http://schemas.microsoft.com/office/mac/drawingml/2011/main" val="1"/>
+              <ma14:wrappingTextBoxFlag xmlns:ma14="http://schemas.microsoft.com/office/mac/drawingml/2011/main" xmlns:a14="http://schemas.microsoft.com/office/drawing/2010/main" xmlns:m="http://schemas.openxmlformats.org/officeDocument/2006/math" xmlns="" val="1"/>
             </a:ext>
           </a:extLst>
         </p:spPr>
@@ -3749,7 +3749,7 @@
           </a:ln>
           <a:extLst>
             <a:ext uri="{C572A759-6A51-4108-AA02-DFA0A04FC94B}">
-              <ma14:wrappingTextBoxFlag xmlns="" xmlns:m="http://schemas.openxmlformats.org/officeDocument/2006/math" xmlns:a14="http://schemas.microsoft.com/office/drawing/2010/main" xmlns:ma14="http://schemas.microsoft.com/office/mac/drawingml/2011/main" val="1"/>
+              <ma14:wrappingTextBoxFlag xmlns:ma14="http://schemas.microsoft.com/office/mac/drawingml/2011/main" xmlns:a14="http://schemas.microsoft.com/office/drawing/2010/main" xmlns:m="http://schemas.openxmlformats.org/officeDocument/2006/math" xmlns="" val="1"/>
             </a:ext>
           </a:extLst>
         </p:spPr>
@@ -3816,7 +3816,7 @@
           </a:ln>
           <a:extLst>
             <a:ext uri="{C572A759-6A51-4108-AA02-DFA0A04FC94B}">
-              <ma14:wrappingTextBoxFlag xmlns="" xmlns:m="http://schemas.openxmlformats.org/officeDocument/2006/math" xmlns:a14="http://schemas.microsoft.com/office/drawing/2010/main" xmlns:ma14="http://schemas.microsoft.com/office/mac/drawingml/2011/main" val="1"/>
+              <ma14:wrappingTextBoxFlag xmlns:ma14="http://schemas.microsoft.com/office/mac/drawingml/2011/main" xmlns:a14="http://schemas.microsoft.com/office/drawing/2010/main" xmlns:m="http://schemas.openxmlformats.org/officeDocument/2006/math" xmlns="" val="1"/>
             </a:ext>
           </a:extLst>
         </p:spPr>
@@ -3860,7 +3860,7 @@
           </a:ln>
           <a:extLst>
             <a:ext uri="{C572A759-6A51-4108-AA02-DFA0A04FC94B}">
-              <ma14:wrappingTextBoxFlag xmlns="" xmlns:m="http://schemas.openxmlformats.org/officeDocument/2006/math" xmlns:a14="http://schemas.microsoft.com/office/drawing/2010/main" xmlns:ma14="http://schemas.microsoft.com/office/mac/drawingml/2011/main" val="1"/>
+              <ma14:wrappingTextBoxFlag xmlns:ma14="http://schemas.microsoft.com/office/mac/drawingml/2011/main" xmlns:a14="http://schemas.microsoft.com/office/drawing/2010/main" xmlns:m="http://schemas.openxmlformats.org/officeDocument/2006/math" xmlns="" val="1"/>
             </a:ext>
           </a:extLst>
         </p:spPr>
@@ -3927,7 +3927,7 @@
           </a:ln>
           <a:extLst>
             <a:ext uri="{C572A759-6A51-4108-AA02-DFA0A04FC94B}">
-              <ma14:wrappingTextBoxFlag xmlns="" xmlns:m="http://schemas.openxmlformats.org/officeDocument/2006/math" xmlns:a14="http://schemas.microsoft.com/office/drawing/2010/main" xmlns:ma14="http://schemas.microsoft.com/office/mac/drawingml/2011/main" val="1"/>
+              <ma14:wrappingTextBoxFlag xmlns:ma14="http://schemas.microsoft.com/office/mac/drawingml/2011/main" xmlns:a14="http://schemas.microsoft.com/office/drawing/2010/main" xmlns:m="http://schemas.openxmlformats.org/officeDocument/2006/math" xmlns="" val="1"/>
             </a:ext>
           </a:extLst>
         </p:spPr>
@@ -4016,7 +4016,7 @@
           </a:ln>
           <a:extLst>
             <a:ext uri="{C572A759-6A51-4108-AA02-DFA0A04FC94B}">
-              <ma14:wrappingTextBoxFlag xmlns="" xmlns:m="http://schemas.openxmlformats.org/officeDocument/2006/math" xmlns:a14="http://schemas.microsoft.com/office/drawing/2010/main" xmlns:ma14="http://schemas.microsoft.com/office/mac/drawingml/2011/main" val="1"/>
+              <ma14:wrappingTextBoxFlag xmlns:ma14="http://schemas.microsoft.com/office/mac/drawingml/2011/main" xmlns:a14="http://schemas.microsoft.com/office/drawing/2010/main" xmlns:m="http://schemas.openxmlformats.org/officeDocument/2006/math" xmlns="" val="1"/>
             </a:ext>
           </a:extLst>
         </p:spPr>
@@ -4056,7 +4056,7 @@
           </a:ln>
           <a:extLst>
             <a:ext uri="{C572A759-6A51-4108-AA02-DFA0A04FC94B}">
-              <ma14:wrappingTextBoxFlag xmlns="" xmlns:m="http://schemas.openxmlformats.org/officeDocument/2006/math" xmlns:a14="http://schemas.microsoft.com/office/drawing/2010/main" xmlns:ma14="http://schemas.microsoft.com/office/mac/drawingml/2011/main" val="1"/>
+              <ma14:wrappingTextBoxFlag xmlns:ma14="http://schemas.microsoft.com/office/mac/drawingml/2011/main" xmlns:a14="http://schemas.microsoft.com/office/drawing/2010/main" xmlns:m="http://schemas.openxmlformats.org/officeDocument/2006/math" xmlns="" val="1"/>
             </a:ext>
           </a:extLst>
         </p:spPr>
@@ -4096,7 +4096,7 @@
           </a:ln>
           <a:extLst>
             <a:ext uri="{C572A759-6A51-4108-AA02-DFA0A04FC94B}">
-              <ma14:wrappingTextBoxFlag xmlns="" xmlns:m="http://schemas.openxmlformats.org/officeDocument/2006/math" xmlns:a14="http://schemas.microsoft.com/office/drawing/2010/main" xmlns:ma14="http://schemas.microsoft.com/office/mac/drawingml/2011/main" val="1"/>
+              <ma14:wrappingTextBoxFlag xmlns:ma14="http://schemas.microsoft.com/office/mac/drawingml/2011/main" xmlns:a14="http://schemas.microsoft.com/office/drawing/2010/main" xmlns:m="http://schemas.openxmlformats.org/officeDocument/2006/math" xmlns="" val="1"/>
             </a:ext>
           </a:extLst>
         </p:spPr>
@@ -4162,7 +4162,7 @@
           </a:ln>
           <a:extLst>
             <a:ext uri="{C572A759-6A51-4108-AA02-DFA0A04FC94B}">
-              <ma14:wrappingTextBoxFlag xmlns="" xmlns:m="http://schemas.openxmlformats.org/officeDocument/2006/math" xmlns:a14="http://schemas.microsoft.com/office/drawing/2010/main" xmlns:ma14="http://schemas.microsoft.com/office/mac/drawingml/2011/main" val="1"/>
+              <ma14:wrappingTextBoxFlag xmlns:ma14="http://schemas.microsoft.com/office/mac/drawingml/2011/main" xmlns:a14="http://schemas.microsoft.com/office/drawing/2010/main" xmlns:m="http://schemas.openxmlformats.org/officeDocument/2006/math" xmlns="" val="1"/>
             </a:ext>
           </a:extLst>
         </p:spPr>
@@ -4208,7 +4208,7 @@
           </a:ln>
           <a:extLst>
             <a:ext uri="{C572A759-6A51-4108-AA02-DFA0A04FC94B}">
-              <ma14:wrappingTextBoxFlag xmlns="" xmlns:m="http://schemas.openxmlformats.org/officeDocument/2006/math" xmlns:a14="http://schemas.microsoft.com/office/drawing/2010/main" xmlns:ma14="http://schemas.microsoft.com/office/mac/drawingml/2011/main" val="1"/>
+              <ma14:wrappingTextBoxFlag xmlns:ma14="http://schemas.microsoft.com/office/mac/drawingml/2011/main" xmlns:a14="http://schemas.microsoft.com/office/drawing/2010/main" xmlns:m="http://schemas.openxmlformats.org/officeDocument/2006/math" xmlns="" val="1"/>
             </a:ext>
           </a:extLst>
         </p:spPr>
@@ -4275,7 +4275,7 @@
           </a:ln>
           <a:extLst>
             <a:ext uri="{C572A759-6A51-4108-AA02-DFA0A04FC94B}">
-              <ma14:wrappingTextBoxFlag xmlns="" xmlns:m="http://schemas.openxmlformats.org/officeDocument/2006/math" xmlns:a14="http://schemas.microsoft.com/office/drawing/2010/main" xmlns:ma14="http://schemas.microsoft.com/office/mac/drawingml/2011/main" val="1"/>
+              <ma14:wrappingTextBoxFlag xmlns:ma14="http://schemas.microsoft.com/office/mac/drawingml/2011/main" xmlns:a14="http://schemas.microsoft.com/office/drawing/2010/main" xmlns:m="http://schemas.openxmlformats.org/officeDocument/2006/math" xmlns="" val="1"/>
             </a:ext>
           </a:extLst>
         </p:spPr>
@@ -4319,7 +4319,7 @@
           </a:ln>
           <a:extLst>
             <a:ext uri="{C572A759-6A51-4108-AA02-DFA0A04FC94B}">
-              <ma14:wrappingTextBoxFlag xmlns="" xmlns:m="http://schemas.openxmlformats.org/officeDocument/2006/math" xmlns:a14="http://schemas.microsoft.com/office/drawing/2010/main" xmlns:ma14="http://schemas.microsoft.com/office/mac/drawingml/2011/main" val="1"/>
+              <ma14:wrappingTextBoxFlag xmlns:ma14="http://schemas.microsoft.com/office/mac/drawingml/2011/main" xmlns:a14="http://schemas.microsoft.com/office/drawing/2010/main" xmlns:m="http://schemas.openxmlformats.org/officeDocument/2006/math" xmlns="" val="1"/>
             </a:ext>
           </a:extLst>
         </p:spPr>
@@ -4386,7 +4386,7 @@
           </a:ln>
           <a:extLst>
             <a:ext uri="{C572A759-6A51-4108-AA02-DFA0A04FC94B}">
-              <ma14:wrappingTextBoxFlag xmlns="" xmlns:m="http://schemas.openxmlformats.org/officeDocument/2006/math" xmlns:a14="http://schemas.microsoft.com/office/drawing/2010/main" xmlns:ma14="http://schemas.microsoft.com/office/mac/drawingml/2011/main" val="1"/>
+              <ma14:wrappingTextBoxFlag xmlns:ma14="http://schemas.microsoft.com/office/mac/drawingml/2011/main" xmlns:a14="http://schemas.microsoft.com/office/drawing/2010/main" xmlns:m="http://schemas.openxmlformats.org/officeDocument/2006/math" xmlns="" val="1"/>
             </a:ext>
           </a:extLst>
         </p:spPr>
@@ -4457,7 +4457,7 @@
           </a:ln>
           <a:extLst>
             <a:ext uri="{C572A759-6A51-4108-AA02-DFA0A04FC94B}">
-              <ma14:wrappingTextBoxFlag xmlns="" xmlns:m="http://schemas.openxmlformats.org/officeDocument/2006/math" xmlns:a14="http://schemas.microsoft.com/office/drawing/2010/main" xmlns:ma14="http://schemas.microsoft.com/office/mac/drawingml/2011/main" val="1"/>
+              <ma14:wrappingTextBoxFlag xmlns:ma14="http://schemas.microsoft.com/office/mac/drawingml/2011/main" xmlns:a14="http://schemas.microsoft.com/office/drawing/2010/main" xmlns:m="http://schemas.openxmlformats.org/officeDocument/2006/math" xmlns="" val="1"/>
             </a:ext>
           </a:extLst>
         </p:spPr>
@@ -4523,7 +4523,7 @@
           </a:ln>
           <a:extLst>
             <a:ext uri="{C572A759-6A51-4108-AA02-DFA0A04FC94B}">
-              <ma14:wrappingTextBoxFlag xmlns="" xmlns:m="http://schemas.openxmlformats.org/officeDocument/2006/math" xmlns:a14="http://schemas.microsoft.com/office/drawing/2010/main" xmlns:ma14="http://schemas.microsoft.com/office/mac/drawingml/2011/main" val="1"/>
+              <ma14:wrappingTextBoxFlag xmlns:ma14="http://schemas.microsoft.com/office/mac/drawingml/2011/main" xmlns:a14="http://schemas.microsoft.com/office/drawing/2010/main" xmlns:m="http://schemas.openxmlformats.org/officeDocument/2006/math" xmlns="" val="1"/>
             </a:ext>
           </a:extLst>
         </p:spPr>
@@ -4594,7 +4594,7 @@
           </a:ln>
           <a:extLst>
             <a:ext uri="{C572A759-6A51-4108-AA02-DFA0A04FC94B}">
-              <ma14:wrappingTextBoxFlag xmlns="" xmlns:m="http://schemas.openxmlformats.org/officeDocument/2006/math" xmlns:a14="http://schemas.microsoft.com/office/drawing/2010/main" xmlns:ma14="http://schemas.microsoft.com/office/mac/drawingml/2011/main" val="1"/>
+              <ma14:wrappingTextBoxFlag xmlns:ma14="http://schemas.microsoft.com/office/mac/drawingml/2011/main" xmlns:a14="http://schemas.microsoft.com/office/drawing/2010/main" xmlns:m="http://schemas.openxmlformats.org/officeDocument/2006/math" xmlns="" val="1"/>
             </a:ext>
           </a:extLst>
         </p:spPr>
@@ -4635,7 +4635,7 @@
           </a:ln>
           <a:extLst>
             <a:ext uri="{C572A759-6A51-4108-AA02-DFA0A04FC94B}">
-              <ma14:wrappingTextBoxFlag xmlns="" xmlns:m="http://schemas.openxmlformats.org/officeDocument/2006/math" xmlns:a14="http://schemas.microsoft.com/office/drawing/2010/main" xmlns:ma14="http://schemas.microsoft.com/office/mac/drawingml/2011/main" val="1"/>
+              <ma14:wrappingTextBoxFlag xmlns:ma14="http://schemas.microsoft.com/office/mac/drawingml/2011/main" xmlns:a14="http://schemas.microsoft.com/office/drawing/2010/main" xmlns:m="http://schemas.openxmlformats.org/officeDocument/2006/math" xmlns="" val="1"/>
             </a:ext>
           </a:extLst>
         </p:spPr>
@@ -4702,7 +4702,7 @@
           </a:ln>
           <a:extLst>
             <a:ext uri="{C572A759-6A51-4108-AA02-DFA0A04FC94B}">
-              <ma14:wrappingTextBoxFlag xmlns="" xmlns:m="http://schemas.openxmlformats.org/officeDocument/2006/math" xmlns:a14="http://schemas.microsoft.com/office/drawing/2010/main" xmlns:ma14="http://schemas.microsoft.com/office/mac/drawingml/2011/main" val="1"/>
+              <ma14:wrappingTextBoxFlag xmlns:ma14="http://schemas.microsoft.com/office/mac/drawingml/2011/main" xmlns:a14="http://schemas.microsoft.com/office/drawing/2010/main" xmlns:m="http://schemas.openxmlformats.org/officeDocument/2006/math" xmlns="" val="1"/>
             </a:ext>
           </a:extLst>
         </p:spPr>
@@ -4770,7 +4770,7 @@
           </a:ln>
           <a:extLst>
             <a:ext uri="{C572A759-6A51-4108-AA02-DFA0A04FC94B}">
-              <ma14:wrappingTextBoxFlag xmlns="" xmlns:m="http://schemas.openxmlformats.org/officeDocument/2006/math" xmlns:a14="http://schemas.microsoft.com/office/drawing/2010/main" xmlns:ma14="http://schemas.microsoft.com/office/mac/drawingml/2011/main" val="1"/>
+              <ma14:wrappingTextBoxFlag xmlns:ma14="http://schemas.microsoft.com/office/mac/drawingml/2011/main" xmlns:a14="http://schemas.microsoft.com/office/drawing/2010/main" xmlns:m="http://schemas.openxmlformats.org/officeDocument/2006/math" xmlns="" val="1"/>
             </a:ext>
           </a:extLst>
         </p:spPr>
@@ -4811,7 +4811,7 @@
           </a:ln>
           <a:extLst>
             <a:ext uri="{C572A759-6A51-4108-AA02-DFA0A04FC94B}">
-              <ma14:wrappingTextBoxFlag xmlns="" xmlns:m="http://schemas.openxmlformats.org/officeDocument/2006/math" xmlns:a14="http://schemas.microsoft.com/office/drawing/2010/main" xmlns:ma14="http://schemas.microsoft.com/office/mac/drawingml/2011/main" val="1"/>
+              <ma14:wrappingTextBoxFlag xmlns:ma14="http://schemas.microsoft.com/office/mac/drawingml/2011/main" xmlns:a14="http://schemas.microsoft.com/office/drawing/2010/main" xmlns:m="http://schemas.openxmlformats.org/officeDocument/2006/math" xmlns="" val="1"/>
             </a:ext>
           </a:extLst>
         </p:spPr>
@@ -4878,7 +4878,7 @@
           </a:ln>
           <a:extLst>
             <a:ext uri="{C572A759-6A51-4108-AA02-DFA0A04FC94B}">
-              <ma14:wrappingTextBoxFlag xmlns="" xmlns:m="http://schemas.openxmlformats.org/officeDocument/2006/math" xmlns:a14="http://schemas.microsoft.com/office/drawing/2010/main" xmlns:ma14="http://schemas.microsoft.com/office/mac/drawingml/2011/main" val="1"/>
+              <ma14:wrappingTextBoxFlag xmlns:ma14="http://schemas.microsoft.com/office/mac/drawingml/2011/main" xmlns:a14="http://schemas.microsoft.com/office/drawing/2010/main" xmlns:m="http://schemas.openxmlformats.org/officeDocument/2006/math" xmlns="" val="1"/>
             </a:ext>
           </a:extLst>
         </p:spPr>
@@ -4928,7 +4928,7 @@
           </a:ln>
           <a:extLst>
             <a:ext uri="{C572A759-6A51-4108-AA02-DFA0A04FC94B}">
-              <ma14:wrappingTextBoxFlag xmlns="" xmlns:m="http://schemas.openxmlformats.org/officeDocument/2006/math" xmlns:a14="http://schemas.microsoft.com/office/drawing/2010/main" xmlns:ma14="http://schemas.microsoft.com/office/mac/drawingml/2011/main" val="1"/>
+              <ma14:wrappingTextBoxFlag xmlns:ma14="http://schemas.microsoft.com/office/mac/drawingml/2011/main" xmlns:a14="http://schemas.microsoft.com/office/drawing/2010/main" xmlns:m="http://schemas.openxmlformats.org/officeDocument/2006/math" xmlns="" val="1"/>
             </a:ext>
           </a:extLst>
         </p:spPr>
@@ -4994,7 +4994,7 @@
           </a:ln>
           <a:extLst>
             <a:ext uri="{C572A759-6A51-4108-AA02-DFA0A04FC94B}">
-              <ma14:wrappingTextBoxFlag xmlns="" xmlns:m="http://schemas.openxmlformats.org/officeDocument/2006/math" xmlns:a14="http://schemas.microsoft.com/office/drawing/2010/main" xmlns:ma14="http://schemas.microsoft.com/office/mac/drawingml/2011/main" val="1"/>
+              <ma14:wrappingTextBoxFlag xmlns:ma14="http://schemas.microsoft.com/office/mac/drawingml/2011/main" xmlns:a14="http://schemas.microsoft.com/office/drawing/2010/main" xmlns:m="http://schemas.openxmlformats.org/officeDocument/2006/math" xmlns="" val="1"/>
             </a:ext>
           </a:extLst>
         </p:spPr>
@@ -5045,7 +5045,7 @@
           </a:ln>
           <a:extLst>
             <a:ext uri="{C572A759-6A51-4108-AA02-DFA0A04FC94B}">
-              <ma14:wrappingTextBoxFlag xmlns="" xmlns:m="http://schemas.openxmlformats.org/officeDocument/2006/math" xmlns:a14="http://schemas.microsoft.com/office/drawing/2010/main" xmlns:ma14="http://schemas.microsoft.com/office/mac/drawingml/2011/main" val="1"/>
+              <ma14:wrappingTextBoxFlag xmlns:ma14="http://schemas.microsoft.com/office/mac/drawingml/2011/main" xmlns:a14="http://schemas.microsoft.com/office/drawing/2010/main" xmlns:m="http://schemas.openxmlformats.org/officeDocument/2006/math" xmlns="" val="1"/>
             </a:ext>
           </a:extLst>
         </p:spPr>
@@ -5111,7 +5111,7 @@
           </a:ln>
           <a:extLst>
             <a:ext uri="{C572A759-6A51-4108-AA02-DFA0A04FC94B}">
-              <ma14:wrappingTextBoxFlag xmlns="" xmlns:m="http://schemas.openxmlformats.org/officeDocument/2006/math" xmlns:a14="http://schemas.microsoft.com/office/drawing/2010/main" xmlns:ma14="http://schemas.microsoft.com/office/mac/drawingml/2011/main" val="1"/>
+              <ma14:wrappingTextBoxFlag xmlns:ma14="http://schemas.microsoft.com/office/mac/drawingml/2011/main" xmlns:a14="http://schemas.microsoft.com/office/drawing/2010/main" xmlns:m="http://schemas.openxmlformats.org/officeDocument/2006/math" xmlns="" val="1"/>
             </a:ext>
           </a:extLst>
         </p:spPr>
@@ -5197,7 +5197,7 @@
           </a:ln>
           <a:extLst>
             <a:ext uri="{C572A759-6A51-4108-AA02-DFA0A04FC94B}">
-              <ma14:wrappingTextBoxFlag xmlns="" xmlns:m="http://schemas.openxmlformats.org/officeDocument/2006/math" xmlns:a14="http://schemas.microsoft.com/office/drawing/2010/main" xmlns:ma14="http://schemas.microsoft.com/office/mac/drawingml/2011/main" val="1"/>
+              <ma14:wrappingTextBoxFlag xmlns:ma14="http://schemas.microsoft.com/office/mac/drawingml/2011/main" xmlns:a14="http://schemas.microsoft.com/office/drawing/2010/main" xmlns:m="http://schemas.openxmlformats.org/officeDocument/2006/math" xmlns="" val="1"/>
             </a:ext>
           </a:extLst>
         </p:spPr>
@@ -5238,7 +5238,7 @@
           </a:ln>
           <a:extLst>
             <a:ext uri="{C572A759-6A51-4108-AA02-DFA0A04FC94B}">
-              <ma14:wrappingTextBoxFlag xmlns="" xmlns:m="http://schemas.openxmlformats.org/officeDocument/2006/math" xmlns:a14="http://schemas.microsoft.com/office/drawing/2010/main" xmlns:ma14="http://schemas.microsoft.com/office/mac/drawingml/2011/main" val="1"/>
+              <ma14:wrappingTextBoxFlag xmlns:ma14="http://schemas.microsoft.com/office/mac/drawingml/2011/main" xmlns:a14="http://schemas.microsoft.com/office/drawing/2010/main" xmlns:m="http://schemas.openxmlformats.org/officeDocument/2006/math" xmlns="" val="1"/>
             </a:ext>
           </a:extLst>
         </p:spPr>
@@ -5279,7 +5279,7 @@
           </a:ln>
           <a:extLst>
             <a:ext uri="{C572A759-6A51-4108-AA02-DFA0A04FC94B}">
-              <ma14:wrappingTextBoxFlag xmlns="" xmlns:m="http://schemas.openxmlformats.org/officeDocument/2006/math" xmlns:a14="http://schemas.microsoft.com/office/drawing/2010/main" xmlns:ma14="http://schemas.microsoft.com/office/mac/drawingml/2011/main" val="1"/>
+              <ma14:wrappingTextBoxFlag xmlns:ma14="http://schemas.microsoft.com/office/mac/drawingml/2011/main" xmlns:a14="http://schemas.microsoft.com/office/drawing/2010/main" xmlns:m="http://schemas.openxmlformats.org/officeDocument/2006/math" xmlns="" val="1"/>
             </a:ext>
           </a:extLst>
         </p:spPr>
@@ -5348,7 +5348,7 @@
           </a:ln>
           <a:extLst>
             <a:ext uri="{C572A759-6A51-4108-AA02-DFA0A04FC94B}">
-              <ma14:wrappingTextBoxFlag xmlns="" xmlns:m="http://schemas.openxmlformats.org/officeDocument/2006/math" xmlns:a14="http://schemas.microsoft.com/office/drawing/2010/main" xmlns:ma14="http://schemas.microsoft.com/office/mac/drawingml/2011/main" val="1"/>
+              <ma14:wrappingTextBoxFlag xmlns:ma14="http://schemas.microsoft.com/office/mac/drawingml/2011/main" xmlns:a14="http://schemas.microsoft.com/office/drawing/2010/main" xmlns:m="http://schemas.openxmlformats.org/officeDocument/2006/math" xmlns="" val="1"/>
             </a:ext>
           </a:extLst>
         </p:spPr>
@@ -5377,23 +5377,23 @@
         </p:nvSpPr>
         <p:spPr>
           <a:xfrm>
-            <a:off x="1248038" y="2967335"/>
-            <a:ext cx="9695922" cy="923330"/>
-          </a:xfrm>
-          <a:prstGeom prst="rect">
-            <a:avLst/>
-          </a:prstGeom>
-          <a:ln w="12700">
-            <a:miter lim="400000"/>
-          </a:ln>
-          <a:extLst>
-            <a:ext uri="{C572A759-6A51-4108-AA02-DFA0A04FC94B}">
-              <ma14:wrappingTextBoxFlag xmlns="" xmlns:m="http://schemas.openxmlformats.org/officeDocument/2006/math" xmlns:a14="http://schemas.microsoft.com/office/drawing/2010/main" xmlns:ma14="http://schemas.microsoft.com/office/mac/drawingml/2011/main" val="1"/>
-            </a:ext>
-          </a:extLst>
-        </p:spPr>
-        <p:txBody>
-          <a:bodyPr wrap="none" lIns="45719" rIns="45719">
+            <a:off x="287688" y="2967335"/>
+            <a:ext cx="11616624" cy="923330"/>
+          </a:xfrm>
+          <a:prstGeom prst="rect">
+            <a:avLst/>
+          </a:prstGeom>
+          <a:ln w="12700">
+            <a:miter lim="400000"/>
+          </a:ln>
+          <a:extLst>
+            <a:ext uri="{C572A759-6A51-4108-AA02-DFA0A04FC94B}">
+              <ma14:wrappingTextBoxFlag xmlns:ma14="http://schemas.microsoft.com/office/mac/drawingml/2011/main" xmlns:a14="http://schemas.microsoft.com/office/drawing/2010/main" xmlns:m="http://schemas.openxmlformats.org/officeDocument/2006/math" xmlns="" val="1"/>
+            </a:ext>
+          </a:extLst>
+        </p:spPr>
+        <p:txBody>
+          <a:bodyPr wrap="square" lIns="45719" rIns="45719">
             <a:spAutoFit/>
           </a:bodyPr>
           <a:lstStyle>
@@ -5412,58 +5412,10 @@
           <a:p>
             <a:pPr algn="ctr"/>
             <a:r>
-              <a:rPr sz="5400" dirty="0"/>
-              <a:t>Break then the Bread (GB - 572)</a:t>
-            </a:r>
-          </a:p>
-        </p:txBody>
-      </p:sp>
-      <p:sp>
-        <p:nvSpPr>
-          <p:cNvPr id="433" name="I gave my Life (GB - 468)"/>
-          <p:cNvSpPr txBox="1"/>
-          <p:nvPr/>
-        </p:nvSpPr>
-        <p:spPr>
-          <a:xfrm>
-            <a:off x="2253121" y="4552451"/>
-            <a:ext cx="7685756" cy="923330"/>
-          </a:xfrm>
-          <a:prstGeom prst="rect">
-            <a:avLst/>
-          </a:prstGeom>
-          <a:ln w="12700">
-            <a:miter lim="400000"/>
-          </a:ln>
-          <a:extLst>
-            <a:ext uri="{C572A759-6A51-4108-AA02-DFA0A04FC94B}">
-              <ma14:wrappingTextBoxFlag xmlns="" xmlns:m="http://schemas.openxmlformats.org/officeDocument/2006/math" xmlns:a14="http://schemas.microsoft.com/office/drawing/2010/main" xmlns:ma14="http://schemas.microsoft.com/office/mac/drawingml/2011/main" val="1"/>
-            </a:ext>
-          </a:extLst>
-        </p:spPr>
-        <p:txBody>
-          <a:bodyPr wrap="none" lIns="45719" rIns="45719" anchor="ctr">
-            <a:spAutoFit/>
-          </a:bodyPr>
-          <a:lstStyle>
-            <a:lvl1pPr>
-              <a:spcBef>
-                <a:spcPts val="700"/>
-              </a:spcBef>
-              <a:defRPr sz="3200">
-                <a:latin typeface="Palatino"/>
-                <a:ea typeface="Palatino"/>
-                <a:cs typeface="Palatino"/>
-                <a:sym typeface="Palatino"/>
-              </a:defRPr>
-            </a:lvl1pPr>
-          </a:lstStyle>
-          <a:p>
-            <a:pPr algn="ctr"/>
-            <a:r>
-              <a:rPr sz="5400" dirty="0"/>
-              <a:t>I gave my Life (GB - 468)</a:t>
-            </a:r>
+              <a:rPr lang="en-US" sz="5400"/>
+              <a:t>Communion Songs here</a:t>
+            </a:r>
+            <a:endParaRPr sz="5400" dirty="0"/>
           </a:p>
         </p:txBody>
       </p:sp>
@@ -5512,7 +5464,7 @@
           </a:ln>
           <a:extLst>
             <a:ext uri="{C572A759-6A51-4108-AA02-DFA0A04FC94B}">
-              <ma14:wrappingTextBoxFlag xmlns="" xmlns:m="http://schemas.openxmlformats.org/officeDocument/2006/math" xmlns:a14="http://schemas.microsoft.com/office/drawing/2010/main" xmlns:ma14="http://schemas.microsoft.com/office/mac/drawingml/2011/main" val="1"/>
+              <ma14:wrappingTextBoxFlag xmlns:ma14="http://schemas.microsoft.com/office/mac/drawingml/2011/main" xmlns:a14="http://schemas.microsoft.com/office/drawing/2010/main" xmlns:m="http://schemas.openxmlformats.org/officeDocument/2006/math" xmlns="" val="1"/>
             </a:ext>
           </a:extLst>
         </p:spPr>
@@ -5704,7 +5656,7 @@
           </a:ln>
           <a:extLst>
             <a:ext uri="{C572A759-6A51-4108-AA02-DFA0A04FC94B}">
-              <ma14:wrappingTextBoxFlag xmlns="" xmlns:m="http://schemas.openxmlformats.org/officeDocument/2006/math" xmlns:a14="http://schemas.microsoft.com/office/drawing/2010/main" xmlns:ma14="http://schemas.microsoft.com/office/mac/drawingml/2011/main" val="1"/>
+              <ma14:wrappingTextBoxFlag xmlns:ma14="http://schemas.microsoft.com/office/mac/drawingml/2011/main" xmlns:a14="http://schemas.microsoft.com/office/drawing/2010/main" xmlns:m="http://schemas.openxmlformats.org/officeDocument/2006/math" xmlns="" val="1"/>
             </a:ext>
           </a:extLst>
         </p:spPr>
@@ -5765,7 +5717,7 @@
           </a:ln>
           <a:extLst>
             <a:ext uri="{C572A759-6A51-4108-AA02-DFA0A04FC94B}">
-              <ma14:wrappingTextBoxFlag xmlns="" xmlns:m="http://schemas.openxmlformats.org/officeDocument/2006/math" xmlns:a14="http://schemas.microsoft.com/office/drawing/2010/main" xmlns:ma14="http://schemas.microsoft.com/office/mac/drawingml/2011/main" val="1"/>
+              <ma14:wrappingTextBoxFlag xmlns:ma14="http://schemas.microsoft.com/office/mac/drawingml/2011/main" xmlns:a14="http://schemas.microsoft.com/office/drawing/2010/main" xmlns:m="http://schemas.openxmlformats.org/officeDocument/2006/math" xmlns="" val="1"/>
             </a:ext>
           </a:extLst>
         </p:spPr>
@@ -5831,7 +5783,7 @@
           </a:ln>
           <a:extLst>
             <a:ext uri="{C572A759-6A51-4108-AA02-DFA0A04FC94B}">
-              <ma14:wrappingTextBoxFlag xmlns="" xmlns:m="http://schemas.openxmlformats.org/officeDocument/2006/math" xmlns:a14="http://schemas.microsoft.com/office/drawing/2010/main" xmlns:ma14="http://schemas.microsoft.com/office/mac/drawingml/2011/main" val="1"/>
+              <ma14:wrappingTextBoxFlag xmlns:ma14="http://schemas.microsoft.com/office/mac/drawingml/2011/main" xmlns:a14="http://schemas.microsoft.com/office/drawing/2010/main" xmlns:m="http://schemas.openxmlformats.org/officeDocument/2006/math" xmlns="" val="1"/>
             </a:ext>
           </a:extLst>
         </p:spPr>
@@ -5874,7 +5826,7 @@
           </a:ln>
           <a:extLst>
             <a:ext uri="{C572A759-6A51-4108-AA02-DFA0A04FC94B}">
-              <ma14:wrappingTextBoxFlag xmlns="" xmlns:m="http://schemas.openxmlformats.org/officeDocument/2006/math" xmlns:a14="http://schemas.microsoft.com/office/drawing/2010/main" xmlns:ma14="http://schemas.microsoft.com/office/mac/drawingml/2011/main" val="1"/>
+              <ma14:wrappingTextBoxFlag xmlns:ma14="http://schemas.microsoft.com/office/mac/drawingml/2011/main" xmlns:a14="http://schemas.microsoft.com/office/drawing/2010/main" xmlns:m="http://schemas.openxmlformats.org/officeDocument/2006/math" xmlns="" val="1"/>
             </a:ext>
           </a:extLst>
         </p:spPr>
@@ -5940,7 +5892,7 @@
           </a:ln>
           <a:extLst>
             <a:ext uri="{C572A759-6A51-4108-AA02-DFA0A04FC94B}">
-              <ma14:wrappingTextBoxFlag xmlns="" xmlns:m="http://schemas.openxmlformats.org/officeDocument/2006/math" xmlns:a14="http://schemas.microsoft.com/office/drawing/2010/main" xmlns:ma14="http://schemas.microsoft.com/office/mac/drawingml/2011/main" val="1"/>
+              <ma14:wrappingTextBoxFlag xmlns:ma14="http://schemas.microsoft.com/office/mac/drawingml/2011/main" xmlns:a14="http://schemas.microsoft.com/office/drawing/2010/main" xmlns:m="http://schemas.openxmlformats.org/officeDocument/2006/math" xmlns="" val="1"/>
             </a:ext>
           </a:extLst>
         </p:spPr>
@@ -5987,7 +5939,7 @@
           </a:ln>
           <a:extLst>
             <a:ext uri="{C572A759-6A51-4108-AA02-DFA0A04FC94B}">
-              <ma14:wrappingTextBoxFlag xmlns="" xmlns:m="http://schemas.openxmlformats.org/officeDocument/2006/math" xmlns:a14="http://schemas.microsoft.com/office/drawing/2010/main" xmlns:ma14="http://schemas.microsoft.com/office/mac/drawingml/2011/main" val="1"/>
+              <ma14:wrappingTextBoxFlag xmlns:ma14="http://schemas.microsoft.com/office/mac/drawingml/2011/main" xmlns:a14="http://schemas.microsoft.com/office/drawing/2010/main" xmlns:m="http://schemas.openxmlformats.org/officeDocument/2006/math" xmlns="" val="1"/>
             </a:ext>
           </a:extLst>
         </p:spPr>
@@ -6053,7 +6005,7 @@
           </a:ln>
           <a:extLst>
             <a:ext uri="{C572A759-6A51-4108-AA02-DFA0A04FC94B}">
-              <ma14:wrappingTextBoxFlag xmlns="" xmlns:m="http://schemas.openxmlformats.org/officeDocument/2006/math" xmlns:a14="http://schemas.microsoft.com/office/drawing/2010/main" xmlns:ma14="http://schemas.microsoft.com/office/mac/drawingml/2011/main" val="1"/>
+              <ma14:wrappingTextBoxFlag xmlns:ma14="http://schemas.microsoft.com/office/mac/drawingml/2011/main" xmlns:a14="http://schemas.microsoft.com/office/drawing/2010/main" xmlns:m="http://schemas.openxmlformats.org/officeDocument/2006/math" xmlns="" val="1"/>
             </a:ext>
           </a:extLst>
         </p:spPr>
@@ -6100,7 +6052,7 @@
           </a:ln>
           <a:extLst>
             <a:ext uri="{C572A759-6A51-4108-AA02-DFA0A04FC94B}">
-              <ma14:wrappingTextBoxFlag xmlns="" xmlns:m="http://schemas.openxmlformats.org/officeDocument/2006/math" xmlns:a14="http://schemas.microsoft.com/office/drawing/2010/main" xmlns:ma14="http://schemas.microsoft.com/office/mac/drawingml/2011/main" val="1"/>
+              <ma14:wrappingTextBoxFlag xmlns:ma14="http://schemas.microsoft.com/office/mac/drawingml/2011/main" xmlns:a14="http://schemas.microsoft.com/office/drawing/2010/main" xmlns:m="http://schemas.openxmlformats.org/officeDocument/2006/math" xmlns="" val="1"/>
             </a:ext>
           </a:extLst>
         </p:spPr>
@@ -6166,7 +6118,7 @@
           </a:ln>
           <a:extLst>
             <a:ext uri="{C572A759-6A51-4108-AA02-DFA0A04FC94B}">
-              <ma14:wrappingTextBoxFlag xmlns="" xmlns:m="http://schemas.openxmlformats.org/officeDocument/2006/math" xmlns:a14="http://schemas.microsoft.com/office/drawing/2010/main" xmlns:ma14="http://schemas.microsoft.com/office/mac/drawingml/2011/main" val="1"/>
+              <ma14:wrappingTextBoxFlag xmlns:ma14="http://schemas.microsoft.com/office/mac/drawingml/2011/main" xmlns:a14="http://schemas.microsoft.com/office/drawing/2010/main" xmlns:m="http://schemas.openxmlformats.org/officeDocument/2006/math" xmlns="" val="1"/>
             </a:ext>
           </a:extLst>
         </p:spPr>
@@ -6248,7 +6200,7 @@
           </a:ln>
           <a:extLst>
             <a:ext uri="{C572A759-6A51-4108-AA02-DFA0A04FC94B}">
-              <ma14:wrappingTextBoxFlag xmlns="" xmlns:m="http://schemas.openxmlformats.org/officeDocument/2006/math" xmlns:a14="http://schemas.microsoft.com/office/drawing/2010/main" xmlns:ma14="http://schemas.microsoft.com/office/mac/drawingml/2011/main" val="1"/>
+              <ma14:wrappingTextBoxFlag xmlns:ma14="http://schemas.microsoft.com/office/mac/drawingml/2011/main" xmlns:a14="http://schemas.microsoft.com/office/drawing/2010/main" xmlns:m="http://schemas.openxmlformats.org/officeDocument/2006/math" xmlns="" val="1"/>
             </a:ext>
           </a:extLst>
         </p:spPr>
@@ -6288,7 +6240,7 @@
           </a:ln>
           <a:extLst>
             <a:ext uri="{C572A759-6A51-4108-AA02-DFA0A04FC94B}">
-              <ma14:wrappingTextBoxFlag xmlns="" xmlns:m="http://schemas.openxmlformats.org/officeDocument/2006/math" xmlns:a14="http://schemas.microsoft.com/office/drawing/2010/main" xmlns:ma14="http://schemas.microsoft.com/office/mac/drawingml/2011/main" val="1"/>
+              <ma14:wrappingTextBoxFlag xmlns:ma14="http://schemas.microsoft.com/office/mac/drawingml/2011/main" xmlns:a14="http://schemas.microsoft.com/office/drawing/2010/main" xmlns:m="http://schemas.openxmlformats.org/officeDocument/2006/math" xmlns="" val="1"/>
             </a:ext>
           </a:extLst>
         </p:spPr>
@@ -6328,7 +6280,7 @@
           </a:ln>
           <a:extLst>
             <a:ext uri="{C572A759-6A51-4108-AA02-DFA0A04FC94B}">
-              <ma14:wrappingTextBoxFlag xmlns="" xmlns:m="http://schemas.openxmlformats.org/officeDocument/2006/math" xmlns:a14="http://schemas.microsoft.com/office/drawing/2010/main" xmlns:ma14="http://schemas.microsoft.com/office/mac/drawingml/2011/main" val="1"/>
+              <ma14:wrappingTextBoxFlag xmlns:ma14="http://schemas.microsoft.com/office/mac/drawingml/2011/main" xmlns:a14="http://schemas.microsoft.com/office/drawing/2010/main" xmlns:m="http://schemas.openxmlformats.org/officeDocument/2006/math" xmlns="" val="1"/>
             </a:ext>
           </a:extLst>
         </p:spPr>
@@ -6394,7 +6346,7 @@
           </a:ln>
           <a:extLst>
             <a:ext uri="{C572A759-6A51-4108-AA02-DFA0A04FC94B}">
-              <ma14:wrappingTextBoxFlag xmlns="" xmlns:m="http://schemas.openxmlformats.org/officeDocument/2006/math" xmlns:a14="http://schemas.microsoft.com/office/drawing/2010/main" xmlns:ma14="http://schemas.microsoft.com/office/mac/drawingml/2011/main" val="1"/>
+              <ma14:wrappingTextBoxFlag xmlns:ma14="http://schemas.microsoft.com/office/mac/drawingml/2011/main" xmlns:a14="http://schemas.microsoft.com/office/drawing/2010/main" xmlns:m="http://schemas.openxmlformats.org/officeDocument/2006/math" xmlns="" val="1"/>
             </a:ext>
           </a:extLst>
         </p:spPr>
@@ -6458,7 +6410,7 @@
           </a:ln>
           <a:extLst>
             <a:ext uri="{C572A759-6A51-4108-AA02-DFA0A04FC94B}">
-              <ma14:wrappingTextBoxFlag xmlns="" xmlns:m="http://schemas.openxmlformats.org/officeDocument/2006/math" xmlns:a14="http://schemas.microsoft.com/office/drawing/2010/main" xmlns:ma14="http://schemas.microsoft.com/office/mac/drawingml/2011/main" val="1"/>
+              <ma14:wrappingTextBoxFlag xmlns:ma14="http://schemas.microsoft.com/office/mac/drawingml/2011/main" xmlns:a14="http://schemas.microsoft.com/office/drawing/2010/main" xmlns:m="http://schemas.openxmlformats.org/officeDocument/2006/math" xmlns="" val="1"/>
             </a:ext>
           </a:extLst>
         </p:spPr>
@@ -6499,7 +6451,7 @@
           </a:ln>
           <a:extLst>
             <a:ext uri="{C572A759-6A51-4108-AA02-DFA0A04FC94B}">
-              <ma14:wrappingTextBoxFlag xmlns="" xmlns:m="http://schemas.openxmlformats.org/officeDocument/2006/math" xmlns:a14="http://schemas.microsoft.com/office/drawing/2010/main" xmlns:ma14="http://schemas.microsoft.com/office/mac/drawingml/2011/main" val="1"/>
+              <ma14:wrappingTextBoxFlag xmlns:ma14="http://schemas.microsoft.com/office/mac/drawingml/2011/main" xmlns:a14="http://schemas.microsoft.com/office/drawing/2010/main" xmlns:m="http://schemas.openxmlformats.org/officeDocument/2006/math" xmlns="" val="1"/>
             </a:ext>
           </a:extLst>
         </p:spPr>
@@ -6566,7 +6518,7 @@
           </a:ln>
           <a:extLst>
             <a:ext uri="{C572A759-6A51-4108-AA02-DFA0A04FC94B}">
-              <ma14:wrappingTextBoxFlag xmlns="" xmlns:m="http://schemas.openxmlformats.org/officeDocument/2006/math" xmlns:a14="http://schemas.microsoft.com/office/drawing/2010/main" xmlns:ma14="http://schemas.microsoft.com/office/mac/drawingml/2011/main" val="1"/>
+              <ma14:wrappingTextBoxFlag xmlns:ma14="http://schemas.microsoft.com/office/mac/drawingml/2011/main" xmlns:a14="http://schemas.microsoft.com/office/drawing/2010/main" xmlns:m="http://schemas.openxmlformats.org/officeDocument/2006/math" xmlns="" val="1"/>
             </a:ext>
           </a:extLst>
         </p:spPr>
@@ -6681,7 +6633,7 @@
           </a:ln>
           <a:extLst>
             <a:ext uri="{C572A759-6A51-4108-AA02-DFA0A04FC94B}">
-              <ma14:wrappingTextBoxFlag xmlns="" xmlns:m="http://schemas.openxmlformats.org/officeDocument/2006/math" xmlns:a14="http://schemas.microsoft.com/office/drawing/2010/main" xmlns:ma14="http://schemas.microsoft.com/office/mac/drawingml/2011/main" val="1"/>
+              <ma14:wrappingTextBoxFlag xmlns:ma14="http://schemas.microsoft.com/office/mac/drawingml/2011/main" xmlns:a14="http://schemas.microsoft.com/office/drawing/2010/main" xmlns:m="http://schemas.openxmlformats.org/officeDocument/2006/math" xmlns="" val="1"/>
             </a:ext>
           </a:extLst>
         </p:spPr>
@@ -6722,7 +6674,7 @@
           </a:ln>
           <a:extLst>
             <a:ext uri="{C572A759-6A51-4108-AA02-DFA0A04FC94B}">
-              <ma14:wrappingTextBoxFlag xmlns="" xmlns:m="http://schemas.openxmlformats.org/officeDocument/2006/math" xmlns:a14="http://schemas.microsoft.com/office/drawing/2010/main" xmlns:ma14="http://schemas.microsoft.com/office/mac/drawingml/2011/main" val="1"/>
+              <ma14:wrappingTextBoxFlag xmlns:ma14="http://schemas.microsoft.com/office/mac/drawingml/2011/main" xmlns:a14="http://schemas.microsoft.com/office/drawing/2010/main" xmlns:m="http://schemas.openxmlformats.org/officeDocument/2006/math" xmlns="" val="1"/>
             </a:ext>
           </a:extLst>
         </p:spPr>
@@ -6789,7 +6741,7 @@
           </a:ln>
           <a:extLst>
             <a:ext uri="{C572A759-6A51-4108-AA02-DFA0A04FC94B}">
-              <ma14:wrappingTextBoxFlag xmlns="" xmlns:m="http://schemas.openxmlformats.org/officeDocument/2006/math" xmlns:a14="http://schemas.microsoft.com/office/drawing/2010/main" xmlns:ma14="http://schemas.microsoft.com/office/mac/drawingml/2011/main" val="1"/>
+              <ma14:wrappingTextBoxFlag xmlns:ma14="http://schemas.microsoft.com/office/mac/drawingml/2011/main" xmlns:a14="http://schemas.microsoft.com/office/drawing/2010/main" xmlns:m="http://schemas.openxmlformats.org/officeDocument/2006/math" xmlns="" val="1"/>
             </a:ext>
           </a:extLst>
         </p:spPr>
@@ -6846,7 +6798,7 @@
           </a:ln>
           <a:extLst>
             <a:ext uri="{C572A759-6A51-4108-AA02-DFA0A04FC94B}">
-              <ma14:wrappingTextBoxFlag xmlns="" xmlns:m="http://schemas.openxmlformats.org/officeDocument/2006/math" xmlns:a14="http://schemas.microsoft.com/office/drawing/2010/main" xmlns:ma14="http://schemas.microsoft.com/office/mac/drawingml/2011/main" val="1"/>
+              <ma14:wrappingTextBoxFlag xmlns:ma14="http://schemas.microsoft.com/office/mac/drawingml/2011/main" xmlns:a14="http://schemas.microsoft.com/office/drawing/2010/main" xmlns:m="http://schemas.openxmlformats.org/officeDocument/2006/math" xmlns="" val="1"/>
             </a:ext>
           </a:extLst>
         </p:spPr>
@@ -6912,7 +6864,7 @@
           </a:ln>
           <a:extLst>
             <a:ext uri="{C572A759-6A51-4108-AA02-DFA0A04FC94B}">
-              <ma14:wrappingTextBoxFlag xmlns="" xmlns:m="http://schemas.openxmlformats.org/officeDocument/2006/math" xmlns:a14="http://schemas.microsoft.com/office/drawing/2010/main" xmlns:ma14="http://schemas.microsoft.com/office/mac/drawingml/2011/main" val="1"/>
+              <ma14:wrappingTextBoxFlag xmlns:ma14="http://schemas.microsoft.com/office/mac/drawingml/2011/main" xmlns:a14="http://schemas.microsoft.com/office/drawing/2010/main" xmlns:m="http://schemas.openxmlformats.org/officeDocument/2006/math" xmlns="" val="1"/>
             </a:ext>
           </a:extLst>
         </p:spPr>
@@ -6959,7 +6911,7 @@
           </a:ln>
           <a:extLst>
             <a:ext uri="{C572A759-6A51-4108-AA02-DFA0A04FC94B}">
-              <ma14:wrappingTextBoxFlag xmlns="" xmlns:m="http://schemas.openxmlformats.org/officeDocument/2006/math" xmlns:a14="http://schemas.microsoft.com/office/drawing/2010/main" xmlns:ma14="http://schemas.microsoft.com/office/mac/drawingml/2011/main" val="1"/>
+              <ma14:wrappingTextBoxFlag xmlns:ma14="http://schemas.microsoft.com/office/mac/drawingml/2011/main" xmlns:a14="http://schemas.microsoft.com/office/drawing/2010/main" xmlns:m="http://schemas.openxmlformats.org/officeDocument/2006/math" xmlns="" val="1"/>
             </a:ext>
           </a:extLst>
         </p:spPr>
@@ -7026,7 +6978,7 @@
           </a:ln>
           <a:extLst>
             <a:ext uri="{C572A759-6A51-4108-AA02-DFA0A04FC94B}">
-              <ma14:wrappingTextBoxFlag xmlns="" xmlns:m="http://schemas.openxmlformats.org/officeDocument/2006/math" xmlns:a14="http://schemas.microsoft.com/office/drawing/2010/main" xmlns:ma14="http://schemas.microsoft.com/office/mac/drawingml/2011/main" val="1"/>
+              <ma14:wrappingTextBoxFlag xmlns:ma14="http://schemas.microsoft.com/office/mac/drawingml/2011/main" xmlns:a14="http://schemas.microsoft.com/office/drawing/2010/main" xmlns:m="http://schemas.openxmlformats.org/officeDocument/2006/math" xmlns="" val="1"/>
             </a:ext>
           </a:extLst>
         </p:spPr>
@@ -7090,7 +7042,7 @@
           </a:ln>
           <a:extLst>
             <a:ext uri="{C572A759-6A51-4108-AA02-DFA0A04FC94B}">
-              <ma14:wrappingTextBoxFlag xmlns="" xmlns:m="http://schemas.openxmlformats.org/officeDocument/2006/math" xmlns:a14="http://schemas.microsoft.com/office/drawing/2010/main" xmlns:ma14="http://schemas.microsoft.com/office/mac/drawingml/2011/main" val="1"/>
+              <ma14:wrappingTextBoxFlag xmlns:ma14="http://schemas.microsoft.com/office/mac/drawingml/2011/main" xmlns:a14="http://schemas.microsoft.com/office/drawing/2010/main" xmlns:m="http://schemas.openxmlformats.org/officeDocument/2006/math" xmlns="" val="1"/>
             </a:ext>
           </a:extLst>
         </p:spPr>
@@ -7130,7 +7082,7 @@
           </a:ln>
           <a:extLst>
             <a:ext uri="{C572A759-6A51-4108-AA02-DFA0A04FC94B}">
-              <ma14:wrappingTextBoxFlag xmlns="" xmlns:m="http://schemas.openxmlformats.org/officeDocument/2006/math" xmlns:a14="http://schemas.microsoft.com/office/drawing/2010/main" xmlns:ma14="http://schemas.microsoft.com/office/mac/drawingml/2011/main" val="1"/>
+              <ma14:wrappingTextBoxFlag xmlns:ma14="http://schemas.microsoft.com/office/mac/drawingml/2011/main" xmlns:a14="http://schemas.microsoft.com/office/drawing/2010/main" xmlns:m="http://schemas.openxmlformats.org/officeDocument/2006/math" xmlns="" val="1"/>
             </a:ext>
           </a:extLst>
         </p:spPr>
@@ -7196,7 +7148,7 @@
           </a:ln>
           <a:extLst>
             <a:ext uri="{C572A759-6A51-4108-AA02-DFA0A04FC94B}">
-              <ma14:wrappingTextBoxFlag xmlns="" xmlns:m="http://schemas.openxmlformats.org/officeDocument/2006/math" xmlns:a14="http://schemas.microsoft.com/office/drawing/2010/main" xmlns:ma14="http://schemas.microsoft.com/office/mac/drawingml/2011/main" val="1"/>
+              <ma14:wrappingTextBoxFlag xmlns:ma14="http://schemas.microsoft.com/office/mac/drawingml/2011/main" xmlns:a14="http://schemas.microsoft.com/office/drawing/2010/main" xmlns:m="http://schemas.openxmlformats.org/officeDocument/2006/math" xmlns="" val="1"/>
             </a:ext>
           </a:extLst>
         </p:spPr>
@@ -7244,7 +7196,7 @@
           </a:ln>
           <a:extLst>
             <a:ext uri="{C572A759-6A51-4108-AA02-DFA0A04FC94B}">
-              <ma14:wrappingTextBoxFlag xmlns="" xmlns:m="http://schemas.openxmlformats.org/officeDocument/2006/math" xmlns:a14="http://schemas.microsoft.com/office/drawing/2010/main" xmlns:ma14="http://schemas.microsoft.com/office/mac/drawingml/2011/main" val="1"/>
+              <ma14:wrappingTextBoxFlag xmlns:ma14="http://schemas.microsoft.com/office/mac/drawingml/2011/main" xmlns:a14="http://schemas.microsoft.com/office/drawing/2010/main" xmlns:m="http://schemas.openxmlformats.org/officeDocument/2006/math" xmlns="" val="1"/>
             </a:ext>
           </a:extLst>
         </p:spPr>
@@ -7309,7 +7261,7 @@
           </a:ln>
           <a:extLst>
             <a:ext uri="{C572A759-6A51-4108-AA02-DFA0A04FC94B}">
-              <ma14:wrappingTextBoxFlag xmlns="" xmlns:m="http://schemas.openxmlformats.org/officeDocument/2006/math" xmlns:a14="http://schemas.microsoft.com/office/drawing/2010/main" xmlns:ma14="http://schemas.microsoft.com/office/mac/drawingml/2011/main" val="1"/>
+              <ma14:wrappingTextBoxFlag xmlns:ma14="http://schemas.microsoft.com/office/mac/drawingml/2011/main" xmlns:a14="http://schemas.microsoft.com/office/drawing/2010/main" xmlns:m="http://schemas.openxmlformats.org/officeDocument/2006/math" xmlns="" val="1"/>
             </a:ext>
           </a:extLst>
         </p:spPr>
@@ -7373,7 +7325,7 @@
           </a:ln>
           <a:extLst>
             <a:ext uri="{C572A759-6A51-4108-AA02-DFA0A04FC94B}">
-              <ma14:wrappingTextBoxFlag xmlns="" xmlns:m="http://schemas.openxmlformats.org/officeDocument/2006/math" xmlns:a14="http://schemas.microsoft.com/office/drawing/2010/main" xmlns:ma14="http://schemas.microsoft.com/office/mac/drawingml/2011/main" val="1"/>
+              <ma14:wrappingTextBoxFlag xmlns:ma14="http://schemas.microsoft.com/office/mac/drawingml/2011/main" xmlns:a14="http://schemas.microsoft.com/office/drawing/2010/main" xmlns:m="http://schemas.openxmlformats.org/officeDocument/2006/math" xmlns="" val="1"/>
             </a:ext>
           </a:extLst>
         </p:spPr>
@@ -7414,7 +7366,7 @@
           </a:ln>
           <a:extLst>
             <a:ext uri="{C572A759-6A51-4108-AA02-DFA0A04FC94B}">
-              <ma14:wrappingTextBoxFlag xmlns="" xmlns:m="http://schemas.openxmlformats.org/officeDocument/2006/math" xmlns:a14="http://schemas.microsoft.com/office/drawing/2010/main" xmlns:ma14="http://schemas.microsoft.com/office/mac/drawingml/2011/main" val="1"/>
+              <ma14:wrappingTextBoxFlag xmlns:ma14="http://schemas.microsoft.com/office/mac/drawingml/2011/main" xmlns:a14="http://schemas.microsoft.com/office/drawing/2010/main" xmlns:m="http://schemas.openxmlformats.org/officeDocument/2006/math" xmlns="" val="1"/>
             </a:ext>
           </a:extLst>
         </p:spPr>
@@ -7481,7 +7433,7 @@
           </a:ln>
           <a:extLst>
             <a:ext uri="{C572A759-6A51-4108-AA02-DFA0A04FC94B}">
-              <ma14:wrappingTextBoxFlag xmlns="" xmlns:m="http://schemas.openxmlformats.org/officeDocument/2006/math" xmlns:a14="http://schemas.microsoft.com/office/drawing/2010/main" xmlns:ma14="http://schemas.microsoft.com/office/mac/drawingml/2011/main" val="1"/>
+              <ma14:wrappingTextBoxFlag xmlns:ma14="http://schemas.microsoft.com/office/mac/drawingml/2011/main" xmlns:a14="http://schemas.microsoft.com/office/drawing/2010/main" xmlns:m="http://schemas.openxmlformats.org/officeDocument/2006/math" xmlns="" val="1"/>
             </a:ext>
           </a:extLst>
         </p:spPr>
@@ -7538,7 +7490,7 @@
           </a:ln>
           <a:extLst>
             <a:ext uri="{C572A759-6A51-4108-AA02-DFA0A04FC94B}">
-              <ma14:wrappingTextBoxFlag xmlns="" xmlns:m="http://schemas.openxmlformats.org/officeDocument/2006/math" xmlns:a14="http://schemas.microsoft.com/office/drawing/2010/main" xmlns:ma14="http://schemas.microsoft.com/office/mac/drawingml/2011/main" val="1"/>
+              <ma14:wrappingTextBoxFlag xmlns:ma14="http://schemas.microsoft.com/office/mac/drawingml/2011/main" xmlns:a14="http://schemas.microsoft.com/office/drawing/2010/main" xmlns:m="http://schemas.openxmlformats.org/officeDocument/2006/math" xmlns="" val="1"/>
             </a:ext>
           </a:extLst>
         </p:spPr>
@@ -7606,7 +7558,7 @@
           </a:ln>
           <a:extLst>
             <a:ext uri="{C572A759-6A51-4108-AA02-DFA0A04FC94B}">
-              <ma14:wrappingTextBoxFlag xmlns="" xmlns:m="http://schemas.openxmlformats.org/officeDocument/2006/math" xmlns:a14="http://schemas.microsoft.com/office/drawing/2010/main" xmlns:ma14="http://schemas.microsoft.com/office/mac/drawingml/2011/main" val="1"/>
+              <ma14:wrappingTextBoxFlag xmlns:ma14="http://schemas.microsoft.com/office/mac/drawingml/2011/main" xmlns:a14="http://schemas.microsoft.com/office/drawing/2010/main" xmlns:m="http://schemas.openxmlformats.org/officeDocument/2006/math" xmlns="" val="1"/>
             </a:ext>
           </a:extLst>
         </p:spPr>
@@ -7674,7 +7626,7 @@
           </a:ln>
           <a:extLst>
             <a:ext uri="{C572A759-6A51-4108-AA02-DFA0A04FC94B}">
-              <ma14:wrappingTextBoxFlag xmlns="" xmlns:m="http://schemas.openxmlformats.org/officeDocument/2006/math" xmlns:a14="http://schemas.microsoft.com/office/drawing/2010/main" xmlns:ma14="http://schemas.microsoft.com/office/mac/drawingml/2011/main" val="1"/>
+              <ma14:wrappingTextBoxFlag xmlns:ma14="http://schemas.microsoft.com/office/mac/drawingml/2011/main" xmlns:a14="http://schemas.microsoft.com/office/drawing/2010/main" xmlns:m="http://schemas.openxmlformats.org/officeDocument/2006/math" xmlns="" val="1"/>
             </a:ext>
           </a:extLst>
         </p:spPr>
@@ -7703,23 +7655,23 @@
         </p:nvSpPr>
         <p:spPr>
           <a:xfrm>
-            <a:off x="1635164" y="4402604"/>
-            <a:ext cx="8921671" cy="923330"/>
-          </a:xfrm>
-          <a:prstGeom prst="rect">
-            <a:avLst/>
-          </a:prstGeom>
-          <a:ln w="12700">
-            <a:miter lim="400000"/>
-          </a:ln>
-          <a:extLst>
-            <a:ext uri="{C572A759-6A51-4108-AA02-DFA0A04FC94B}">
-              <ma14:wrappingTextBoxFlag xmlns="" xmlns:m="http://schemas.openxmlformats.org/officeDocument/2006/math" xmlns:a14="http://schemas.microsoft.com/office/drawing/2010/main" xmlns:ma14="http://schemas.microsoft.com/office/mac/drawingml/2011/main" val="1"/>
-            </a:ext>
-          </a:extLst>
-        </p:spPr>
-        <p:txBody>
-          <a:bodyPr wrap="none" lIns="45719" rIns="45719">
+            <a:off x="678723" y="3768491"/>
+            <a:ext cx="11071843" cy="923330"/>
+          </a:xfrm>
+          <a:prstGeom prst="rect">
+            <a:avLst/>
+          </a:prstGeom>
+          <a:ln w="12700">
+            <a:miter lim="400000"/>
+          </a:ln>
+          <a:extLst>
+            <a:ext uri="{C572A759-6A51-4108-AA02-DFA0A04FC94B}">
+              <ma14:wrappingTextBoxFlag xmlns:ma14="http://schemas.microsoft.com/office/mac/drawingml/2011/main" xmlns:a14="http://schemas.microsoft.com/office/drawing/2010/main" xmlns:m="http://schemas.openxmlformats.org/officeDocument/2006/math" xmlns="" val="1"/>
+            </a:ext>
+          </a:extLst>
+        </p:spPr>
+        <p:txBody>
+          <a:bodyPr wrap="square" lIns="45719" rIns="45719">
             <a:spAutoFit/>
           </a:bodyPr>
           <a:lstStyle>
@@ -7736,10 +7688,12 @@
             </a:lvl1pPr>
           </a:lstStyle>
           <a:p>
-            <a:r>
-              <a:rPr sz="5400" dirty="0"/>
-              <a:t>Lord Dismiss Us    (GB - 608)</a:t>
-            </a:r>
+            <a:pPr algn="ctr"/>
+            <a:r>
+              <a:rPr lang="en-US" sz="5400" dirty="0"/>
+              <a:t>Doxology song here</a:t>
+            </a:r>
+            <a:endParaRPr sz="5400" dirty="0"/>
           </a:p>
         </p:txBody>
       </p:sp>
@@ -7788,7 +7742,7 @@
           </a:ln>
           <a:extLst>
             <a:ext uri="{C572A759-6A51-4108-AA02-DFA0A04FC94B}">
-              <ma14:wrappingTextBoxFlag xmlns="" xmlns:m="http://schemas.openxmlformats.org/officeDocument/2006/math" xmlns:a14="http://schemas.microsoft.com/office/drawing/2010/main" xmlns:ma14="http://schemas.microsoft.com/office/mac/drawingml/2011/main" val="1"/>
+              <ma14:wrappingTextBoxFlag xmlns:ma14="http://schemas.microsoft.com/office/mac/drawingml/2011/main" xmlns:a14="http://schemas.microsoft.com/office/drawing/2010/main" xmlns:m="http://schemas.openxmlformats.org/officeDocument/2006/math" xmlns="" val="1"/>
             </a:ext>
           </a:extLst>
         </p:spPr>
@@ -7869,7 +7823,7 @@
           </a:ln>
           <a:extLst>
             <a:ext uri="{C572A759-6A51-4108-AA02-DFA0A04FC94B}">
-              <ma14:wrappingTextBoxFlag xmlns="" xmlns:m="http://schemas.openxmlformats.org/officeDocument/2006/math" xmlns:a14="http://schemas.microsoft.com/office/drawing/2010/main" xmlns:ma14="http://schemas.microsoft.com/office/mac/drawingml/2011/main" val="1"/>
+              <ma14:wrappingTextBoxFlag xmlns:ma14="http://schemas.microsoft.com/office/mac/drawingml/2011/main" xmlns:a14="http://schemas.microsoft.com/office/drawing/2010/main" xmlns:m="http://schemas.openxmlformats.org/officeDocument/2006/math" xmlns="" val="1"/>
             </a:ext>
           </a:extLst>
         </p:spPr>
@@ -7934,7 +7888,7 @@
           </a:ln>
           <a:extLst>
             <a:ext uri="{C572A759-6A51-4108-AA02-DFA0A04FC94B}">
-              <ma14:wrappingTextBoxFlag xmlns="" xmlns:m="http://schemas.openxmlformats.org/officeDocument/2006/math" xmlns:a14="http://schemas.microsoft.com/office/drawing/2010/main" xmlns:ma14="http://schemas.microsoft.com/office/mac/drawingml/2011/main" val="1"/>
+              <ma14:wrappingTextBoxFlag xmlns:ma14="http://schemas.microsoft.com/office/mac/drawingml/2011/main" xmlns:a14="http://schemas.microsoft.com/office/drawing/2010/main" xmlns:m="http://schemas.openxmlformats.org/officeDocument/2006/math" xmlns="" val="1"/>
             </a:ext>
           </a:extLst>
         </p:spPr>
@@ -7974,7 +7928,7 @@
           </a:ln>
           <a:extLst>
             <a:ext uri="{C572A759-6A51-4108-AA02-DFA0A04FC94B}">
-              <ma14:wrappingTextBoxFlag xmlns="" xmlns:m="http://schemas.openxmlformats.org/officeDocument/2006/math" xmlns:a14="http://schemas.microsoft.com/office/drawing/2010/main" xmlns:ma14="http://schemas.microsoft.com/office/mac/drawingml/2011/main" val="1"/>
+              <ma14:wrappingTextBoxFlag xmlns:ma14="http://schemas.microsoft.com/office/mac/drawingml/2011/main" xmlns:a14="http://schemas.microsoft.com/office/drawing/2010/main" xmlns:m="http://schemas.openxmlformats.org/officeDocument/2006/math" xmlns="" val="1"/>
             </a:ext>
           </a:extLst>
         </p:spPr>
@@ -8040,7 +7994,7 @@
           </a:ln>
           <a:extLst>
             <a:ext uri="{C572A759-6A51-4108-AA02-DFA0A04FC94B}">
-              <ma14:wrappingTextBoxFlag xmlns="" xmlns:m="http://schemas.openxmlformats.org/officeDocument/2006/math" xmlns:a14="http://schemas.microsoft.com/office/drawing/2010/main" xmlns:ma14="http://schemas.microsoft.com/office/mac/drawingml/2011/main" val="1"/>
+              <ma14:wrappingTextBoxFlag xmlns:ma14="http://schemas.microsoft.com/office/mac/drawingml/2011/main" xmlns:a14="http://schemas.microsoft.com/office/drawing/2010/main" xmlns:m="http://schemas.openxmlformats.org/officeDocument/2006/math" xmlns="" val="1"/>
             </a:ext>
           </a:extLst>
         </p:spPr>
@@ -8111,7 +8065,7 @@
           </a:ln>
           <a:extLst>
             <a:ext uri="{C572A759-6A51-4108-AA02-DFA0A04FC94B}">
-              <ma14:wrappingTextBoxFlag xmlns="" xmlns:m="http://schemas.openxmlformats.org/officeDocument/2006/math" xmlns:a14="http://schemas.microsoft.com/office/drawing/2010/main" xmlns:ma14="http://schemas.microsoft.com/office/mac/drawingml/2011/main" val="1"/>
+              <ma14:wrappingTextBoxFlag xmlns:ma14="http://schemas.microsoft.com/office/mac/drawingml/2011/main" xmlns:a14="http://schemas.microsoft.com/office/drawing/2010/main" xmlns:m="http://schemas.openxmlformats.org/officeDocument/2006/math" xmlns="" val="1"/>
             </a:ext>
           </a:extLst>
         </p:spPr>
@@ -8155,7 +8109,7 @@
           </a:ln>
           <a:extLst>
             <a:ext uri="{C572A759-6A51-4108-AA02-DFA0A04FC94B}">
-              <ma14:wrappingTextBoxFlag xmlns="" xmlns:m="http://schemas.openxmlformats.org/officeDocument/2006/math" xmlns:a14="http://schemas.microsoft.com/office/drawing/2010/main" xmlns:ma14="http://schemas.microsoft.com/office/mac/drawingml/2011/main" val="1"/>
+              <ma14:wrappingTextBoxFlag xmlns:ma14="http://schemas.microsoft.com/office/mac/drawingml/2011/main" xmlns:a14="http://schemas.microsoft.com/office/drawing/2010/main" xmlns:m="http://schemas.openxmlformats.org/officeDocument/2006/math" xmlns="" val="1"/>
             </a:ext>
           </a:extLst>
         </p:spPr>
@@ -8418,7 +8372,7 @@
           </a:ln>
           <a:extLst>
             <a:ext uri="{C572A759-6A51-4108-AA02-DFA0A04FC94B}">
-              <ma14:wrappingTextBoxFlag xmlns="" xmlns:m="http://schemas.openxmlformats.org/officeDocument/2006/math" xmlns:a14="http://schemas.microsoft.com/office/drawing/2010/main" xmlns:ma14="http://schemas.microsoft.com/office/mac/drawingml/2011/main" val="1"/>
+              <ma14:wrappingTextBoxFlag xmlns:ma14="http://schemas.microsoft.com/office/mac/drawingml/2011/main" xmlns:a14="http://schemas.microsoft.com/office/drawing/2010/main" xmlns:m="http://schemas.openxmlformats.org/officeDocument/2006/math" xmlns="" val="1"/>
             </a:ext>
           </a:extLst>
         </p:spPr>
@@ -8486,7 +8440,7 @@
           </a:ln>
           <a:extLst>
             <a:ext uri="{C572A759-6A51-4108-AA02-DFA0A04FC94B}">
-              <ma14:wrappingTextBoxFlag xmlns="" xmlns:m="http://schemas.openxmlformats.org/officeDocument/2006/math" xmlns:a14="http://schemas.microsoft.com/office/drawing/2010/main" xmlns:ma14="http://schemas.microsoft.com/office/mac/drawingml/2011/main" val="1"/>
+              <ma14:wrappingTextBoxFlag xmlns:ma14="http://schemas.microsoft.com/office/mac/drawingml/2011/main" xmlns:a14="http://schemas.microsoft.com/office/drawing/2010/main" xmlns:m="http://schemas.openxmlformats.org/officeDocument/2006/math" xmlns="" val="1"/>
             </a:ext>
           </a:extLst>
         </p:spPr>
@@ -8527,7 +8481,7 @@
           </a:ln>
           <a:extLst>
             <a:ext uri="{C572A759-6A51-4108-AA02-DFA0A04FC94B}">
-              <ma14:wrappingTextBoxFlag xmlns="" xmlns:m="http://schemas.openxmlformats.org/officeDocument/2006/math" xmlns:a14="http://schemas.microsoft.com/office/drawing/2010/main" xmlns:ma14="http://schemas.microsoft.com/office/mac/drawingml/2011/main" val="1"/>
+              <ma14:wrappingTextBoxFlag xmlns:ma14="http://schemas.microsoft.com/office/mac/drawingml/2011/main" xmlns:a14="http://schemas.microsoft.com/office/drawing/2010/main" xmlns:m="http://schemas.openxmlformats.org/officeDocument/2006/math" xmlns="" val="1"/>
             </a:ext>
           </a:extLst>
         </p:spPr>
@@ -8594,7 +8548,7 @@
           </a:ln>
           <a:extLst>
             <a:ext uri="{C572A759-6A51-4108-AA02-DFA0A04FC94B}">
-              <ma14:wrappingTextBoxFlag xmlns="" xmlns:m="http://schemas.openxmlformats.org/officeDocument/2006/math" xmlns:a14="http://schemas.microsoft.com/office/drawing/2010/main" xmlns:ma14="http://schemas.microsoft.com/office/mac/drawingml/2011/main" val="1"/>
+              <ma14:wrappingTextBoxFlag xmlns:ma14="http://schemas.microsoft.com/office/mac/drawingml/2011/main" xmlns:a14="http://schemas.microsoft.com/office/drawing/2010/main" xmlns:m="http://schemas.openxmlformats.org/officeDocument/2006/math" xmlns="" val="1"/>
             </a:ext>
           </a:extLst>
         </p:spPr>
@@ -8641,7 +8595,7 @@
           </a:ln>
           <a:extLst>
             <a:ext uri="{C572A759-6A51-4108-AA02-DFA0A04FC94B}">
-              <ma14:wrappingTextBoxFlag xmlns="" xmlns:m="http://schemas.openxmlformats.org/officeDocument/2006/math" xmlns:a14="http://schemas.microsoft.com/office/drawing/2010/main" xmlns:ma14="http://schemas.microsoft.com/office/mac/drawingml/2011/main" val="1"/>
+              <ma14:wrappingTextBoxFlag xmlns:ma14="http://schemas.microsoft.com/office/mac/drawingml/2011/main" xmlns:a14="http://schemas.microsoft.com/office/drawing/2010/main" xmlns:m="http://schemas.openxmlformats.org/officeDocument/2006/math" xmlns="" val="1"/>
             </a:ext>
           </a:extLst>
         </p:spPr>
@@ -8708,7 +8662,7 @@
           </a:ln>
           <a:extLst>
             <a:ext uri="{C572A759-6A51-4108-AA02-DFA0A04FC94B}">
-              <ma14:wrappingTextBoxFlag xmlns="" xmlns:m="http://schemas.openxmlformats.org/officeDocument/2006/math" xmlns:a14="http://schemas.microsoft.com/office/drawing/2010/main" xmlns:ma14="http://schemas.microsoft.com/office/mac/drawingml/2011/main" val="1"/>
+              <ma14:wrappingTextBoxFlag xmlns:ma14="http://schemas.microsoft.com/office/mac/drawingml/2011/main" xmlns:a14="http://schemas.microsoft.com/office/drawing/2010/main" xmlns:m="http://schemas.openxmlformats.org/officeDocument/2006/math" xmlns="" val="1"/>
             </a:ext>
           </a:extLst>
         </p:spPr>
@@ -8787,7 +8741,7 @@
           </a:ln>
           <a:extLst>
             <a:ext uri="{C572A759-6A51-4108-AA02-DFA0A04FC94B}">
-              <ma14:wrappingTextBoxFlag xmlns="" xmlns:m="http://schemas.openxmlformats.org/officeDocument/2006/math" xmlns:a14="http://schemas.microsoft.com/office/drawing/2010/main" xmlns:ma14="http://schemas.microsoft.com/office/mac/drawingml/2011/main" val="1"/>
+              <ma14:wrappingTextBoxFlag xmlns:ma14="http://schemas.microsoft.com/office/mac/drawingml/2011/main" xmlns:a14="http://schemas.microsoft.com/office/drawing/2010/main" xmlns:m="http://schemas.openxmlformats.org/officeDocument/2006/math" xmlns="" val="1"/>
             </a:ext>
           </a:extLst>
         </p:spPr>
@@ -8827,7 +8781,7 @@
           </a:ln>
           <a:extLst>
             <a:ext uri="{C572A759-6A51-4108-AA02-DFA0A04FC94B}">
-              <ma14:wrappingTextBoxFlag xmlns="" xmlns:m="http://schemas.openxmlformats.org/officeDocument/2006/math" xmlns:a14="http://schemas.microsoft.com/office/drawing/2010/main" xmlns:ma14="http://schemas.microsoft.com/office/mac/drawingml/2011/main" val="1"/>
+              <ma14:wrappingTextBoxFlag xmlns:ma14="http://schemas.microsoft.com/office/mac/drawingml/2011/main" xmlns:a14="http://schemas.microsoft.com/office/drawing/2010/main" xmlns:m="http://schemas.openxmlformats.org/officeDocument/2006/math" xmlns="" val="1"/>
             </a:ext>
           </a:extLst>
         </p:spPr>
@@ -8895,7 +8849,7 @@
           </a:ln>
           <a:extLst>
             <a:ext uri="{C572A759-6A51-4108-AA02-DFA0A04FC94B}">
-              <ma14:wrappingTextBoxFlag xmlns="" xmlns:m="http://schemas.openxmlformats.org/officeDocument/2006/math" xmlns:a14="http://schemas.microsoft.com/office/drawing/2010/main" xmlns:ma14="http://schemas.microsoft.com/office/mac/drawingml/2011/main" val="1"/>
+              <ma14:wrappingTextBoxFlag xmlns:ma14="http://schemas.microsoft.com/office/mac/drawingml/2011/main" xmlns:a14="http://schemas.microsoft.com/office/drawing/2010/main" xmlns:m="http://schemas.openxmlformats.org/officeDocument/2006/math" xmlns="" val="1"/>
             </a:ext>
           </a:extLst>
         </p:spPr>
@@ -8935,7 +8889,7 @@
           </a:ln>
           <a:extLst>
             <a:ext uri="{C572A759-6A51-4108-AA02-DFA0A04FC94B}">
-              <ma14:wrappingTextBoxFlag xmlns="" xmlns:m="http://schemas.openxmlformats.org/officeDocument/2006/math" xmlns:a14="http://schemas.microsoft.com/office/drawing/2010/main" xmlns:ma14="http://schemas.microsoft.com/office/mac/drawingml/2011/main" val="1"/>
+              <ma14:wrappingTextBoxFlag xmlns:ma14="http://schemas.microsoft.com/office/mac/drawingml/2011/main" xmlns:a14="http://schemas.microsoft.com/office/drawing/2010/main" xmlns:m="http://schemas.openxmlformats.org/officeDocument/2006/math" xmlns="" val="1"/>
             </a:ext>
           </a:extLst>
         </p:spPr>
@@ -9009,7 +8963,7 @@
           </a:ln>
           <a:extLst>
             <a:ext uri="{C572A759-6A51-4108-AA02-DFA0A04FC94B}">
-              <ma14:wrappingTextBoxFlag xmlns="" xmlns:m="http://schemas.openxmlformats.org/officeDocument/2006/math" xmlns:a14="http://schemas.microsoft.com/office/drawing/2010/main" xmlns:ma14="http://schemas.microsoft.com/office/mac/drawingml/2011/main" val="1"/>
+              <ma14:wrappingTextBoxFlag xmlns:ma14="http://schemas.microsoft.com/office/mac/drawingml/2011/main" xmlns:a14="http://schemas.microsoft.com/office/drawing/2010/main" xmlns:m="http://schemas.openxmlformats.org/officeDocument/2006/math" xmlns="" val="1"/>
             </a:ext>
           </a:extLst>
         </p:spPr>
@@ -9098,7 +9052,7 @@
           </a:ln>
           <a:extLst>
             <a:ext uri="{C572A759-6A51-4108-AA02-DFA0A04FC94B}">
-              <ma14:wrappingTextBoxFlag xmlns="" xmlns:m="http://schemas.openxmlformats.org/officeDocument/2006/math" xmlns:a14="http://schemas.microsoft.com/office/drawing/2010/main" xmlns:ma14="http://schemas.microsoft.com/office/mac/drawingml/2011/main" val="1"/>
+              <ma14:wrappingTextBoxFlag xmlns:ma14="http://schemas.microsoft.com/office/mac/drawingml/2011/main" xmlns:a14="http://schemas.microsoft.com/office/drawing/2010/main" xmlns:m="http://schemas.openxmlformats.org/officeDocument/2006/math" xmlns="" val="1"/>
             </a:ext>
           </a:extLst>
         </p:spPr>
@@ -9138,7 +9092,7 @@
           </a:ln>
           <a:extLst>
             <a:ext uri="{C572A759-6A51-4108-AA02-DFA0A04FC94B}">
-              <ma14:wrappingTextBoxFlag xmlns="" xmlns:m="http://schemas.openxmlformats.org/officeDocument/2006/math" xmlns:a14="http://schemas.microsoft.com/office/drawing/2010/main" xmlns:ma14="http://schemas.microsoft.com/office/mac/drawingml/2011/main" val="1"/>
+              <ma14:wrappingTextBoxFlag xmlns:ma14="http://schemas.microsoft.com/office/mac/drawingml/2011/main" xmlns:a14="http://schemas.microsoft.com/office/drawing/2010/main" xmlns:m="http://schemas.openxmlformats.org/officeDocument/2006/math" xmlns="" val="1"/>
             </a:ext>
           </a:extLst>
         </p:spPr>
@@ -9178,7 +9132,7 @@
           </a:ln>
           <a:extLst>
             <a:ext uri="{C572A759-6A51-4108-AA02-DFA0A04FC94B}">
-              <ma14:wrappingTextBoxFlag xmlns="" xmlns:m="http://schemas.openxmlformats.org/officeDocument/2006/math" xmlns:a14="http://schemas.microsoft.com/office/drawing/2010/main" xmlns:ma14="http://schemas.microsoft.com/office/mac/drawingml/2011/main" val="1"/>
+              <ma14:wrappingTextBoxFlag xmlns:ma14="http://schemas.microsoft.com/office/mac/drawingml/2011/main" xmlns:a14="http://schemas.microsoft.com/office/drawing/2010/main" xmlns:m="http://schemas.openxmlformats.org/officeDocument/2006/math" xmlns="" val="1"/>
             </a:ext>
           </a:extLst>
         </p:spPr>
@@ -9244,7 +9198,7 @@
           </a:ln>
           <a:extLst>
             <a:ext uri="{C572A759-6A51-4108-AA02-DFA0A04FC94B}">
-              <ma14:wrappingTextBoxFlag xmlns="" xmlns:m="http://schemas.openxmlformats.org/officeDocument/2006/math" xmlns:a14="http://schemas.microsoft.com/office/drawing/2010/main" xmlns:ma14="http://schemas.microsoft.com/office/mac/drawingml/2011/main" val="1"/>
+              <ma14:wrappingTextBoxFlag xmlns:ma14="http://schemas.microsoft.com/office/mac/drawingml/2011/main" xmlns:a14="http://schemas.microsoft.com/office/drawing/2010/main" xmlns:m="http://schemas.openxmlformats.org/officeDocument/2006/math" xmlns="" val="1"/>
             </a:ext>
           </a:extLst>
         </p:spPr>
@@ -9291,7 +9245,7 @@
           </a:ln>
           <a:extLst>
             <a:ext uri="{C572A759-6A51-4108-AA02-DFA0A04FC94B}">
-              <ma14:wrappingTextBoxFlag xmlns="" xmlns:m="http://schemas.openxmlformats.org/officeDocument/2006/math" xmlns:a14="http://schemas.microsoft.com/office/drawing/2010/main" xmlns:ma14="http://schemas.microsoft.com/office/mac/drawingml/2011/main" val="1"/>
+              <ma14:wrappingTextBoxFlag xmlns:ma14="http://schemas.microsoft.com/office/mac/drawingml/2011/main" xmlns:a14="http://schemas.microsoft.com/office/drawing/2010/main" xmlns:m="http://schemas.openxmlformats.org/officeDocument/2006/math" xmlns="" val="1"/>
             </a:ext>
           </a:extLst>
         </p:spPr>
@@ -9357,7 +9311,7 @@
           </a:ln>
           <a:extLst>
             <a:ext uri="{C572A759-6A51-4108-AA02-DFA0A04FC94B}">
-              <ma14:wrappingTextBoxFlag xmlns="" xmlns:m="http://schemas.openxmlformats.org/officeDocument/2006/math" xmlns:a14="http://schemas.microsoft.com/office/drawing/2010/main" xmlns:ma14="http://schemas.microsoft.com/office/mac/drawingml/2011/main" val="1"/>
+              <ma14:wrappingTextBoxFlag xmlns:ma14="http://schemas.microsoft.com/office/mac/drawingml/2011/main" xmlns:a14="http://schemas.microsoft.com/office/drawing/2010/main" xmlns:m="http://schemas.openxmlformats.org/officeDocument/2006/math" xmlns="" val="1"/>
             </a:ext>
           </a:extLst>
         </p:spPr>
@@ -9400,7 +9354,7 @@
           </a:ln>
           <a:extLst>
             <a:ext uri="{C572A759-6A51-4108-AA02-DFA0A04FC94B}">
-              <ma14:wrappingTextBoxFlag xmlns="" xmlns:m="http://schemas.openxmlformats.org/officeDocument/2006/math" xmlns:a14="http://schemas.microsoft.com/office/drawing/2010/main" xmlns:ma14="http://schemas.microsoft.com/office/mac/drawingml/2011/main" val="1"/>
+              <ma14:wrappingTextBoxFlag xmlns:ma14="http://schemas.microsoft.com/office/mac/drawingml/2011/main" xmlns:a14="http://schemas.microsoft.com/office/drawing/2010/main" xmlns:m="http://schemas.openxmlformats.org/officeDocument/2006/math" xmlns="" val="1"/>
             </a:ext>
           </a:extLst>
         </p:spPr>
@@ -9466,7 +9420,7 @@
           </a:ln>
           <a:extLst>
             <a:ext uri="{C572A759-6A51-4108-AA02-DFA0A04FC94B}">
-              <ma14:wrappingTextBoxFlag xmlns="" xmlns:m="http://schemas.openxmlformats.org/officeDocument/2006/math" xmlns:a14="http://schemas.microsoft.com/office/drawing/2010/main" xmlns:ma14="http://schemas.microsoft.com/office/mac/drawingml/2011/main" val="1"/>
+              <ma14:wrappingTextBoxFlag xmlns:ma14="http://schemas.microsoft.com/office/mac/drawingml/2011/main" xmlns:a14="http://schemas.microsoft.com/office/drawing/2010/main" xmlns:m="http://schemas.openxmlformats.org/officeDocument/2006/math" xmlns="" val="1"/>
             </a:ext>
           </a:extLst>
         </p:spPr>
@@ -9542,7 +9496,7 @@
           </a:ln>
           <a:extLst>
             <a:ext uri="{C572A759-6A51-4108-AA02-DFA0A04FC94B}">
-              <ma14:wrappingTextBoxFlag xmlns="" xmlns:m="http://schemas.openxmlformats.org/officeDocument/2006/math" xmlns:a14="http://schemas.microsoft.com/office/drawing/2010/main" xmlns:ma14="http://schemas.microsoft.com/office/mac/drawingml/2011/main" val="1"/>
+              <ma14:wrappingTextBoxFlag xmlns:ma14="http://schemas.microsoft.com/office/mac/drawingml/2011/main" xmlns:a14="http://schemas.microsoft.com/office/drawing/2010/main" xmlns:m="http://schemas.openxmlformats.org/officeDocument/2006/math" xmlns="" val="1"/>
             </a:ext>
           </a:extLst>
         </p:spPr>
@@ -9582,7 +9536,7 @@
           </a:ln>
           <a:extLst>
             <a:ext uri="{C572A759-6A51-4108-AA02-DFA0A04FC94B}">
-              <ma14:wrappingTextBoxFlag xmlns="" xmlns:m="http://schemas.openxmlformats.org/officeDocument/2006/math" xmlns:a14="http://schemas.microsoft.com/office/drawing/2010/main" xmlns:ma14="http://schemas.microsoft.com/office/mac/drawingml/2011/main" val="1"/>
+              <ma14:wrappingTextBoxFlag xmlns:ma14="http://schemas.microsoft.com/office/mac/drawingml/2011/main" xmlns:a14="http://schemas.microsoft.com/office/drawing/2010/main" xmlns:m="http://schemas.openxmlformats.org/officeDocument/2006/math" xmlns="" val="1"/>
             </a:ext>
           </a:extLst>
         </p:spPr>
@@ -9845,7 +9799,7 @@
           </a:ln>
           <a:extLst>
             <a:ext uri="{C572A759-6A51-4108-AA02-DFA0A04FC94B}">
-              <ma14:wrappingTextBoxFlag xmlns="" xmlns:m="http://schemas.openxmlformats.org/officeDocument/2006/math" xmlns:a14="http://schemas.microsoft.com/office/drawing/2010/main" xmlns:ma14="http://schemas.microsoft.com/office/mac/drawingml/2011/main" val="1"/>
+              <ma14:wrappingTextBoxFlag xmlns:ma14="http://schemas.microsoft.com/office/mac/drawingml/2011/main" xmlns:a14="http://schemas.microsoft.com/office/drawing/2010/main" xmlns:m="http://schemas.openxmlformats.org/officeDocument/2006/math" xmlns="" val="1"/>
             </a:ext>
           </a:extLst>
         </p:spPr>
@@ -9909,7 +9863,7 @@
           </a:ln>
           <a:extLst>
             <a:ext uri="{C572A759-6A51-4108-AA02-DFA0A04FC94B}">
-              <ma14:wrappingTextBoxFlag xmlns="" xmlns:m="http://schemas.openxmlformats.org/officeDocument/2006/math" xmlns:a14="http://schemas.microsoft.com/office/drawing/2010/main" xmlns:ma14="http://schemas.microsoft.com/office/mac/drawingml/2011/main" val="1"/>
+              <ma14:wrappingTextBoxFlag xmlns:ma14="http://schemas.microsoft.com/office/mac/drawingml/2011/main" xmlns:a14="http://schemas.microsoft.com/office/drawing/2010/main" xmlns:m="http://schemas.openxmlformats.org/officeDocument/2006/math" xmlns="" val="1"/>
             </a:ext>
           </a:extLst>
         </p:spPr>
@@ -9949,7 +9903,7 @@
           </a:ln>
           <a:extLst>
             <a:ext uri="{C572A759-6A51-4108-AA02-DFA0A04FC94B}">
-              <ma14:wrappingTextBoxFlag xmlns="" xmlns:m="http://schemas.openxmlformats.org/officeDocument/2006/math" xmlns:a14="http://schemas.microsoft.com/office/drawing/2010/main" xmlns:ma14="http://schemas.microsoft.com/office/mac/drawingml/2011/main" val="1"/>
+              <ma14:wrappingTextBoxFlag xmlns:ma14="http://schemas.microsoft.com/office/mac/drawingml/2011/main" xmlns:a14="http://schemas.microsoft.com/office/drawing/2010/main" xmlns:m="http://schemas.openxmlformats.org/officeDocument/2006/math" xmlns="" val="1"/>
             </a:ext>
           </a:extLst>
         </p:spPr>
@@ -10015,7 +9969,7 @@
           </a:ln>
           <a:extLst>
             <a:ext uri="{C572A759-6A51-4108-AA02-DFA0A04FC94B}">
-              <ma14:wrappingTextBoxFlag xmlns="" xmlns:m="http://schemas.openxmlformats.org/officeDocument/2006/math" xmlns:a14="http://schemas.microsoft.com/office/drawing/2010/main" xmlns:ma14="http://schemas.microsoft.com/office/mac/drawingml/2011/main" val="1"/>
+              <ma14:wrappingTextBoxFlag xmlns:ma14="http://schemas.microsoft.com/office/mac/drawingml/2011/main" xmlns:a14="http://schemas.microsoft.com/office/drawing/2010/main" xmlns:m="http://schemas.openxmlformats.org/officeDocument/2006/math" xmlns="" val="1"/>
             </a:ext>
           </a:extLst>
         </p:spPr>
@@ -10109,7 +10063,7 @@
           </a:ln>
           <a:extLst>
             <a:ext uri="{C572A759-6A51-4108-AA02-DFA0A04FC94B}">
-              <ma14:wrappingTextBoxFlag xmlns="" xmlns:m="http://schemas.openxmlformats.org/officeDocument/2006/math" xmlns:a14="http://schemas.microsoft.com/office/drawing/2010/main" xmlns:ma14="http://schemas.microsoft.com/office/mac/drawingml/2011/main" val="1"/>
+              <ma14:wrappingTextBoxFlag xmlns:ma14="http://schemas.microsoft.com/office/mac/drawingml/2011/main" xmlns:a14="http://schemas.microsoft.com/office/drawing/2010/main" xmlns:m="http://schemas.openxmlformats.org/officeDocument/2006/math" xmlns="" val="1"/>
             </a:ext>
           </a:extLst>
         </p:spPr>
@@ -10149,7 +10103,7 @@
           </a:ln>
           <a:extLst>
             <a:ext uri="{C572A759-6A51-4108-AA02-DFA0A04FC94B}">
-              <ma14:wrappingTextBoxFlag xmlns="" xmlns:m="http://schemas.openxmlformats.org/officeDocument/2006/math" xmlns:a14="http://schemas.microsoft.com/office/drawing/2010/main" xmlns:ma14="http://schemas.microsoft.com/office/mac/drawingml/2011/main" val="1"/>
+              <ma14:wrappingTextBoxFlag xmlns:ma14="http://schemas.microsoft.com/office/mac/drawingml/2011/main" xmlns:a14="http://schemas.microsoft.com/office/drawing/2010/main" xmlns:m="http://schemas.openxmlformats.org/officeDocument/2006/math" xmlns="" val="1"/>
             </a:ext>
           </a:extLst>
         </p:spPr>
@@ -10215,7 +10169,7 @@
           </a:ln>
           <a:extLst>
             <a:ext uri="{C572A759-6A51-4108-AA02-DFA0A04FC94B}">
-              <ma14:wrappingTextBoxFlag xmlns="" xmlns:m="http://schemas.openxmlformats.org/officeDocument/2006/math" xmlns:a14="http://schemas.microsoft.com/office/drawing/2010/main" xmlns:ma14="http://schemas.microsoft.com/office/mac/drawingml/2011/main" val="1"/>
+              <ma14:wrappingTextBoxFlag xmlns:ma14="http://schemas.microsoft.com/office/mac/drawingml/2011/main" xmlns:a14="http://schemas.microsoft.com/office/drawing/2010/main" xmlns:m="http://schemas.openxmlformats.org/officeDocument/2006/math" xmlns="" val="1"/>
             </a:ext>
           </a:extLst>
         </p:spPr>
@@ -10262,7 +10216,7 @@
           </a:ln>
           <a:extLst>
             <a:ext uri="{C572A759-6A51-4108-AA02-DFA0A04FC94B}">
-              <ma14:wrappingTextBoxFlag xmlns="" xmlns:m="http://schemas.openxmlformats.org/officeDocument/2006/math" xmlns:a14="http://schemas.microsoft.com/office/drawing/2010/main" xmlns:ma14="http://schemas.microsoft.com/office/mac/drawingml/2011/main" val="1"/>
+              <ma14:wrappingTextBoxFlag xmlns:ma14="http://schemas.microsoft.com/office/mac/drawingml/2011/main" xmlns:a14="http://schemas.microsoft.com/office/drawing/2010/main" xmlns:m="http://schemas.openxmlformats.org/officeDocument/2006/math" xmlns="" val="1"/>
             </a:ext>
           </a:extLst>
         </p:spPr>
@@ -10328,7 +10282,7 @@
           </a:ln>
           <a:extLst>
             <a:ext uri="{C572A759-6A51-4108-AA02-DFA0A04FC94B}">
-              <ma14:wrappingTextBoxFlag xmlns="" xmlns:m="http://schemas.openxmlformats.org/officeDocument/2006/math" xmlns:a14="http://schemas.microsoft.com/office/drawing/2010/main" xmlns:ma14="http://schemas.microsoft.com/office/mac/drawingml/2011/main" val="1"/>
+              <ma14:wrappingTextBoxFlag xmlns:ma14="http://schemas.microsoft.com/office/mac/drawingml/2011/main" xmlns:a14="http://schemas.microsoft.com/office/drawing/2010/main" xmlns:m="http://schemas.openxmlformats.org/officeDocument/2006/math" xmlns="" val="1"/>
             </a:ext>
           </a:extLst>
         </p:spPr>
@@ -10403,7 +10357,7 @@
           </a:ln>
           <a:extLst>
             <a:ext uri="{C572A759-6A51-4108-AA02-DFA0A04FC94B}">
-              <ma14:wrappingTextBoxFlag xmlns="" xmlns:m="http://schemas.openxmlformats.org/officeDocument/2006/math" xmlns:a14="http://schemas.microsoft.com/office/drawing/2010/main" xmlns:ma14="http://schemas.microsoft.com/office/mac/drawingml/2011/main" val="1"/>
+              <ma14:wrappingTextBoxFlag xmlns:ma14="http://schemas.microsoft.com/office/mac/drawingml/2011/main" xmlns:a14="http://schemas.microsoft.com/office/drawing/2010/main" xmlns:m="http://schemas.openxmlformats.org/officeDocument/2006/math" xmlns="" val="1"/>
             </a:ext>
           </a:extLst>
         </p:spPr>
@@ -10443,7 +10397,7 @@
           </a:ln>
           <a:extLst>
             <a:ext uri="{C572A759-6A51-4108-AA02-DFA0A04FC94B}">
-              <ma14:wrappingTextBoxFlag xmlns="" xmlns:m="http://schemas.openxmlformats.org/officeDocument/2006/math" xmlns:a14="http://schemas.microsoft.com/office/drawing/2010/main" xmlns:ma14="http://schemas.microsoft.com/office/mac/drawingml/2011/main" val="1"/>
+              <ma14:wrappingTextBoxFlag xmlns:ma14="http://schemas.microsoft.com/office/mac/drawingml/2011/main" xmlns:a14="http://schemas.microsoft.com/office/drawing/2010/main" xmlns:m="http://schemas.openxmlformats.org/officeDocument/2006/math" xmlns="" val="1"/>
             </a:ext>
           </a:extLst>
         </p:spPr>
@@ -10509,7 +10463,7 @@
           </a:ln>
           <a:extLst>
             <a:ext uri="{C572A759-6A51-4108-AA02-DFA0A04FC94B}">
-              <ma14:wrappingTextBoxFlag xmlns="" xmlns:m="http://schemas.openxmlformats.org/officeDocument/2006/math" xmlns:a14="http://schemas.microsoft.com/office/drawing/2010/main" xmlns:ma14="http://schemas.microsoft.com/office/mac/drawingml/2011/main" val="1"/>
+              <ma14:wrappingTextBoxFlag xmlns:ma14="http://schemas.microsoft.com/office/mac/drawingml/2011/main" xmlns:a14="http://schemas.microsoft.com/office/drawing/2010/main" xmlns:m="http://schemas.openxmlformats.org/officeDocument/2006/math" xmlns="" val="1"/>
             </a:ext>
           </a:extLst>
         </p:spPr>
@@ -10594,7 +10548,7 @@
           </a:ln>
           <a:extLst>
             <a:ext uri="{C572A759-6A51-4108-AA02-DFA0A04FC94B}">
-              <ma14:wrappingTextBoxFlag xmlns="" xmlns:m="http://schemas.openxmlformats.org/officeDocument/2006/math" xmlns:a14="http://schemas.microsoft.com/office/drawing/2010/main" xmlns:ma14="http://schemas.microsoft.com/office/mac/drawingml/2011/main" val="1"/>
+              <ma14:wrappingTextBoxFlag xmlns:ma14="http://schemas.microsoft.com/office/mac/drawingml/2011/main" xmlns:a14="http://schemas.microsoft.com/office/drawing/2010/main" xmlns:m="http://schemas.openxmlformats.org/officeDocument/2006/math" xmlns="" val="1"/>
             </a:ext>
           </a:extLst>
         </p:spPr>
@@ -10634,7 +10588,7 @@
           </a:ln>
           <a:extLst>
             <a:ext uri="{C572A759-6A51-4108-AA02-DFA0A04FC94B}">
-              <ma14:wrappingTextBoxFlag xmlns="" xmlns:m="http://schemas.openxmlformats.org/officeDocument/2006/math" xmlns:a14="http://schemas.microsoft.com/office/drawing/2010/main" xmlns:ma14="http://schemas.microsoft.com/office/mac/drawingml/2011/main" val="1"/>
+              <ma14:wrappingTextBoxFlag xmlns:ma14="http://schemas.microsoft.com/office/mac/drawingml/2011/main" xmlns:a14="http://schemas.microsoft.com/office/drawing/2010/main" xmlns:m="http://schemas.openxmlformats.org/officeDocument/2006/math" xmlns="" val="1"/>
             </a:ext>
           </a:extLst>
         </p:spPr>
@@ -10702,7 +10656,7 @@
           </a:ln>
           <a:extLst>
             <a:ext uri="{C572A759-6A51-4108-AA02-DFA0A04FC94B}">
-              <ma14:wrappingTextBoxFlag xmlns="" xmlns:m="http://schemas.openxmlformats.org/officeDocument/2006/math" xmlns:a14="http://schemas.microsoft.com/office/drawing/2010/main" xmlns:ma14="http://schemas.microsoft.com/office/mac/drawingml/2011/main" val="1"/>
+              <ma14:wrappingTextBoxFlag xmlns:ma14="http://schemas.microsoft.com/office/mac/drawingml/2011/main" xmlns:a14="http://schemas.microsoft.com/office/drawing/2010/main" xmlns:m="http://schemas.openxmlformats.org/officeDocument/2006/math" xmlns="" val="1"/>
             </a:ext>
           </a:extLst>
         </p:spPr>
@@ -10742,7 +10696,7 @@
           </a:ln>
           <a:extLst>
             <a:ext uri="{C572A759-6A51-4108-AA02-DFA0A04FC94B}">
-              <ma14:wrappingTextBoxFlag xmlns="" xmlns:m="http://schemas.openxmlformats.org/officeDocument/2006/math" xmlns:a14="http://schemas.microsoft.com/office/drawing/2010/main" xmlns:ma14="http://schemas.microsoft.com/office/mac/drawingml/2011/main" val="1"/>
+              <ma14:wrappingTextBoxFlag xmlns:ma14="http://schemas.microsoft.com/office/mac/drawingml/2011/main" xmlns:a14="http://schemas.microsoft.com/office/drawing/2010/main" xmlns:m="http://schemas.openxmlformats.org/officeDocument/2006/math" xmlns="" val="1"/>
             </a:ext>
           </a:extLst>
         </p:spPr>
@@ -10818,7 +10772,7 @@
           </a:ln>
           <a:extLst>
             <a:ext uri="{C572A759-6A51-4108-AA02-DFA0A04FC94B}">
-              <ma14:wrappingTextBoxFlag xmlns="" xmlns:m="http://schemas.openxmlformats.org/officeDocument/2006/math" xmlns:a14="http://schemas.microsoft.com/office/drawing/2010/main" xmlns:ma14="http://schemas.microsoft.com/office/mac/drawingml/2011/main" val="1"/>
+              <ma14:wrappingTextBoxFlag xmlns:ma14="http://schemas.microsoft.com/office/mac/drawingml/2011/main" xmlns:a14="http://schemas.microsoft.com/office/drawing/2010/main" xmlns:m="http://schemas.openxmlformats.org/officeDocument/2006/math" xmlns="" val="1"/>
             </a:ext>
           </a:extLst>
         </p:spPr>
@@ -10876,7 +10830,7 @@
           </a:ln>
           <a:extLst>
             <a:ext uri="{C572A759-6A51-4108-AA02-DFA0A04FC94B}">
-              <ma14:wrappingTextBoxFlag xmlns="" xmlns:m="http://schemas.openxmlformats.org/officeDocument/2006/math" xmlns:a14="http://schemas.microsoft.com/office/drawing/2010/main" xmlns:ma14="http://schemas.microsoft.com/office/mac/drawingml/2011/main" val="1"/>
+              <ma14:wrappingTextBoxFlag xmlns:ma14="http://schemas.microsoft.com/office/mac/drawingml/2011/main" xmlns:a14="http://schemas.microsoft.com/office/drawing/2010/main" xmlns:m="http://schemas.openxmlformats.org/officeDocument/2006/math" xmlns="" val="1"/>
             </a:ext>
           </a:extLst>
         </p:spPr>
@@ -10942,7 +10896,7 @@
           </a:ln>
           <a:extLst>
             <a:ext uri="{C572A759-6A51-4108-AA02-DFA0A04FC94B}">
-              <ma14:wrappingTextBoxFlag xmlns="" xmlns:m="http://schemas.openxmlformats.org/officeDocument/2006/math" xmlns:a14="http://schemas.microsoft.com/office/drawing/2010/main" xmlns:ma14="http://schemas.microsoft.com/office/mac/drawingml/2011/main" val="1"/>
+              <ma14:wrappingTextBoxFlag xmlns:ma14="http://schemas.microsoft.com/office/mac/drawingml/2011/main" xmlns:a14="http://schemas.microsoft.com/office/drawing/2010/main" xmlns:m="http://schemas.openxmlformats.org/officeDocument/2006/math" xmlns="" val="1"/>
             </a:ext>
           </a:extLst>
         </p:spPr>
@@ -10989,7 +10943,7 @@
           </a:ln>
           <a:extLst>
             <a:ext uri="{C572A759-6A51-4108-AA02-DFA0A04FC94B}">
-              <ma14:wrappingTextBoxFlag xmlns="" xmlns:m="http://schemas.openxmlformats.org/officeDocument/2006/math" xmlns:a14="http://schemas.microsoft.com/office/drawing/2010/main" xmlns:ma14="http://schemas.microsoft.com/office/mac/drawingml/2011/main" val="1"/>
+              <ma14:wrappingTextBoxFlag xmlns:ma14="http://schemas.microsoft.com/office/mac/drawingml/2011/main" xmlns:a14="http://schemas.microsoft.com/office/drawing/2010/main" xmlns:m="http://schemas.openxmlformats.org/officeDocument/2006/math" xmlns="" val="1"/>
             </a:ext>
           </a:extLst>
         </p:spPr>
@@ -11055,7 +11009,7 @@
           </a:ln>
           <a:extLst>
             <a:ext uri="{C572A759-6A51-4108-AA02-DFA0A04FC94B}">
-              <ma14:wrappingTextBoxFlag xmlns="" xmlns:m="http://schemas.openxmlformats.org/officeDocument/2006/math" xmlns:a14="http://schemas.microsoft.com/office/drawing/2010/main" xmlns:ma14="http://schemas.microsoft.com/office/mac/drawingml/2011/main" val="1"/>
+              <ma14:wrappingTextBoxFlag xmlns:ma14="http://schemas.microsoft.com/office/mac/drawingml/2011/main" xmlns:a14="http://schemas.microsoft.com/office/drawing/2010/main" xmlns:m="http://schemas.openxmlformats.org/officeDocument/2006/math" xmlns="" val="1"/>
             </a:ext>
           </a:extLst>
         </p:spPr>
@@ -11102,7 +11056,7 @@
           </a:ln>
           <a:extLst>
             <a:ext uri="{C572A759-6A51-4108-AA02-DFA0A04FC94B}">
-              <ma14:wrappingTextBoxFlag xmlns="" xmlns:m="http://schemas.openxmlformats.org/officeDocument/2006/math" xmlns:a14="http://schemas.microsoft.com/office/drawing/2010/main" xmlns:ma14="http://schemas.microsoft.com/office/mac/drawingml/2011/main" val="1"/>
+              <ma14:wrappingTextBoxFlag xmlns:ma14="http://schemas.microsoft.com/office/mac/drawingml/2011/main" xmlns:a14="http://schemas.microsoft.com/office/drawing/2010/main" xmlns:m="http://schemas.openxmlformats.org/officeDocument/2006/math" xmlns="" val="1"/>
             </a:ext>
           </a:extLst>
         </p:spPr>
@@ -11168,7 +11122,7 @@
           </a:ln>
           <a:extLst>
             <a:ext uri="{C572A759-6A51-4108-AA02-DFA0A04FC94B}">
-              <ma14:wrappingTextBoxFlag xmlns="" xmlns:m="http://schemas.openxmlformats.org/officeDocument/2006/math" xmlns:a14="http://schemas.microsoft.com/office/drawing/2010/main" xmlns:ma14="http://schemas.microsoft.com/office/mac/drawingml/2011/main" val="1"/>
+              <ma14:wrappingTextBoxFlag xmlns:ma14="http://schemas.microsoft.com/office/mac/drawingml/2011/main" xmlns:a14="http://schemas.microsoft.com/office/drawing/2010/main" xmlns:m="http://schemas.openxmlformats.org/officeDocument/2006/math" xmlns="" val="1"/>
             </a:ext>
           </a:extLst>
         </p:spPr>
@@ -11232,7 +11186,7 @@
           </a:ln>
           <a:extLst>
             <a:ext uri="{C572A759-6A51-4108-AA02-DFA0A04FC94B}">
-              <ma14:wrappingTextBoxFlag xmlns="" xmlns:m="http://schemas.openxmlformats.org/officeDocument/2006/math" xmlns:a14="http://schemas.microsoft.com/office/drawing/2010/main" xmlns:ma14="http://schemas.microsoft.com/office/mac/drawingml/2011/main" val="1"/>
+              <ma14:wrappingTextBoxFlag xmlns:ma14="http://schemas.microsoft.com/office/mac/drawingml/2011/main" xmlns:a14="http://schemas.microsoft.com/office/drawing/2010/main" xmlns:m="http://schemas.openxmlformats.org/officeDocument/2006/math" xmlns="" val="1"/>
             </a:ext>
           </a:extLst>
         </p:spPr>
@@ -11272,7 +11226,7 @@
           </a:ln>
           <a:extLst>
             <a:ext uri="{C572A759-6A51-4108-AA02-DFA0A04FC94B}">
-              <ma14:wrappingTextBoxFlag xmlns="" xmlns:m="http://schemas.openxmlformats.org/officeDocument/2006/math" xmlns:a14="http://schemas.microsoft.com/office/drawing/2010/main" xmlns:ma14="http://schemas.microsoft.com/office/mac/drawingml/2011/main" val="1"/>
+              <ma14:wrappingTextBoxFlag xmlns:ma14="http://schemas.microsoft.com/office/mac/drawingml/2011/main" xmlns:a14="http://schemas.microsoft.com/office/drawing/2010/main" xmlns:m="http://schemas.openxmlformats.org/officeDocument/2006/math" xmlns="" val="1"/>
             </a:ext>
           </a:extLst>
         </p:spPr>
@@ -11338,7 +11292,7 @@
           </a:ln>
           <a:extLst>
             <a:ext uri="{C572A759-6A51-4108-AA02-DFA0A04FC94B}">
-              <ma14:wrappingTextBoxFlag xmlns="" xmlns:m="http://schemas.openxmlformats.org/officeDocument/2006/math" xmlns:a14="http://schemas.microsoft.com/office/drawing/2010/main" xmlns:ma14="http://schemas.microsoft.com/office/mac/drawingml/2011/main" val="1"/>
+              <ma14:wrappingTextBoxFlag xmlns:ma14="http://schemas.microsoft.com/office/mac/drawingml/2011/main" xmlns:a14="http://schemas.microsoft.com/office/drawing/2010/main" xmlns:m="http://schemas.openxmlformats.org/officeDocument/2006/math" xmlns="" val="1"/>
             </a:ext>
           </a:extLst>
         </p:spPr>
@@ -11407,7 +11361,7 @@
           </a:ln>
           <a:extLst>
             <a:ext uri="{C572A759-6A51-4108-AA02-DFA0A04FC94B}">
-              <ma14:wrappingTextBoxFlag xmlns="" xmlns:m="http://schemas.openxmlformats.org/officeDocument/2006/math" xmlns:a14="http://schemas.microsoft.com/office/drawing/2010/main" xmlns:ma14="http://schemas.microsoft.com/office/mac/drawingml/2011/main" val="1"/>
+              <ma14:wrappingTextBoxFlag xmlns:ma14="http://schemas.microsoft.com/office/mac/drawingml/2011/main" xmlns:a14="http://schemas.microsoft.com/office/drawing/2010/main" xmlns:m="http://schemas.openxmlformats.org/officeDocument/2006/math" xmlns="" val="1"/>
             </a:ext>
           </a:extLst>
         </p:spPr>
@@ -11473,7 +11427,7 @@
           </a:ln>
           <a:extLst>
             <a:ext uri="{C572A759-6A51-4108-AA02-DFA0A04FC94B}">
-              <ma14:wrappingTextBoxFlag xmlns="" xmlns:m="http://schemas.openxmlformats.org/officeDocument/2006/math" xmlns:a14="http://schemas.microsoft.com/office/drawing/2010/main" xmlns:ma14="http://schemas.microsoft.com/office/mac/drawingml/2011/main" val="1"/>
+              <ma14:wrappingTextBoxFlag xmlns:ma14="http://schemas.microsoft.com/office/mac/drawingml/2011/main" xmlns:a14="http://schemas.microsoft.com/office/drawing/2010/main" xmlns:m="http://schemas.openxmlformats.org/officeDocument/2006/math" xmlns="" val="1"/>
             </a:ext>
           </a:extLst>
         </p:spPr>
@@ -11520,7 +11474,7 @@
           </a:ln>
           <a:extLst>
             <a:ext uri="{C572A759-6A51-4108-AA02-DFA0A04FC94B}">
-              <ma14:wrappingTextBoxFlag xmlns="" xmlns:m="http://schemas.openxmlformats.org/officeDocument/2006/math" xmlns:a14="http://schemas.microsoft.com/office/drawing/2010/main" xmlns:ma14="http://schemas.microsoft.com/office/mac/drawingml/2011/main" val="1"/>
+              <ma14:wrappingTextBoxFlag xmlns:ma14="http://schemas.microsoft.com/office/mac/drawingml/2011/main" xmlns:a14="http://schemas.microsoft.com/office/drawing/2010/main" xmlns:m="http://schemas.openxmlformats.org/officeDocument/2006/math" xmlns="" val="1"/>
             </a:ext>
           </a:extLst>
         </p:spPr>
@@ -11586,7 +11540,7 @@
           </a:ln>
           <a:extLst>
             <a:ext uri="{C572A759-6A51-4108-AA02-DFA0A04FC94B}">
-              <ma14:wrappingTextBoxFlag xmlns="" xmlns:m="http://schemas.openxmlformats.org/officeDocument/2006/math" xmlns:a14="http://schemas.microsoft.com/office/drawing/2010/main" xmlns:ma14="http://schemas.microsoft.com/office/mac/drawingml/2011/main" val="1"/>
+              <ma14:wrappingTextBoxFlag xmlns:ma14="http://schemas.microsoft.com/office/mac/drawingml/2011/main" xmlns:a14="http://schemas.microsoft.com/office/drawing/2010/main" xmlns:m="http://schemas.openxmlformats.org/officeDocument/2006/math" xmlns="" val="1"/>
             </a:ext>
           </a:extLst>
         </p:spPr>
@@ -11633,7 +11587,7 @@
           </a:ln>
           <a:extLst>
             <a:ext uri="{C572A759-6A51-4108-AA02-DFA0A04FC94B}">
-              <ma14:wrappingTextBoxFlag xmlns="" xmlns:m="http://schemas.openxmlformats.org/officeDocument/2006/math" xmlns:a14="http://schemas.microsoft.com/office/drawing/2010/main" xmlns:ma14="http://schemas.microsoft.com/office/mac/drawingml/2011/main" val="1"/>
+              <ma14:wrappingTextBoxFlag xmlns:ma14="http://schemas.microsoft.com/office/mac/drawingml/2011/main" xmlns:a14="http://schemas.microsoft.com/office/drawing/2010/main" xmlns:m="http://schemas.openxmlformats.org/officeDocument/2006/math" xmlns="" val="1"/>
             </a:ext>
           </a:extLst>
         </p:spPr>
@@ -11699,7 +11653,7 @@
           </a:ln>
           <a:extLst>
             <a:ext uri="{C572A759-6A51-4108-AA02-DFA0A04FC94B}">
-              <ma14:wrappingTextBoxFlag xmlns="" xmlns:m="http://schemas.openxmlformats.org/officeDocument/2006/math" xmlns:a14="http://schemas.microsoft.com/office/drawing/2010/main" xmlns:ma14="http://schemas.microsoft.com/office/mac/drawingml/2011/main" val="1"/>
+              <ma14:wrappingTextBoxFlag xmlns:ma14="http://schemas.microsoft.com/office/mac/drawingml/2011/main" xmlns:a14="http://schemas.microsoft.com/office/drawing/2010/main" xmlns:m="http://schemas.openxmlformats.org/officeDocument/2006/math" xmlns="" val="1"/>
             </a:ext>
           </a:extLst>
         </p:spPr>
@@ -11746,7 +11700,7 @@
           </a:ln>
           <a:extLst>
             <a:ext uri="{C572A759-6A51-4108-AA02-DFA0A04FC94B}">
-              <ma14:wrappingTextBoxFlag xmlns="" xmlns:m="http://schemas.openxmlformats.org/officeDocument/2006/math" xmlns:a14="http://schemas.microsoft.com/office/drawing/2010/main" xmlns:ma14="http://schemas.microsoft.com/office/mac/drawingml/2011/main" val="1"/>
+              <ma14:wrappingTextBoxFlag xmlns:ma14="http://schemas.microsoft.com/office/mac/drawingml/2011/main" xmlns:a14="http://schemas.microsoft.com/office/drawing/2010/main" xmlns:m="http://schemas.openxmlformats.org/officeDocument/2006/math" xmlns="" val="1"/>
             </a:ext>
           </a:extLst>
         </p:spPr>
@@ -11812,7 +11766,7 @@
           </a:ln>
           <a:extLst>
             <a:ext uri="{C572A759-6A51-4108-AA02-DFA0A04FC94B}">
-              <ma14:wrappingTextBoxFlag xmlns="" xmlns:m="http://schemas.openxmlformats.org/officeDocument/2006/math" xmlns:a14="http://schemas.microsoft.com/office/drawing/2010/main" xmlns:ma14="http://schemas.microsoft.com/office/mac/drawingml/2011/main" val="1"/>
+              <ma14:wrappingTextBoxFlag xmlns:ma14="http://schemas.microsoft.com/office/mac/drawingml/2011/main" xmlns:a14="http://schemas.microsoft.com/office/drawing/2010/main" xmlns:m="http://schemas.openxmlformats.org/officeDocument/2006/math" xmlns="" val="1"/>
             </a:ext>
           </a:extLst>
         </p:spPr>
@@ -11912,7 +11866,7 @@
           </a:ln>
           <a:extLst>
             <a:ext uri="{C572A759-6A51-4108-AA02-DFA0A04FC94B}">
-              <ma14:wrappingTextBoxFlag xmlns="" xmlns:m="http://schemas.openxmlformats.org/officeDocument/2006/math" xmlns:a14="http://schemas.microsoft.com/office/drawing/2010/main" xmlns:ma14="http://schemas.microsoft.com/office/mac/drawingml/2011/main" val="1"/>
+              <ma14:wrappingTextBoxFlag xmlns:ma14="http://schemas.microsoft.com/office/mac/drawingml/2011/main" xmlns:a14="http://schemas.microsoft.com/office/drawing/2010/main" xmlns:m="http://schemas.openxmlformats.org/officeDocument/2006/math" xmlns="" val="1"/>
             </a:ext>
           </a:extLst>
         </p:spPr>
@@ -11952,7 +11906,7 @@
           </a:ln>
           <a:extLst>
             <a:ext uri="{C572A759-6A51-4108-AA02-DFA0A04FC94B}">
-              <ma14:wrappingTextBoxFlag xmlns="" xmlns:m="http://schemas.openxmlformats.org/officeDocument/2006/math" xmlns:a14="http://schemas.microsoft.com/office/drawing/2010/main" xmlns:ma14="http://schemas.microsoft.com/office/mac/drawingml/2011/main" val="1"/>
+              <ma14:wrappingTextBoxFlag xmlns:ma14="http://schemas.microsoft.com/office/mac/drawingml/2011/main" xmlns:a14="http://schemas.microsoft.com/office/drawing/2010/main" xmlns:m="http://schemas.openxmlformats.org/officeDocument/2006/math" xmlns="" val="1"/>
             </a:ext>
           </a:extLst>
         </p:spPr>
@@ -11992,7 +11946,7 @@
           </a:ln>
           <a:extLst>
             <a:ext uri="{C572A759-6A51-4108-AA02-DFA0A04FC94B}">
-              <ma14:wrappingTextBoxFlag xmlns="" xmlns:m="http://schemas.openxmlformats.org/officeDocument/2006/math" xmlns:a14="http://schemas.microsoft.com/office/drawing/2010/main" xmlns:ma14="http://schemas.microsoft.com/office/mac/drawingml/2011/main" val="1"/>
+              <ma14:wrappingTextBoxFlag xmlns:ma14="http://schemas.microsoft.com/office/mac/drawingml/2011/main" xmlns:a14="http://schemas.microsoft.com/office/drawing/2010/main" xmlns:m="http://schemas.openxmlformats.org/officeDocument/2006/math" xmlns="" val="1"/>
             </a:ext>
           </a:extLst>
         </p:spPr>
@@ -12058,7 +12012,7 @@
           </a:ln>
           <a:extLst>
             <a:ext uri="{C572A759-6A51-4108-AA02-DFA0A04FC94B}">
-              <ma14:wrappingTextBoxFlag xmlns="" xmlns:m="http://schemas.openxmlformats.org/officeDocument/2006/math" xmlns:a14="http://schemas.microsoft.com/office/drawing/2010/main" xmlns:ma14="http://schemas.microsoft.com/office/mac/drawingml/2011/main" val="1"/>
+              <ma14:wrappingTextBoxFlag xmlns:ma14="http://schemas.microsoft.com/office/mac/drawingml/2011/main" xmlns:a14="http://schemas.microsoft.com/office/drawing/2010/main" xmlns:m="http://schemas.openxmlformats.org/officeDocument/2006/math" xmlns="" val="1"/>
             </a:ext>
           </a:extLst>
         </p:spPr>
@@ -12184,7 +12138,7 @@
           </a:ln>
           <a:extLst>
             <a:ext uri="{C572A759-6A51-4108-AA02-DFA0A04FC94B}">
-              <ma14:wrappingTextBoxFlag xmlns="" xmlns:m="http://schemas.openxmlformats.org/officeDocument/2006/math" xmlns:a14="http://schemas.microsoft.com/office/drawing/2010/main" xmlns:ma14="http://schemas.microsoft.com/office/mac/drawingml/2011/main" val="1"/>
+              <ma14:wrappingTextBoxFlag xmlns:ma14="http://schemas.microsoft.com/office/mac/drawingml/2011/main" xmlns:a14="http://schemas.microsoft.com/office/drawing/2010/main" xmlns:m="http://schemas.openxmlformats.org/officeDocument/2006/math" xmlns="" val="1"/>
             </a:ext>
           </a:extLst>
         </p:spPr>
@@ -12224,7 +12178,7 @@
           </a:ln>
           <a:extLst>
             <a:ext uri="{C572A759-6A51-4108-AA02-DFA0A04FC94B}">
-              <ma14:wrappingTextBoxFlag xmlns="" xmlns:m="http://schemas.openxmlformats.org/officeDocument/2006/math" xmlns:a14="http://schemas.microsoft.com/office/drawing/2010/main" xmlns:ma14="http://schemas.microsoft.com/office/mac/drawingml/2011/main" val="1"/>
+              <ma14:wrappingTextBoxFlag xmlns:ma14="http://schemas.microsoft.com/office/mac/drawingml/2011/main" xmlns:a14="http://schemas.microsoft.com/office/drawing/2010/main" xmlns:m="http://schemas.openxmlformats.org/officeDocument/2006/math" xmlns="" val="1"/>
             </a:ext>
           </a:extLst>
         </p:spPr>
@@ -12264,7 +12218,7 @@
           </a:ln>
           <a:extLst>
             <a:ext uri="{C572A759-6A51-4108-AA02-DFA0A04FC94B}">
-              <ma14:wrappingTextBoxFlag xmlns="" xmlns:m="http://schemas.openxmlformats.org/officeDocument/2006/math" xmlns:a14="http://schemas.microsoft.com/office/drawing/2010/main" xmlns:ma14="http://schemas.microsoft.com/office/mac/drawingml/2011/main" val="1"/>
+              <ma14:wrappingTextBoxFlag xmlns:ma14="http://schemas.microsoft.com/office/mac/drawingml/2011/main" xmlns:a14="http://schemas.microsoft.com/office/drawing/2010/main" xmlns:m="http://schemas.openxmlformats.org/officeDocument/2006/math" xmlns="" val="1"/>
             </a:ext>
           </a:extLst>
         </p:spPr>
@@ -12304,7 +12258,7 @@
           </a:ln>
           <a:extLst>
             <a:ext uri="{C572A759-6A51-4108-AA02-DFA0A04FC94B}">
-              <ma14:wrappingTextBoxFlag xmlns="" xmlns:m="http://schemas.openxmlformats.org/officeDocument/2006/math" xmlns:a14="http://schemas.microsoft.com/office/drawing/2010/main" xmlns:ma14="http://schemas.microsoft.com/office/mac/drawingml/2011/main" val="1"/>
+              <ma14:wrappingTextBoxFlag xmlns:ma14="http://schemas.microsoft.com/office/mac/drawingml/2011/main" xmlns:a14="http://schemas.microsoft.com/office/drawing/2010/main" xmlns:m="http://schemas.openxmlformats.org/officeDocument/2006/math" xmlns="" val="1"/>
             </a:ext>
           </a:extLst>
         </p:spPr>
@@ -12344,7 +12298,7 @@
           </a:ln>
           <a:extLst>
             <a:ext uri="{C572A759-6A51-4108-AA02-DFA0A04FC94B}">
-              <ma14:wrappingTextBoxFlag xmlns="" xmlns:m="http://schemas.openxmlformats.org/officeDocument/2006/math" xmlns:a14="http://schemas.microsoft.com/office/drawing/2010/main" xmlns:ma14="http://schemas.microsoft.com/office/mac/drawingml/2011/main" val="1"/>
+              <ma14:wrappingTextBoxFlag xmlns:ma14="http://schemas.microsoft.com/office/mac/drawingml/2011/main" xmlns:a14="http://schemas.microsoft.com/office/drawing/2010/main" xmlns:m="http://schemas.openxmlformats.org/officeDocument/2006/math" xmlns="" val="1"/>
             </a:ext>
           </a:extLst>
         </p:spPr>
@@ -12412,7 +12366,7 @@
           </a:ln>
           <a:extLst>
             <a:ext uri="{C572A759-6A51-4108-AA02-DFA0A04FC94B}">
-              <ma14:wrappingTextBoxFlag xmlns="" xmlns:m="http://schemas.openxmlformats.org/officeDocument/2006/math" xmlns:a14="http://schemas.microsoft.com/office/drawing/2010/main" xmlns:ma14="http://schemas.microsoft.com/office/mac/drawingml/2011/main" val="1"/>
+              <ma14:wrappingTextBoxFlag xmlns:ma14="http://schemas.microsoft.com/office/mac/drawingml/2011/main" xmlns:a14="http://schemas.microsoft.com/office/drawing/2010/main" xmlns:m="http://schemas.openxmlformats.org/officeDocument/2006/math" xmlns="" val="1"/>
             </a:ext>
           </a:extLst>
         </p:spPr>
@@ -12442,22 +12396,22 @@
         <p:spPr>
           <a:xfrm>
             <a:off x="884959" y="3429000"/>
-            <a:ext cx="10422082" cy="1015663"/>
-          </a:xfrm>
-          <a:prstGeom prst="rect">
-            <a:avLst/>
-          </a:prstGeom>
-          <a:ln w="12700">
-            <a:miter lim="400000"/>
-          </a:ln>
-          <a:extLst>
-            <a:ext uri="{C572A759-6A51-4108-AA02-DFA0A04FC94B}">
-              <ma14:wrappingTextBoxFlag xmlns="" xmlns:m="http://schemas.openxmlformats.org/officeDocument/2006/math" xmlns:a14="http://schemas.microsoft.com/office/drawing/2010/main" xmlns:ma14="http://schemas.microsoft.com/office/mac/drawingml/2011/main" val="1"/>
-            </a:ext>
-          </a:extLst>
-        </p:spPr>
-        <p:txBody>
-          <a:bodyPr wrap="none" lIns="45719" rIns="45719">
+            <a:ext cx="10382131" cy="1015663"/>
+          </a:xfrm>
+          <a:prstGeom prst="rect">
+            <a:avLst/>
+          </a:prstGeom>
+          <a:ln w="12700">
+            <a:miter lim="400000"/>
+          </a:ln>
+          <a:extLst>
+            <a:ext uri="{C572A759-6A51-4108-AA02-DFA0A04FC94B}">
+              <ma14:wrappingTextBoxFlag xmlns:ma14="http://schemas.microsoft.com/office/mac/drawingml/2011/main" xmlns:a14="http://schemas.microsoft.com/office/drawing/2010/main" xmlns:m="http://schemas.openxmlformats.org/officeDocument/2006/math" xmlns="" val="1"/>
+            </a:ext>
+          </a:extLst>
+        </p:spPr>
+        <p:txBody>
+          <a:bodyPr wrap="square" lIns="45719" rIns="45719">
             <a:spAutoFit/>
           </a:bodyPr>
           <a:lstStyle>
@@ -12474,10 +12428,12 @@
             </a:lvl1pPr>
           </a:lstStyle>
           <a:p>
-            <a:r>
-              <a:rPr sz="6000" dirty="0"/>
-              <a:t>Lo! He comes with… (GB-179)</a:t>
-            </a:r>
+            <a:pPr algn="ctr"/>
+            <a:r>
+              <a:rPr lang="en-US" sz="6000" dirty="0"/>
+              <a:t>Song between lessons here</a:t>
+            </a:r>
+            <a:endParaRPr sz="6000" dirty="0"/>
           </a:p>
         </p:txBody>
       </p:sp>
@@ -12526,7 +12482,7 @@
           </a:ln>
           <a:extLst>
             <a:ext uri="{C572A759-6A51-4108-AA02-DFA0A04FC94B}">
-              <ma14:wrappingTextBoxFlag xmlns="" xmlns:m="http://schemas.openxmlformats.org/officeDocument/2006/math" xmlns:a14="http://schemas.microsoft.com/office/drawing/2010/main" xmlns:ma14="http://schemas.microsoft.com/office/mac/drawingml/2011/main" val="1"/>
+              <ma14:wrappingTextBoxFlag xmlns:ma14="http://schemas.microsoft.com/office/mac/drawingml/2011/main" xmlns:a14="http://schemas.microsoft.com/office/drawing/2010/main" xmlns:m="http://schemas.openxmlformats.org/officeDocument/2006/math" xmlns="" val="1"/>
             </a:ext>
           </a:extLst>
         </p:spPr>
@@ -12611,7 +12567,7 @@
           </a:ln>
           <a:extLst>
             <a:ext uri="{C572A759-6A51-4108-AA02-DFA0A04FC94B}">
-              <ma14:wrappingTextBoxFlag xmlns="" xmlns:m="http://schemas.openxmlformats.org/officeDocument/2006/math" xmlns:a14="http://schemas.microsoft.com/office/drawing/2010/main" xmlns:ma14="http://schemas.microsoft.com/office/mac/drawingml/2011/main" val="1"/>
+              <ma14:wrappingTextBoxFlag xmlns:ma14="http://schemas.microsoft.com/office/mac/drawingml/2011/main" xmlns:a14="http://schemas.microsoft.com/office/drawing/2010/main" xmlns:m="http://schemas.openxmlformats.org/officeDocument/2006/math" xmlns="" val="1"/>
             </a:ext>
           </a:extLst>
         </p:spPr>
@@ -12651,7 +12607,7 @@
           </a:ln>
           <a:extLst>
             <a:ext uri="{C572A759-6A51-4108-AA02-DFA0A04FC94B}">
-              <ma14:wrappingTextBoxFlag xmlns="" xmlns:m="http://schemas.openxmlformats.org/officeDocument/2006/math" xmlns:a14="http://schemas.microsoft.com/office/drawing/2010/main" xmlns:ma14="http://schemas.microsoft.com/office/mac/drawingml/2011/main" val="1"/>
+              <ma14:wrappingTextBoxFlag xmlns:ma14="http://schemas.microsoft.com/office/mac/drawingml/2011/main" xmlns:a14="http://schemas.microsoft.com/office/drawing/2010/main" xmlns:m="http://schemas.openxmlformats.org/officeDocument/2006/math" xmlns="" val="1"/>
             </a:ext>
           </a:extLst>
         </p:spPr>
@@ -12717,7 +12673,7 @@
           </a:ln>
           <a:extLst>
             <a:ext uri="{C572A759-6A51-4108-AA02-DFA0A04FC94B}">
-              <ma14:wrappingTextBoxFlag xmlns="" xmlns:m="http://schemas.openxmlformats.org/officeDocument/2006/math" xmlns:a14="http://schemas.microsoft.com/office/drawing/2010/main" xmlns:ma14="http://schemas.microsoft.com/office/mac/drawingml/2011/main" val="1"/>
+              <ma14:wrappingTextBoxFlag xmlns:ma14="http://schemas.microsoft.com/office/mac/drawingml/2011/main" xmlns:a14="http://schemas.microsoft.com/office/drawing/2010/main" xmlns:m="http://schemas.openxmlformats.org/officeDocument/2006/math" xmlns="" val="1"/>
             </a:ext>
           </a:extLst>
         </p:spPr>
@@ -12760,7 +12716,7 @@
           </a:ln>
           <a:extLst>
             <a:ext uri="{C572A759-6A51-4108-AA02-DFA0A04FC94B}">
-              <ma14:wrappingTextBoxFlag xmlns="" xmlns:m="http://schemas.openxmlformats.org/officeDocument/2006/math" xmlns:a14="http://schemas.microsoft.com/office/drawing/2010/main" xmlns:ma14="http://schemas.microsoft.com/office/mac/drawingml/2011/main" val="1"/>
+              <ma14:wrappingTextBoxFlag xmlns:ma14="http://schemas.microsoft.com/office/mac/drawingml/2011/main" xmlns:a14="http://schemas.microsoft.com/office/drawing/2010/main" xmlns:m="http://schemas.openxmlformats.org/officeDocument/2006/math" xmlns="" val="1"/>
             </a:ext>
           </a:extLst>
         </p:spPr>
@@ -12826,7 +12782,7 @@
           </a:ln>
           <a:extLst>
             <a:ext uri="{C572A759-6A51-4108-AA02-DFA0A04FC94B}">
-              <ma14:wrappingTextBoxFlag xmlns="" xmlns:m="http://schemas.openxmlformats.org/officeDocument/2006/math" xmlns:a14="http://schemas.microsoft.com/office/drawing/2010/main" xmlns:ma14="http://schemas.microsoft.com/office/mac/drawingml/2011/main" val="1"/>
+              <ma14:wrappingTextBoxFlag xmlns:ma14="http://schemas.microsoft.com/office/mac/drawingml/2011/main" xmlns:a14="http://schemas.microsoft.com/office/drawing/2010/main" xmlns:m="http://schemas.openxmlformats.org/officeDocument/2006/math" xmlns="" val="1"/>
             </a:ext>
           </a:extLst>
         </p:spPr>
@@ -12869,7 +12825,7 @@
           </a:ln>
           <a:extLst>
             <a:ext uri="{C572A759-6A51-4108-AA02-DFA0A04FC94B}">
-              <ma14:wrappingTextBoxFlag xmlns="" xmlns:m="http://schemas.openxmlformats.org/officeDocument/2006/math" xmlns:a14="http://schemas.microsoft.com/office/drawing/2010/main" xmlns:ma14="http://schemas.microsoft.com/office/mac/drawingml/2011/main" val="1"/>
+              <ma14:wrappingTextBoxFlag xmlns:ma14="http://schemas.microsoft.com/office/mac/drawingml/2011/main" xmlns:a14="http://schemas.microsoft.com/office/drawing/2010/main" xmlns:m="http://schemas.openxmlformats.org/officeDocument/2006/math" xmlns="" val="1"/>
             </a:ext>
           </a:extLst>
         </p:spPr>
@@ -12935,7 +12891,7 @@
           </a:ln>
           <a:extLst>
             <a:ext uri="{C572A759-6A51-4108-AA02-DFA0A04FC94B}">
-              <ma14:wrappingTextBoxFlag xmlns="" xmlns:m="http://schemas.openxmlformats.org/officeDocument/2006/math" xmlns:a14="http://schemas.microsoft.com/office/drawing/2010/main" xmlns:ma14="http://schemas.microsoft.com/office/mac/drawingml/2011/main" val="1"/>
+              <ma14:wrappingTextBoxFlag xmlns:ma14="http://schemas.microsoft.com/office/mac/drawingml/2011/main" xmlns:a14="http://schemas.microsoft.com/office/drawing/2010/main" xmlns:m="http://schemas.openxmlformats.org/officeDocument/2006/math" xmlns="" val="1"/>
             </a:ext>
           </a:extLst>
         </p:spPr>
@@ -12998,7 +12954,7 @@
           </a:ln>
           <a:extLst>
             <a:ext uri="{C572A759-6A51-4108-AA02-DFA0A04FC94B}">
-              <ma14:wrappingTextBoxFlag xmlns="" xmlns:m="http://schemas.openxmlformats.org/officeDocument/2006/math" xmlns:a14="http://schemas.microsoft.com/office/drawing/2010/main" xmlns:ma14="http://schemas.microsoft.com/office/mac/drawingml/2011/main" val="1"/>
+              <ma14:wrappingTextBoxFlag xmlns:ma14="http://schemas.microsoft.com/office/mac/drawingml/2011/main" xmlns:a14="http://schemas.microsoft.com/office/drawing/2010/main" xmlns:m="http://schemas.openxmlformats.org/officeDocument/2006/math" xmlns="" val="1"/>
             </a:ext>
           </a:extLst>
         </p:spPr>
@@ -13064,7 +13020,7 @@
           </a:ln>
           <a:extLst>
             <a:ext uri="{C572A759-6A51-4108-AA02-DFA0A04FC94B}">
-              <ma14:wrappingTextBoxFlag xmlns="" xmlns:m="http://schemas.openxmlformats.org/officeDocument/2006/math" xmlns:a14="http://schemas.microsoft.com/office/drawing/2010/main" xmlns:ma14="http://schemas.microsoft.com/office/mac/drawingml/2011/main" val="1"/>
+              <ma14:wrappingTextBoxFlag xmlns:ma14="http://schemas.microsoft.com/office/mac/drawingml/2011/main" xmlns:a14="http://schemas.microsoft.com/office/drawing/2010/main" xmlns:m="http://schemas.openxmlformats.org/officeDocument/2006/math" xmlns="" val="1"/>
             </a:ext>
           </a:extLst>
         </p:spPr>
@@ -13107,7 +13063,7 @@
           </a:ln>
           <a:extLst>
             <a:ext uri="{C572A759-6A51-4108-AA02-DFA0A04FC94B}">
-              <ma14:wrappingTextBoxFlag xmlns="" xmlns:m="http://schemas.openxmlformats.org/officeDocument/2006/math" xmlns:a14="http://schemas.microsoft.com/office/drawing/2010/main" xmlns:ma14="http://schemas.microsoft.com/office/mac/drawingml/2011/main" val="1"/>
+              <ma14:wrappingTextBoxFlag xmlns:ma14="http://schemas.microsoft.com/office/mac/drawingml/2011/main" xmlns:a14="http://schemas.microsoft.com/office/drawing/2010/main" xmlns:m="http://schemas.openxmlformats.org/officeDocument/2006/math" xmlns="" val="1"/>
             </a:ext>
           </a:extLst>
         </p:spPr>
@@ -13175,7 +13131,7 @@
           </a:ln>
           <a:extLst>
             <a:ext uri="{C572A759-6A51-4108-AA02-DFA0A04FC94B}">
-              <ma14:wrappingTextBoxFlag xmlns="" xmlns:m="http://schemas.openxmlformats.org/officeDocument/2006/math" xmlns:a14="http://schemas.microsoft.com/office/drawing/2010/main" xmlns:ma14="http://schemas.microsoft.com/office/mac/drawingml/2011/main" val="1"/>
+              <ma14:wrappingTextBoxFlag xmlns:ma14="http://schemas.microsoft.com/office/mac/drawingml/2011/main" xmlns:a14="http://schemas.microsoft.com/office/drawing/2010/main" xmlns:m="http://schemas.openxmlformats.org/officeDocument/2006/math" xmlns="" val="1"/>
             </a:ext>
           </a:extLst>
         </p:spPr>
@@ -13222,7 +13178,7 @@
           </a:ln>
           <a:extLst>
             <a:ext uri="{C572A759-6A51-4108-AA02-DFA0A04FC94B}">
-              <ma14:wrappingTextBoxFlag xmlns="" xmlns:m="http://schemas.openxmlformats.org/officeDocument/2006/math" xmlns:a14="http://schemas.microsoft.com/office/drawing/2010/main" xmlns:ma14="http://schemas.microsoft.com/office/mac/drawingml/2011/main" val="1"/>
+              <ma14:wrappingTextBoxFlag xmlns:ma14="http://schemas.microsoft.com/office/mac/drawingml/2011/main" xmlns:a14="http://schemas.microsoft.com/office/drawing/2010/main" xmlns:m="http://schemas.openxmlformats.org/officeDocument/2006/math" xmlns="" val="1"/>
             </a:ext>
           </a:extLst>
         </p:spPr>
@@ -13299,7 +13255,7 @@
           </a:ln>
           <a:extLst>
             <a:ext uri="{C572A759-6A51-4108-AA02-DFA0A04FC94B}">
-              <ma14:wrappingTextBoxFlag xmlns="" xmlns:m="http://schemas.openxmlformats.org/officeDocument/2006/math" xmlns:a14="http://schemas.microsoft.com/office/drawing/2010/main" xmlns:ma14="http://schemas.microsoft.com/office/mac/drawingml/2011/main" val="1"/>
+              <ma14:wrappingTextBoxFlag xmlns:ma14="http://schemas.microsoft.com/office/mac/drawingml/2011/main" xmlns:a14="http://schemas.microsoft.com/office/drawing/2010/main" xmlns:m="http://schemas.openxmlformats.org/officeDocument/2006/math" xmlns="" val="1"/>
             </a:ext>
           </a:extLst>
         </p:spPr>
@@ -13329,18 +13285,18 @@
         </p:nvSpPr>
         <p:spPr>
           <a:xfrm>
-            <a:off x="874081" y="4714958"/>
-            <a:ext cx="10443836" cy="923330"/>
-          </a:xfrm>
-          <a:prstGeom prst="rect">
-            <a:avLst/>
-          </a:prstGeom>
-          <a:ln w="12700">
-            <a:miter lim="400000"/>
-          </a:ln>
-          <a:extLst>
-            <a:ext uri="{C572A759-6A51-4108-AA02-DFA0A04FC94B}">
-              <ma14:wrappingTextBoxFlag xmlns="" xmlns:m="http://schemas.openxmlformats.org/officeDocument/2006/math" xmlns:a14="http://schemas.microsoft.com/office/drawing/2010/main" xmlns:ma14="http://schemas.microsoft.com/office/mac/drawingml/2011/main" val="1"/>
+            <a:off x="705914" y="3667976"/>
+            <a:ext cx="11044651" cy="830997"/>
+          </a:xfrm>
+          <a:prstGeom prst="rect">
+            <a:avLst/>
+          </a:prstGeom>
+          <a:ln w="12700">
+            <a:miter lim="400000"/>
+          </a:ln>
+          <a:extLst>
+            <a:ext uri="{C572A759-6A51-4108-AA02-DFA0A04FC94B}">
+              <ma14:wrappingTextBoxFlag xmlns:ma14="http://schemas.microsoft.com/office/mac/drawingml/2011/main" xmlns:a14="http://schemas.microsoft.com/office/drawing/2010/main" xmlns:m="http://schemas.openxmlformats.org/officeDocument/2006/math" xmlns="" val="1"/>
             </a:ext>
           </a:extLst>
         </p:spPr>
@@ -13362,18 +13318,12 @@
             </a:lvl1pPr>
           </a:lstStyle>
           <a:p>
-            <a:r>
-              <a:rPr sz="4800" dirty="0"/>
-              <a:t>Song: </a:t>
-            </a:r>
-            <a:r>
-              <a:rPr sz="5400" dirty="0"/>
-              <a:t>Tenderly</a:t>
-            </a:r>
-            <a:r>
-              <a:rPr sz="4800" dirty="0"/>
-              <a:t> Guide Us… (GB-330)</a:t>
-            </a:r>
+            <a:pPr algn="ctr"/>
+            <a:r>
+              <a:rPr lang="en-US" sz="4800" dirty="0"/>
+              <a:t>Offertory Hymn</a:t>
+            </a:r>
+            <a:endParaRPr sz="4800" dirty="0"/>
           </a:p>
         </p:txBody>
       </p:sp>
@@ -13424,7 +13374,7 @@
           </a:ln>
           <a:extLst>
             <a:ext uri="{C572A759-6A51-4108-AA02-DFA0A04FC94B}">
-              <ma14:wrappingTextBoxFlag xmlns="" xmlns:m="http://schemas.openxmlformats.org/officeDocument/2006/math" xmlns:a14="http://schemas.microsoft.com/office/drawing/2010/main" xmlns:ma14="http://schemas.microsoft.com/office/mac/drawingml/2011/main" val="1"/>
+              <ma14:wrappingTextBoxFlag xmlns:ma14="http://schemas.microsoft.com/office/mac/drawingml/2011/main" xmlns:a14="http://schemas.microsoft.com/office/drawing/2010/main" xmlns:m="http://schemas.openxmlformats.org/officeDocument/2006/math" xmlns="" val="1"/>
             </a:ext>
           </a:extLst>
         </p:spPr>
@@ -13490,7 +13440,7 @@
           </a:ln>
           <a:extLst>
             <a:ext uri="{C572A759-6A51-4108-AA02-DFA0A04FC94B}">
-              <ma14:wrappingTextBoxFlag xmlns="" xmlns:m="http://schemas.openxmlformats.org/officeDocument/2006/math" xmlns:a14="http://schemas.microsoft.com/office/drawing/2010/main" xmlns:ma14="http://schemas.microsoft.com/office/mac/drawingml/2011/main" val="1"/>
+              <ma14:wrappingTextBoxFlag xmlns:ma14="http://schemas.microsoft.com/office/mac/drawingml/2011/main" xmlns:a14="http://schemas.microsoft.com/office/drawing/2010/main" xmlns:m="http://schemas.openxmlformats.org/officeDocument/2006/math" xmlns="" val="1"/>
             </a:ext>
           </a:extLst>
         </p:spPr>
@@ -13585,7 +13535,7 @@
           </a:ln>
           <a:extLst>
             <a:ext uri="{C572A759-6A51-4108-AA02-DFA0A04FC94B}">
-              <ma14:wrappingTextBoxFlag xmlns="" xmlns:m="http://schemas.openxmlformats.org/officeDocument/2006/math" xmlns:a14="http://schemas.microsoft.com/office/drawing/2010/main" xmlns:ma14="http://schemas.microsoft.com/office/mac/drawingml/2011/main" val="1"/>
+              <ma14:wrappingTextBoxFlag xmlns:ma14="http://schemas.microsoft.com/office/mac/drawingml/2011/main" xmlns:a14="http://schemas.microsoft.com/office/drawing/2010/main" xmlns:m="http://schemas.openxmlformats.org/officeDocument/2006/math" xmlns="" val="1"/>
             </a:ext>
           </a:extLst>
         </p:spPr>
@@ -13656,7 +13606,7 @@
           </a:ln>
           <a:extLst>
             <a:ext uri="{C572A759-6A51-4108-AA02-DFA0A04FC94B}">
-              <ma14:wrappingTextBoxFlag xmlns="" xmlns:m="http://schemas.openxmlformats.org/officeDocument/2006/math" xmlns:a14="http://schemas.microsoft.com/office/drawing/2010/main" xmlns:ma14="http://schemas.microsoft.com/office/mac/drawingml/2011/main" val="1"/>
+              <ma14:wrappingTextBoxFlag xmlns:ma14="http://schemas.microsoft.com/office/mac/drawingml/2011/main" xmlns:a14="http://schemas.microsoft.com/office/drawing/2010/main" xmlns:m="http://schemas.openxmlformats.org/officeDocument/2006/math" xmlns="" val="1"/>
             </a:ext>
           </a:extLst>
         </p:spPr>
@@ -13696,7 +13646,7 @@
           </a:ln>
           <a:extLst>
             <a:ext uri="{C572A759-6A51-4108-AA02-DFA0A04FC94B}">
-              <ma14:wrappingTextBoxFlag xmlns="" xmlns:m="http://schemas.openxmlformats.org/officeDocument/2006/math" xmlns:a14="http://schemas.microsoft.com/office/drawing/2010/main" xmlns:ma14="http://schemas.microsoft.com/office/mac/drawingml/2011/main" val="1"/>
+              <ma14:wrappingTextBoxFlag xmlns:ma14="http://schemas.microsoft.com/office/mac/drawingml/2011/main" xmlns:a14="http://schemas.microsoft.com/office/drawing/2010/main" xmlns:m="http://schemas.openxmlformats.org/officeDocument/2006/math" xmlns="" val="1"/>
             </a:ext>
           </a:extLst>
         </p:spPr>
@@ -13772,7 +13722,7 @@
           </a:ln>
           <a:extLst>
             <a:ext uri="{C572A759-6A51-4108-AA02-DFA0A04FC94B}">
-              <ma14:wrappingTextBoxFlag xmlns="" xmlns:m="http://schemas.openxmlformats.org/officeDocument/2006/math" xmlns:a14="http://schemas.microsoft.com/office/drawing/2010/main" xmlns:ma14="http://schemas.microsoft.com/office/mac/drawingml/2011/main" val="1"/>
+              <ma14:wrappingTextBoxFlag xmlns:ma14="http://schemas.microsoft.com/office/mac/drawingml/2011/main" xmlns:a14="http://schemas.microsoft.com/office/drawing/2010/main" xmlns:m="http://schemas.openxmlformats.org/officeDocument/2006/math" xmlns="" val="1"/>
             </a:ext>
           </a:extLst>
         </p:spPr>
@@ -13849,7 +13799,7 @@
           </a:ln>
           <a:extLst>
             <a:ext uri="{C572A759-6A51-4108-AA02-DFA0A04FC94B}">
-              <ma14:wrappingTextBoxFlag xmlns="" xmlns:m="http://schemas.openxmlformats.org/officeDocument/2006/math" xmlns:a14="http://schemas.microsoft.com/office/drawing/2010/main" xmlns:ma14="http://schemas.microsoft.com/office/mac/drawingml/2011/main" val="1"/>
+              <ma14:wrappingTextBoxFlag xmlns:ma14="http://schemas.microsoft.com/office/mac/drawingml/2011/main" xmlns:a14="http://schemas.microsoft.com/office/drawing/2010/main" xmlns:m="http://schemas.openxmlformats.org/officeDocument/2006/math" xmlns="" val="1"/>
             </a:ext>
           </a:extLst>
         </p:spPr>
@@ -13932,7 +13882,7 @@
           </a:ln>
           <a:extLst>
             <a:ext uri="{C572A759-6A51-4108-AA02-DFA0A04FC94B}">
-              <ma14:wrappingTextBoxFlag xmlns="" xmlns:m="http://schemas.openxmlformats.org/officeDocument/2006/math" xmlns:a14="http://schemas.microsoft.com/office/drawing/2010/main" xmlns:ma14="http://schemas.microsoft.com/office/mac/drawingml/2011/main" val="1"/>
+              <ma14:wrappingTextBoxFlag xmlns:ma14="http://schemas.microsoft.com/office/mac/drawingml/2011/main" xmlns:a14="http://schemas.microsoft.com/office/drawing/2010/main" xmlns:m="http://schemas.openxmlformats.org/officeDocument/2006/math" xmlns="" val="1"/>
             </a:ext>
           </a:extLst>
         </p:spPr>
@@ -13972,7 +13922,7 @@
           </a:ln>
           <a:extLst>
             <a:ext uri="{C572A759-6A51-4108-AA02-DFA0A04FC94B}">
-              <ma14:wrappingTextBoxFlag xmlns="" xmlns:m="http://schemas.openxmlformats.org/officeDocument/2006/math" xmlns:a14="http://schemas.microsoft.com/office/drawing/2010/main" xmlns:ma14="http://schemas.microsoft.com/office/mac/drawingml/2011/main" val="1"/>
+              <ma14:wrappingTextBoxFlag xmlns:ma14="http://schemas.microsoft.com/office/mac/drawingml/2011/main" xmlns:a14="http://schemas.microsoft.com/office/drawing/2010/main" xmlns:m="http://schemas.openxmlformats.org/officeDocument/2006/math" xmlns="" val="1"/>
             </a:ext>
           </a:extLst>
         </p:spPr>
@@ -14038,7 +13988,7 @@
           </a:ln>
           <a:extLst>
             <a:ext uri="{C572A759-6A51-4108-AA02-DFA0A04FC94B}">
-              <ma14:wrappingTextBoxFlag xmlns="" xmlns:m="http://schemas.openxmlformats.org/officeDocument/2006/math" xmlns:a14="http://schemas.microsoft.com/office/drawing/2010/main" xmlns:ma14="http://schemas.microsoft.com/office/mac/drawingml/2011/main" val="1"/>
+              <ma14:wrappingTextBoxFlag xmlns:ma14="http://schemas.microsoft.com/office/mac/drawingml/2011/main" xmlns:a14="http://schemas.microsoft.com/office/drawing/2010/main" xmlns:m="http://schemas.openxmlformats.org/officeDocument/2006/math" xmlns="" val="1"/>
             </a:ext>
           </a:extLst>
         </p:spPr>
@@ -14114,7 +14064,7 @@
           </a:ln>
           <a:extLst>
             <a:ext uri="{C572A759-6A51-4108-AA02-DFA0A04FC94B}">
-              <ma14:wrappingTextBoxFlag xmlns="" xmlns:m="http://schemas.openxmlformats.org/officeDocument/2006/math" xmlns:a14="http://schemas.microsoft.com/office/drawing/2010/main" xmlns:ma14="http://schemas.microsoft.com/office/mac/drawingml/2011/main" val="1"/>
+              <ma14:wrappingTextBoxFlag xmlns:ma14="http://schemas.microsoft.com/office/mac/drawingml/2011/main" xmlns:a14="http://schemas.microsoft.com/office/drawing/2010/main" xmlns:m="http://schemas.openxmlformats.org/officeDocument/2006/math" xmlns="" val="1"/>
             </a:ext>
           </a:extLst>
         </p:spPr>
@@ -14180,7 +14130,7 @@
           </a:ln>
           <a:extLst>
             <a:ext uri="{C572A759-6A51-4108-AA02-DFA0A04FC94B}">
-              <ma14:wrappingTextBoxFlag xmlns="" xmlns:m="http://schemas.openxmlformats.org/officeDocument/2006/math" xmlns:a14="http://schemas.microsoft.com/office/drawing/2010/main" xmlns:ma14="http://schemas.microsoft.com/office/mac/drawingml/2011/main" val="1"/>
+              <ma14:wrappingTextBoxFlag xmlns:ma14="http://schemas.microsoft.com/office/mac/drawingml/2011/main" xmlns:a14="http://schemas.microsoft.com/office/drawing/2010/main" xmlns:m="http://schemas.openxmlformats.org/officeDocument/2006/math" xmlns="" val="1"/>
             </a:ext>
           </a:extLst>
         </p:spPr>
@@ -14246,7 +14196,7 @@
           </a:ln>
           <a:extLst>
             <a:ext uri="{C572A759-6A51-4108-AA02-DFA0A04FC94B}">
-              <ma14:wrappingTextBoxFlag xmlns="" xmlns:m="http://schemas.openxmlformats.org/officeDocument/2006/math" xmlns:a14="http://schemas.microsoft.com/office/drawing/2010/main" xmlns:ma14="http://schemas.microsoft.com/office/mac/drawingml/2011/main" val="1"/>
+              <ma14:wrappingTextBoxFlag xmlns:ma14="http://schemas.microsoft.com/office/mac/drawingml/2011/main" xmlns:a14="http://schemas.microsoft.com/office/drawing/2010/main" xmlns:m="http://schemas.openxmlformats.org/officeDocument/2006/math" xmlns="" val="1"/>
             </a:ext>
           </a:extLst>
         </p:spPr>
@@ -14312,7 +14262,7 @@
           </a:ln>
           <a:extLst>
             <a:ext uri="{C572A759-6A51-4108-AA02-DFA0A04FC94B}">
-              <ma14:wrappingTextBoxFlag xmlns="" xmlns:m="http://schemas.openxmlformats.org/officeDocument/2006/math" xmlns:a14="http://schemas.microsoft.com/office/drawing/2010/main" xmlns:ma14="http://schemas.microsoft.com/office/mac/drawingml/2011/main" val="1"/>
+              <ma14:wrappingTextBoxFlag xmlns:ma14="http://schemas.microsoft.com/office/mac/drawingml/2011/main" xmlns:a14="http://schemas.microsoft.com/office/drawing/2010/main" xmlns:m="http://schemas.openxmlformats.org/officeDocument/2006/math" xmlns="" val="1"/>
             </a:ext>
           </a:extLst>
         </p:spPr>
@@ -14366,7 +14316,7 @@
           </a:ln>
           <a:extLst>
             <a:ext uri="{C572A759-6A51-4108-AA02-DFA0A04FC94B}">
-              <ma14:wrappingTextBoxFlag xmlns="" xmlns:m="http://schemas.openxmlformats.org/officeDocument/2006/math" xmlns:a14="http://schemas.microsoft.com/office/drawing/2010/main" xmlns:ma14="http://schemas.microsoft.com/office/mac/drawingml/2011/main" val="1"/>
+              <ma14:wrappingTextBoxFlag xmlns:ma14="http://schemas.microsoft.com/office/mac/drawingml/2011/main" xmlns:a14="http://schemas.microsoft.com/office/drawing/2010/main" xmlns:m="http://schemas.openxmlformats.org/officeDocument/2006/math" xmlns="" val="1"/>
             </a:ext>
           </a:extLst>
         </p:spPr>
@@ -14432,7 +14382,7 @@
           </a:ln>
           <a:extLst>
             <a:ext uri="{C572A759-6A51-4108-AA02-DFA0A04FC94B}">
-              <ma14:wrappingTextBoxFlag xmlns="" xmlns:m="http://schemas.openxmlformats.org/officeDocument/2006/math" xmlns:a14="http://schemas.microsoft.com/office/drawing/2010/main" xmlns:ma14="http://schemas.microsoft.com/office/mac/drawingml/2011/main" val="1"/>
+              <ma14:wrappingTextBoxFlag xmlns:ma14="http://schemas.microsoft.com/office/mac/drawingml/2011/main" xmlns:a14="http://schemas.microsoft.com/office/drawing/2010/main" xmlns:m="http://schemas.openxmlformats.org/officeDocument/2006/math" xmlns="" val="1"/>
             </a:ext>
           </a:extLst>
         </p:spPr>
@@ -14493,7 +14443,7 @@
           </a:ln>
           <a:extLst>
             <a:ext uri="{C572A759-6A51-4108-AA02-DFA0A04FC94B}">
-              <ma14:wrappingTextBoxFlag xmlns="" xmlns:m="http://schemas.openxmlformats.org/officeDocument/2006/math" xmlns:a14="http://schemas.microsoft.com/office/drawing/2010/main" xmlns:ma14="http://schemas.microsoft.com/office/mac/drawingml/2011/main" val="1"/>
+              <ma14:wrappingTextBoxFlag xmlns:ma14="http://schemas.microsoft.com/office/mac/drawingml/2011/main" xmlns:a14="http://schemas.microsoft.com/office/drawing/2010/main" xmlns:m="http://schemas.openxmlformats.org/officeDocument/2006/math" xmlns="" val="1"/>
             </a:ext>
           </a:extLst>
         </p:spPr>
@@ -14559,7 +14509,7 @@
           </a:ln>
           <a:extLst>
             <a:ext uri="{C572A759-6A51-4108-AA02-DFA0A04FC94B}">
-              <ma14:wrappingTextBoxFlag xmlns="" xmlns:m="http://schemas.openxmlformats.org/officeDocument/2006/math" xmlns:a14="http://schemas.microsoft.com/office/drawing/2010/main" xmlns:ma14="http://schemas.microsoft.com/office/mac/drawingml/2011/main" val="1"/>
+              <ma14:wrappingTextBoxFlag xmlns:ma14="http://schemas.microsoft.com/office/mac/drawingml/2011/main" xmlns:a14="http://schemas.microsoft.com/office/drawing/2010/main" xmlns:m="http://schemas.openxmlformats.org/officeDocument/2006/math" xmlns="" val="1"/>
             </a:ext>
           </a:extLst>
         </p:spPr>
@@ -14660,7 +14610,7 @@
           </a:ln>
           <a:extLst>
             <a:ext uri="{C572A759-6A51-4108-AA02-DFA0A04FC94B}">
-              <ma14:wrappingTextBoxFlag xmlns="" xmlns:m="http://schemas.openxmlformats.org/officeDocument/2006/math" xmlns:a14="http://schemas.microsoft.com/office/drawing/2010/main" xmlns:ma14="http://schemas.microsoft.com/office/mac/drawingml/2011/main" val="1"/>
+              <ma14:wrappingTextBoxFlag xmlns:ma14="http://schemas.microsoft.com/office/mac/drawingml/2011/main" xmlns:a14="http://schemas.microsoft.com/office/drawing/2010/main" xmlns:m="http://schemas.openxmlformats.org/officeDocument/2006/math" xmlns="" val="1"/>
             </a:ext>
           </a:extLst>
         </p:spPr>
@@ -14701,7 +14651,7 @@
           </a:ln>
           <a:extLst>
             <a:ext uri="{C572A759-6A51-4108-AA02-DFA0A04FC94B}">
-              <ma14:wrappingTextBoxFlag xmlns="" xmlns:m="http://schemas.openxmlformats.org/officeDocument/2006/math" xmlns:a14="http://schemas.microsoft.com/office/drawing/2010/main" xmlns:ma14="http://schemas.microsoft.com/office/mac/drawingml/2011/main" val="1"/>
+              <ma14:wrappingTextBoxFlag xmlns:ma14="http://schemas.microsoft.com/office/mac/drawingml/2011/main" xmlns:a14="http://schemas.microsoft.com/office/drawing/2010/main" xmlns:m="http://schemas.openxmlformats.org/officeDocument/2006/math" xmlns="" val="1"/>
             </a:ext>
           </a:extLst>
         </p:spPr>
@@ -14742,7 +14692,7 @@
           </a:ln>
           <a:extLst>
             <a:ext uri="{C572A759-6A51-4108-AA02-DFA0A04FC94B}">
-              <ma14:wrappingTextBoxFlag xmlns="" xmlns:m="http://schemas.openxmlformats.org/officeDocument/2006/math" xmlns:a14="http://schemas.microsoft.com/office/drawing/2010/main" xmlns:ma14="http://schemas.microsoft.com/office/mac/drawingml/2011/main" val="1"/>
+              <ma14:wrappingTextBoxFlag xmlns:ma14="http://schemas.microsoft.com/office/mac/drawingml/2011/main" xmlns:a14="http://schemas.microsoft.com/office/drawing/2010/main" xmlns:m="http://schemas.openxmlformats.org/officeDocument/2006/math" xmlns="" val="1"/>
             </a:ext>
           </a:extLst>
         </p:spPr>
@@ -14783,7 +14733,7 @@
           </a:ln>
           <a:extLst>
             <a:ext uri="{C572A759-6A51-4108-AA02-DFA0A04FC94B}">
-              <ma14:wrappingTextBoxFlag xmlns="" xmlns:m="http://schemas.openxmlformats.org/officeDocument/2006/math" xmlns:a14="http://schemas.microsoft.com/office/drawing/2010/main" xmlns:ma14="http://schemas.microsoft.com/office/mac/drawingml/2011/main" val="1"/>
+              <ma14:wrappingTextBoxFlag xmlns:ma14="http://schemas.microsoft.com/office/mac/drawingml/2011/main" xmlns:a14="http://schemas.microsoft.com/office/drawing/2010/main" xmlns:m="http://schemas.openxmlformats.org/officeDocument/2006/math" xmlns="" val="1"/>
             </a:ext>
           </a:extLst>
         </p:spPr>
@@ -14850,7 +14800,7 @@
           </a:ln>
           <a:extLst>
             <a:ext uri="{C572A759-6A51-4108-AA02-DFA0A04FC94B}">
-              <ma14:wrappingTextBoxFlag xmlns="" xmlns:m="http://schemas.openxmlformats.org/officeDocument/2006/math" xmlns:a14="http://schemas.microsoft.com/office/drawing/2010/main" xmlns:ma14="http://schemas.microsoft.com/office/mac/drawingml/2011/main" val="1"/>
+              <ma14:wrappingTextBoxFlag xmlns:ma14="http://schemas.microsoft.com/office/mac/drawingml/2011/main" xmlns:a14="http://schemas.microsoft.com/office/drawing/2010/main" xmlns:m="http://schemas.openxmlformats.org/officeDocument/2006/math" xmlns="" val="1"/>
             </a:ext>
           </a:extLst>
         </p:spPr>
@@ -14917,7 +14867,7 @@
           </a:ln>
           <a:extLst>
             <a:ext uri="{C572A759-6A51-4108-AA02-DFA0A04FC94B}">
-              <ma14:wrappingTextBoxFlag xmlns="" xmlns:m="http://schemas.openxmlformats.org/officeDocument/2006/math" xmlns:a14="http://schemas.microsoft.com/office/drawing/2010/main" xmlns:ma14="http://schemas.microsoft.com/office/mac/drawingml/2011/main" val="1"/>
+              <ma14:wrappingTextBoxFlag xmlns:ma14="http://schemas.microsoft.com/office/mac/drawingml/2011/main" xmlns:a14="http://schemas.microsoft.com/office/drawing/2010/main" xmlns:m="http://schemas.openxmlformats.org/officeDocument/2006/math" xmlns="" val="1"/>
             </a:ext>
           </a:extLst>
         </p:spPr>
@@ -14957,7 +14907,7 @@
           </a:ln>
           <a:extLst>
             <a:ext uri="{C572A759-6A51-4108-AA02-DFA0A04FC94B}">
-              <ma14:wrappingTextBoxFlag xmlns="" xmlns:m="http://schemas.openxmlformats.org/officeDocument/2006/math" xmlns:a14="http://schemas.microsoft.com/office/drawing/2010/main" xmlns:ma14="http://schemas.microsoft.com/office/mac/drawingml/2011/main" val="1"/>
+              <ma14:wrappingTextBoxFlag xmlns:ma14="http://schemas.microsoft.com/office/mac/drawingml/2011/main" xmlns:a14="http://schemas.microsoft.com/office/drawing/2010/main" xmlns:m="http://schemas.openxmlformats.org/officeDocument/2006/math" xmlns="" val="1"/>
             </a:ext>
           </a:extLst>
         </p:spPr>
@@ -15023,7 +14973,7 @@
           </a:ln>
           <a:extLst>
             <a:ext uri="{C572A759-6A51-4108-AA02-DFA0A04FC94B}">
-              <ma14:wrappingTextBoxFlag xmlns="" xmlns:m="http://schemas.openxmlformats.org/officeDocument/2006/math" xmlns:a14="http://schemas.microsoft.com/office/drawing/2010/main" xmlns:ma14="http://schemas.microsoft.com/office/mac/drawingml/2011/main" val="1"/>
+              <ma14:wrappingTextBoxFlag xmlns:ma14="http://schemas.microsoft.com/office/mac/drawingml/2011/main" xmlns:a14="http://schemas.microsoft.com/office/drawing/2010/main" xmlns:m="http://schemas.openxmlformats.org/officeDocument/2006/math" xmlns="" val="1"/>
             </a:ext>
           </a:extLst>
         </p:spPr>
@@ -15087,7 +15037,7 @@
           </a:ln>
           <a:extLst>
             <a:ext uri="{C572A759-6A51-4108-AA02-DFA0A04FC94B}">
-              <ma14:wrappingTextBoxFlag xmlns="" xmlns:m="http://schemas.openxmlformats.org/officeDocument/2006/math" xmlns:a14="http://schemas.microsoft.com/office/drawing/2010/main" xmlns:ma14="http://schemas.microsoft.com/office/mac/drawingml/2011/main" val="1"/>
+              <ma14:wrappingTextBoxFlag xmlns:ma14="http://schemas.microsoft.com/office/mac/drawingml/2011/main" xmlns:a14="http://schemas.microsoft.com/office/drawing/2010/main" xmlns:m="http://schemas.openxmlformats.org/officeDocument/2006/math" xmlns="" val="1"/>
             </a:ext>
           </a:extLst>
         </p:spPr>
@@ -15127,7 +15077,7 @@
           </a:ln>
           <a:extLst>
             <a:ext uri="{C572A759-6A51-4108-AA02-DFA0A04FC94B}">
-              <ma14:wrappingTextBoxFlag xmlns="" xmlns:m="http://schemas.openxmlformats.org/officeDocument/2006/math" xmlns:a14="http://schemas.microsoft.com/office/drawing/2010/main" xmlns:ma14="http://schemas.microsoft.com/office/mac/drawingml/2011/main" val="1"/>
+              <ma14:wrappingTextBoxFlag xmlns:ma14="http://schemas.microsoft.com/office/mac/drawingml/2011/main" xmlns:a14="http://schemas.microsoft.com/office/drawing/2010/main" xmlns:m="http://schemas.openxmlformats.org/officeDocument/2006/math" xmlns="" val="1"/>
             </a:ext>
           </a:extLst>
         </p:spPr>
@@ -15193,7 +15143,7 @@
           </a:ln>
           <a:extLst>
             <a:ext uri="{C572A759-6A51-4108-AA02-DFA0A04FC94B}">
-              <ma14:wrappingTextBoxFlag xmlns="" xmlns:m="http://schemas.openxmlformats.org/officeDocument/2006/math" xmlns:a14="http://schemas.microsoft.com/office/drawing/2010/main" xmlns:ma14="http://schemas.microsoft.com/office/mac/drawingml/2011/main" val="1"/>
+              <ma14:wrappingTextBoxFlag xmlns:ma14="http://schemas.microsoft.com/office/mac/drawingml/2011/main" xmlns:a14="http://schemas.microsoft.com/office/drawing/2010/main" xmlns:m="http://schemas.openxmlformats.org/officeDocument/2006/math" xmlns="" val="1"/>
             </a:ext>
           </a:extLst>
         </p:spPr>
@@ -15258,7 +15208,7 @@
           </a:ln>
           <a:extLst>
             <a:ext uri="{C572A759-6A51-4108-AA02-DFA0A04FC94B}">
-              <ma14:wrappingTextBoxFlag xmlns="" xmlns:m="http://schemas.openxmlformats.org/officeDocument/2006/math" xmlns:a14="http://schemas.microsoft.com/office/drawing/2010/main" xmlns:ma14="http://schemas.microsoft.com/office/mac/drawingml/2011/main" val="1"/>
+              <ma14:wrappingTextBoxFlag xmlns:ma14="http://schemas.microsoft.com/office/mac/drawingml/2011/main" xmlns:a14="http://schemas.microsoft.com/office/drawing/2010/main" xmlns:m="http://schemas.openxmlformats.org/officeDocument/2006/math" xmlns="" val="1"/>
             </a:ext>
           </a:extLst>
         </p:spPr>
@@ -15298,7 +15248,7 @@
           </a:ln>
           <a:extLst>
             <a:ext uri="{C572A759-6A51-4108-AA02-DFA0A04FC94B}">
-              <ma14:wrappingTextBoxFlag xmlns="" xmlns:m="http://schemas.openxmlformats.org/officeDocument/2006/math" xmlns:a14="http://schemas.microsoft.com/office/drawing/2010/main" xmlns:ma14="http://schemas.microsoft.com/office/mac/drawingml/2011/main" val="1"/>
+              <ma14:wrappingTextBoxFlag xmlns:ma14="http://schemas.microsoft.com/office/mac/drawingml/2011/main" xmlns:a14="http://schemas.microsoft.com/office/drawing/2010/main" xmlns:m="http://schemas.openxmlformats.org/officeDocument/2006/math" xmlns="" val="1"/>
             </a:ext>
           </a:extLst>
         </p:spPr>
@@ -15364,7 +15314,7 @@
           </a:ln>
           <a:extLst>
             <a:ext uri="{C572A759-6A51-4108-AA02-DFA0A04FC94B}">
-              <ma14:wrappingTextBoxFlag xmlns="" xmlns:m="http://schemas.openxmlformats.org/officeDocument/2006/math" xmlns:a14="http://schemas.microsoft.com/office/drawing/2010/main" xmlns:ma14="http://schemas.microsoft.com/office/mac/drawingml/2011/main" val="1"/>
+              <ma14:wrappingTextBoxFlag xmlns:ma14="http://schemas.microsoft.com/office/mac/drawingml/2011/main" xmlns:a14="http://schemas.microsoft.com/office/drawing/2010/main" xmlns:m="http://schemas.openxmlformats.org/officeDocument/2006/math" xmlns="" val="1"/>
             </a:ext>
           </a:extLst>
         </p:spPr>
@@ -15586,7 +15536,7 @@
           </a:ln>
           <a:extLst>
             <a:ext uri="{C572A759-6A51-4108-AA02-DFA0A04FC94B}">
-              <ma14:wrappingTextBoxFlag xmlns="" xmlns:m="http://schemas.openxmlformats.org/officeDocument/2006/math" xmlns:a14="http://schemas.microsoft.com/office/drawing/2010/main" xmlns:ma14="http://schemas.microsoft.com/office/mac/drawingml/2011/main" val="1"/>
+              <ma14:wrappingTextBoxFlag xmlns:ma14="http://schemas.microsoft.com/office/mac/drawingml/2011/main" xmlns:a14="http://schemas.microsoft.com/office/drawing/2010/main" xmlns:m="http://schemas.openxmlformats.org/officeDocument/2006/math" xmlns="" val="1"/>
             </a:ext>
           </a:extLst>
         </p:spPr>
@@ -15633,7 +15583,7 @@
           </a:ln>
           <a:extLst>
             <a:ext uri="{C572A759-6A51-4108-AA02-DFA0A04FC94B}">
-              <ma14:wrappingTextBoxFlag xmlns="" xmlns:m="http://schemas.openxmlformats.org/officeDocument/2006/math" xmlns:a14="http://schemas.microsoft.com/office/drawing/2010/main" xmlns:ma14="http://schemas.microsoft.com/office/mac/drawingml/2011/main" val="1"/>
+              <ma14:wrappingTextBoxFlag xmlns:ma14="http://schemas.microsoft.com/office/mac/drawingml/2011/main" xmlns:a14="http://schemas.microsoft.com/office/drawing/2010/main" xmlns:m="http://schemas.openxmlformats.org/officeDocument/2006/math" xmlns="" val="1"/>
             </a:ext>
           </a:extLst>
         </p:spPr>
@@ -15699,7 +15649,7 @@
           </a:ln>
           <a:extLst>
             <a:ext uri="{C572A759-6A51-4108-AA02-DFA0A04FC94B}">
-              <ma14:wrappingTextBoxFlag xmlns="" xmlns:m="http://schemas.openxmlformats.org/officeDocument/2006/math" xmlns:a14="http://schemas.microsoft.com/office/drawing/2010/main" xmlns:ma14="http://schemas.microsoft.com/office/mac/drawingml/2011/main" val="1"/>
+              <ma14:wrappingTextBoxFlag xmlns:ma14="http://schemas.microsoft.com/office/mac/drawingml/2011/main" xmlns:a14="http://schemas.microsoft.com/office/drawing/2010/main" xmlns:m="http://schemas.openxmlformats.org/officeDocument/2006/math" xmlns="" val="1"/>
             </a:ext>
           </a:extLst>
         </p:spPr>
@@ -15818,7 +15768,7 @@
           </a:ln>
           <a:extLst>
             <a:ext uri="{C572A759-6A51-4108-AA02-DFA0A04FC94B}">
-              <ma14:wrappingTextBoxFlag xmlns="" xmlns:m="http://schemas.openxmlformats.org/officeDocument/2006/math" xmlns:a14="http://schemas.microsoft.com/office/drawing/2010/main" xmlns:ma14="http://schemas.microsoft.com/office/mac/drawingml/2011/main" val="1"/>
+              <ma14:wrappingTextBoxFlag xmlns:ma14="http://schemas.microsoft.com/office/mac/drawingml/2011/main" xmlns:a14="http://schemas.microsoft.com/office/drawing/2010/main" xmlns:m="http://schemas.openxmlformats.org/officeDocument/2006/math" xmlns="" val="1"/>
             </a:ext>
           </a:extLst>
         </p:spPr>
@@ -15865,7 +15815,7 @@
           </a:ln>
           <a:extLst>
             <a:ext uri="{C572A759-6A51-4108-AA02-DFA0A04FC94B}">
-              <ma14:wrappingTextBoxFlag xmlns="" xmlns:m="http://schemas.openxmlformats.org/officeDocument/2006/math" xmlns:a14="http://schemas.microsoft.com/office/drawing/2010/main" xmlns:ma14="http://schemas.microsoft.com/office/mac/drawingml/2011/main" val="1"/>
+              <ma14:wrappingTextBoxFlag xmlns:ma14="http://schemas.microsoft.com/office/mac/drawingml/2011/main" xmlns:a14="http://schemas.microsoft.com/office/drawing/2010/main" xmlns:m="http://schemas.openxmlformats.org/officeDocument/2006/math" xmlns="" val="1"/>
             </a:ext>
           </a:extLst>
         </p:spPr>
@@ -15931,7 +15881,7 @@
           </a:ln>
           <a:extLst>
             <a:ext uri="{C572A759-6A51-4108-AA02-DFA0A04FC94B}">
-              <ma14:wrappingTextBoxFlag xmlns="" xmlns:m="http://schemas.openxmlformats.org/officeDocument/2006/math" xmlns:a14="http://schemas.microsoft.com/office/drawing/2010/main" xmlns:ma14="http://schemas.microsoft.com/office/mac/drawingml/2011/main" val="1"/>
+              <ma14:wrappingTextBoxFlag xmlns:ma14="http://schemas.microsoft.com/office/mac/drawingml/2011/main" xmlns:a14="http://schemas.microsoft.com/office/drawing/2010/main" xmlns:m="http://schemas.openxmlformats.org/officeDocument/2006/math" xmlns="" val="1"/>
             </a:ext>
           </a:extLst>
         </p:spPr>
@@ -16020,7 +15970,7 @@
           </a:ln>
           <a:extLst>
             <a:ext uri="{C572A759-6A51-4108-AA02-DFA0A04FC94B}">
-              <ma14:wrappingTextBoxFlag xmlns="" xmlns:m="http://schemas.openxmlformats.org/officeDocument/2006/math" xmlns:a14="http://schemas.microsoft.com/office/drawing/2010/main" xmlns:ma14="http://schemas.microsoft.com/office/mac/drawingml/2011/main" val="1"/>
+              <ma14:wrappingTextBoxFlag xmlns:ma14="http://schemas.microsoft.com/office/mac/drawingml/2011/main" xmlns:a14="http://schemas.microsoft.com/office/drawing/2010/main" xmlns:m="http://schemas.openxmlformats.org/officeDocument/2006/math" xmlns="" val="1"/>
             </a:ext>
           </a:extLst>
         </p:spPr>
@@ -16060,7 +16010,7 @@
           </a:ln>
           <a:extLst>
             <a:ext uri="{C572A759-6A51-4108-AA02-DFA0A04FC94B}">
-              <ma14:wrappingTextBoxFlag xmlns="" xmlns:m="http://schemas.openxmlformats.org/officeDocument/2006/math" xmlns:a14="http://schemas.microsoft.com/office/drawing/2010/main" xmlns:ma14="http://schemas.microsoft.com/office/mac/drawingml/2011/main" val="1"/>
+              <ma14:wrappingTextBoxFlag xmlns:ma14="http://schemas.microsoft.com/office/mac/drawingml/2011/main" xmlns:a14="http://schemas.microsoft.com/office/drawing/2010/main" xmlns:m="http://schemas.openxmlformats.org/officeDocument/2006/math" xmlns="" val="1"/>
             </a:ext>
           </a:extLst>
         </p:spPr>
@@ -16100,7 +16050,7 @@
           </a:ln>
           <a:extLst>
             <a:ext uri="{C572A759-6A51-4108-AA02-DFA0A04FC94B}">
-              <ma14:wrappingTextBoxFlag xmlns="" xmlns:m="http://schemas.openxmlformats.org/officeDocument/2006/math" xmlns:a14="http://schemas.microsoft.com/office/drawing/2010/main" xmlns:ma14="http://schemas.microsoft.com/office/mac/drawingml/2011/main" val="1"/>
+              <ma14:wrappingTextBoxFlag xmlns:ma14="http://schemas.microsoft.com/office/mac/drawingml/2011/main" xmlns:a14="http://schemas.microsoft.com/office/drawing/2010/main" xmlns:m="http://schemas.openxmlformats.org/officeDocument/2006/math" xmlns="" val="1"/>
             </a:ext>
           </a:extLst>
         </p:spPr>
@@ -16166,7 +16116,7 @@
           </a:ln>
           <a:extLst>
             <a:ext uri="{C572A759-6A51-4108-AA02-DFA0A04FC94B}">
-              <ma14:wrappingTextBoxFlag xmlns="" xmlns:m="http://schemas.openxmlformats.org/officeDocument/2006/math" xmlns:a14="http://schemas.microsoft.com/office/drawing/2010/main" xmlns:ma14="http://schemas.microsoft.com/office/mac/drawingml/2011/main" val="1"/>
+              <ma14:wrappingTextBoxFlag xmlns:ma14="http://schemas.microsoft.com/office/mac/drawingml/2011/main" xmlns:a14="http://schemas.microsoft.com/office/drawing/2010/main" xmlns:m="http://schemas.openxmlformats.org/officeDocument/2006/math" xmlns="" val="1"/>
             </a:ext>
           </a:extLst>
         </p:spPr>
@@ -16252,7 +16202,7 @@
           </a:ln>
           <a:extLst>
             <a:ext uri="{C572A759-6A51-4108-AA02-DFA0A04FC94B}">
-              <ma14:wrappingTextBoxFlag xmlns="" xmlns:m="http://schemas.openxmlformats.org/officeDocument/2006/math" xmlns:a14="http://schemas.microsoft.com/office/drawing/2010/main" xmlns:ma14="http://schemas.microsoft.com/office/mac/drawingml/2011/main" val="1"/>
+              <ma14:wrappingTextBoxFlag xmlns:ma14="http://schemas.microsoft.com/office/mac/drawingml/2011/main" xmlns:a14="http://schemas.microsoft.com/office/drawing/2010/main" xmlns:m="http://schemas.openxmlformats.org/officeDocument/2006/math" xmlns="" val="1"/>
             </a:ext>
           </a:extLst>
         </p:spPr>
@@ -16292,7 +16242,7 @@
           </a:ln>
           <a:extLst>
             <a:ext uri="{C572A759-6A51-4108-AA02-DFA0A04FC94B}">
-              <ma14:wrappingTextBoxFlag xmlns="" xmlns:m="http://schemas.openxmlformats.org/officeDocument/2006/math" xmlns:a14="http://schemas.microsoft.com/office/drawing/2010/main" xmlns:ma14="http://schemas.microsoft.com/office/mac/drawingml/2011/main" val="1"/>
+              <ma14:wrappingTextBoxFlag xmlns:ma14="http://schemas.microsoft.com/office/mac/drawingml/2011/main" xmlns:a14="http://schemas.microsoft.com/office/drawing/2010/main" xmlns:m="http://schemas.openxmlformats.org/officeDocument/2006/math" xmlns="" val="1"/>
             </a:ext>
           </a:extLst>
         </p:spPr>
@@ -16332,7 +16282,7 @@
           </a:ln>
           <a:extLst>
             <a:ext uri="{C572A759-6A51-4108-AA02-DFA0A04FC94B}">
-              <ma14:wrappingTextBoxFlag xmlns="" xmlns:m="http://schemas.openxmlformats.org/officeDocument/2006/math" xmlns:a14="http://schemas.microsoft.com/office/drawing/2010/main" xmlns:ma14="http://schemas.microsoft.com/office/mac/drawingml/2011/main" val="1"/>
+              <ma14:wrappingTextBoxFlag xmlns:ma14="http://schemas.microsoft.com/office/mac/drawingml/2011/main" xmlns:a14="http://schemas.microsoft.com/office/drawing/2010/main" xmlns:m="http://schemas.openxmlformats.org/officeDocument/2006/math" xmlns="" val="1"/>
             </a:ext>
           </a:extLst>
         </p:spPr>
@@ -16398,7 +16348,7 @@
           </a:ln>
           <a:extLst>
             <a:ext uri="{C572A759-6A51-4108-AA02-DFA0A04FC94B}">
-              <ma14:wrappingTextBoxFlag xmlns="" xmlns:m="http://schemas.openxmlformats.org/officeDocument/2006/math" xmlns:a14="http://schemas.microsoft.com/office/drawing/2010/main" xmlns:ma14="http://schemas.microsoft.com/office/mac/drawingml/2011/main" val="1"/>
+              <ma14:wrappingTextBoxFlag xmlns:ma14="http://schemas.microsoft.com/office/mac/drawingml/2011/main" xmlns:a14="http://schemas.microsoft.com/office/drawing/2010/main" xmlns:m="http://schemas.openxmlformats.org/officeDocument/2006/math" xmlns="" val="1"/>
             </a:ext>
           </a:extLst>
         </p:spPr>
@@ -16445,7 +16395,7 @@
           </a:ln>
           <a:extLst>
             <a:ext uri="{C572A759-6A51-4108-AA02-DFA0A04FC94B}">
-              <ma14:wrappingTextBoxFlag xmlns="" xmlns:m="http://schemas.openxmlformats.org/officeDocument/2006/math" xmlns:a14="http://schemas.microsoft.com/office/drawing/2010/main" xmlns:ma14="http://schemas.microsoft.com/office/mac/drawingml/2011/main" val="1"/>
+              <ma14:wrappingTextBoxFlag xmlns:ma14="http://schemas.microsoft.com/office/mac/drawingml/2011/main" xmlns:a14="http://schemas.microsoft.com/office/drawing/2010/main" xmlns:m="http://schemas.openxmlformats.org/officeDocument/2006/math" xmlns="" val="1"/>
             </a:ext>
           </a:extLst>
         </p:spPr>
@@ -16511,7 +16461,7 @@
           </a:ln>
           <a:extLst>
             <a:ext uri="{C572A759-6A51-4108-AA02-DFA0A04FC94B}">
-              <ma14:wrappingTextBoxFlag xmlns="" xmlns:m="http://schemas.openxmlformats.org/officeDocument/2006/math" xmlns:a14="http://schemas.microsoft.com/office/drawing/2010/main" xmlns:ma14="http://schemas.microsoft.com/office/mac/drawingml/2011/main" val="1"/>
+              <ma14:wrappingTextBoxFlag xmlns:ma14="http://schemas.microsoft.com/office/mac/drawingml/2011/main" xmlns:a14="http://schemas.microsoft.com/office/drawing/2010/main" xmlns:m="http://schemas.openxmlformats.org/officeDocument/2006/math" xmlns="" val="1"/>
             </a:ext>
           </a:extLst>
         </p:spPr>
@@ -16565,7 +16515,7 @@
           </a:ln>
           <a:extLst>
             <a:ext uri="{C572A759-6A51-4108-AA02-DFA0A04FC94B}">
-              <ma14:wrappingTextBoxFlag xmlns="" xmlns:m="http://schemas.openxmlformats.org/officeDocument/2006/math" xmlns:a14="http://schemas.microsoft.com/office/drawing/2010/main" xmlns:ma14="http://schemas.microsoft.com/office/mac/drawingml/2011/main" val="1"/>
+              <ma14:wrappingTextBoxFlag xmlns:ma14="http://schemas.microsoft.com/office/mac/drawingml/2011/main" xmlns:a14="http://schemas.microsoft.com/office/drawing/2010/main" xmlns:m="http://schemas.openxmlformats.org/officeDocument/2006/math" xmlns="" val="1"/>
             </a:ext>
           </a:extLst>
         </p:spPr>
@@ -16631,7 +16581,7 @@
           </a:ln>
           <a:extLst>
             <a:ext uri="{C572A759-6A51-4108-AA02-DFA0A04FC94B}">
-              <ma14:wrappingTextBoxFlag xmlns="" xmlns:m="http://schemas.openxmlformats.org/officeDocument/2006/math" xmlns:a14="http://schemas.microsoft.com/office/drawing/2010/main" xmlns:ma14="http://schemas.microsoft.com/office/mac/drawingml/2011/main" val="1"/>
+              <ma14:wrappingTextBoxFlag xmlns:ma14="http://schemas.microsoft.com/office/mac/drawingml/2011/main" xmlns:a14="http://schemas.microsoft.com/office/drawing/2010/main" xmlns:m="http://schemas.openxmlformats.org/officeDocument/2006/math" xmlns="" val="1"/>
             </a:ext>
           </a:extLst>
         </p:spPr>
@@ -16717,7 +16667,7 @@
           </a:ln>
           <a:extLst>
             <a:ext uri="{C572A759-6A51-4108-AA02-DFA0A04FC94B}">
-              <ma14:wrappingTextBoxFlag xmlns="" xmlns:m="http://schemas.openxmlformats.org/officeDocument/2006/math" xmlns:a14="http://schemas.microsoft.com/office/drawing/2010/main" xmlns:ma14="http://schemas.microsoft.com/office/mac/drawingml/2011/main" val="1"/>
+              <ma14:wrappingTextBoxFlag xmlns:ma14="http://schemas.microsoft.com/office/mac/drawingml/2011/main" xmlns:a14="http://schemas.microsoft.com/office/drawing/2010/main" xmlns:m="http://schemas.openxmlformats.org/officeDocument/2006/math" xmlns="" val="1"/>
             </a:ext>
           </a:extLst>
         </p:spPr>
@@ -16757,7 +16707,7 @@
           </a:ln>
           <a:extLst>
             <a:ext uri="{C572A759-6A51-4108-AA02-DFA0A04FC94B}">
-              <ma14:wrappingTextBoxFlag xmlns="" xmlns:m="http://schemas.openxmlformats.org/officeDocument/2006/math" xmlns:a14="http://schemas.microsoft.com/office/drawing/2010/main" xmlns:ma14="http://schemas.microsoft.com/office/mac/drawingml/2011/main" val="1"/>
+              <ma14:wrappingTextBoxFlag xmlns:ma14="http://schemas.microsoft.com/office/mac/drawingml/2011/main" xmlns:a14="http://schemas.microsoft.com/office/drawing/2010/main" xmlns:m="http://schemas.openxmlformats.org/officeDocument/2006/math" xmlns="" val="1"/>
             </a:ext>
           </a:extLst>
         </p:spPr>
@@ -16823,7 +16773,7 @@
           </a:ln>
           <a:extLst>
             <a:ext uri="{C572A759-6A51-4108-AA02-DFA0A04FC94B}">
-              <ma14:wrappingTextBoxFlag xmlns="" xmlns:m="http://schemas.openxmlformats.org/officeDocument/2006/math" xmlns:a14="http://schemas.microsoft.com/office/drawing/2010/main" xmlns:ma14="http://schemas.microsoft.com/office/mac/drawingml/2011/main" val="1"/>
+              <ma14:wrappingTextBoxFlag xmlns:ma14="http://schemas.microsoft.com/office/mac/drawingml/2011/main" xmlns:a14="http://schemas.microsoft.com/office/drawing/2010/main" xmlns:m="http://schemas.openxmlformats.org/officeDocument/2006/math" xmlns="" val="1"/>
             </a:ext>
           </a:extLst>
         </p:spPr>
@@ -16870,7 +16820,7 @@
           </a:ln>
           <a:extLst>
             <a:ext uri="{C572A759-6A51-4108-AA02-DFA0A04FC94B}">
-              <ma14:wrappingTextBoxFlag xmlns="" xmlns:m="http://schemas.openxmlformats.org/officeDocument/2006/math" xmlns:a14="http://schemas.microsoft.com/office/drawing/2010/main" xmlns:ma14="http://schemas.microsoft.com/office/mac/drawingml/2011/main" val="1"/>
+              <ma14:wrappingTextBoxFlag xmlns:ma14="http://schemas.microsoft.com/office/mac/drawingml/2011/main" xmlns:a14="http://schemas.microsoft.com/office/drawing/2010/main" xmlns:m="http://schemas.openxmlformats.org/officeDocument/2006/math" xmlns="" val="1"/>
             </a:ext>
           </a:extLst>
         </p:spPr>
@@ -16936,7 +16886,7 @@
           </a:ln>
           <a:extLst>
             <a:ext uri="{C572A759-6A51-4108-AA02-DFA0A04FC94B}">
-              <ma14:wrappingTextBoxFlag xmlns="" xmlns:m="http://schemas.openxmlformats.org/officeDocument/2006/math" xmlns:a14="http://schemas.microsoft.com/office/drawing/2010/main" xmlns:ma14="http://schemas.microsoft.com/office/mac/drawingml/2011/main" val="1"/>
+              <ma14:wrappingTextBoxFlag xmlns:ma14="http://schemas.microsoft.com/office/mac/drawingml/2011/main" xmlns:a14="http://schemas.microsoft.com/office/drawing/2010/main" xmlns:m="http://schemas.openxmlformats.org/officeDocument/2006/math" xmlns="" val="1"/>
             </a:ext>
           </a:extLst>
         </p:spPr>
@@ -17038,7 +16988,7 @@
           </a:ln>
           <a:extLst>
             <a:ext uri="{C572A759-6A51-4108-AA02-DFA0A04FC94B}">
-              <ma14:wrappingTextBoxFlag xmlns="" xmlns:m="http://schemas.openxmlformats.org/officeDocument/2006/math" xmlns:a14="http://schemas.microsoft.com/office/drawing/2010/main" xmlns:ma14="http://schemas.microsoft.com/office/mac/drawingml/2011/main" val="1"/>
+              <ma14:wrappingTextBoxFlag xmlns:ma14="http://schemas.microsoft.com/office/mac/drawingml/2011/main" xmlns:a14="http://schemas.microsoft.com/office/drawing/2010/main" xmlns:m="http://schemas.openxmlformats.org/officeDocument/2006/math" xmlns="" val="1"/>
             </a:ext>
           </a:extLst>
         </p:spPr>
@@ -17078,7 +17028,7 @@
           </a:ln>
           <a:extLst>
             <a:ext uri="{C572A759-6A51-4108-AA02-DFA0A04FC94B}">
-              <ma14:wrappingTextBoxFlag xmlns="" xmlns:m="http://schemas.openxmlformats.org/officeDocument/2006/math" xmlns:a14="http://schemas.microsoft.com/office/drawing/2010/main" xmlns:ma14="http://schemas.microsoft.com/office/mac/drawingml/2011/main" val="1"/>
+              <ma14:wrappingTextBoxFlag xmlns:ma14="http://schemas.microsoft.com/office/mac/drawingml/2011/main" xmlns:a14="http://schemas.microsoft.com/office/drawing/2010/main" xmlns:m="http://schemas.openxmlformats.org/officeDocument/2006/math" xmlns="" val="1"/>
             </a:ext>
           </a:extLst>
         </p:spPr>
@@ -17118,7 +17068,7 @@
           </a:ln>
           <a:extLst>
             <a:ext uri="{C572A759-6A51-4108-AA02-DFA0A04FC94B}">
-              <ma14:wrappingTextBoxFlag xmlns="" xmlns:m="http://schemas.openxmlformats.org/officeDocument/2006/math" xmlns:a14="http://schemas.microsoft.com/office/drawing/2010/main" xmlns:ma14="http://schemas.microsoft.com/office/mac/drawingml/2011/main" val="1"/>
+              <ma14:wrappingTextBoxFlag xmlns:ma14="http://schemas.microsoft.com/office/mac/drawingml/2011/main" xmlns:a14="http://schemas.microsoft.com/office/drawing/2010/main" xmlns:m="http://schemas.openxmlformats.org/officeDocument/2006/math" xmlns="" val="1"/>
             </a:ext>
           </a:extLst>
         </p:spPr>
@@ -17184,7 +17134,7 @@
           </a:ln>
           <a:extLst>
             <a:ext uri="{C572A759-6A51-4108-AA02-DFA0A04FC94B}">
-              <ma14:wrappingTextBoxFlag xmlns="" xmlns:m="http://schemas.openxmlformats.org/officeDocument/2006/math" xmlns:a14="http://schemas.microsoft.com/office/drawing/2010/main" xmlns:ma14="http://schemas.microsoft.com/office/mac/drawingml/2011/main" val="1"/>
+              <ma14:wrappingTextBoxFlag xmlns:ma14="http://schemas.microsoft.com/office/mac/drawingml/2011/main" xmlns:a14="http://schemas.microsoft.com/office/drawing/2010/main" xmlns:m="http://schemas.openxmlformats.org/officeDocument/2006/math" xmlns="" val="1"/>
             </a:ext>
           </a:extLst>
         </p:spPr>
@@ -17427,7 +17377,7 @@
           </a:ln>
           <a:extLst>
             <a:ext uri="{C572A759-6A51-4108-AA02-DFA0A04FC94B}">
-              <ma14:wrappingTextBoxFlag xmlns="" xmlns:m="http://schemas.openxmlformats.org/officeDocument/2006/math" xmlns:a14="http://schemas.microsoft.com/office/drawing/2010/main" xmlns:ma14="http://schemas.microsoft.com/office/mac/drawingml/2011/main" val="1"/>
+              <ma14:wrappingTextBoxFlag xmlns:ma14="http://schemas.microsoft.com/office/mac/drawingml/2011/main" xmlns:a14="http://schemas.microsoft.com/office/drawing/2010/main" xmlns:m="http://schemas.openxmlformats.org/officeDocument/2006/math" xmlns="" val="1"/>
             </a:ext>
           </a:extLst>
         </p:spPr>
@@ -17490,7 +17440,7 @@
           </a:ln>
           <a:extLst>
             <a:ext uri="{C572A759-6A51-4108-AA02-DFA0A04FC94B}">
-              <ma14:wrappingTextBoxFlag xmlns="" xmlns:m="http://schemas.openxmlformats.org/officeDocument/2006/math" xmlns:a14="http://schemas.microsoft.com/office/drawing/2010/main" xmlns:ma14="http://schemas.microsoft.com/office/mac/drawingml/2011/main" val="1"/>
+              <ma14:wrappingTextBoxFlag xmlns:ma14="http://schemas.microsoft.com/office/mac/drawingml/2011/main" xmlns:a14="http://schemas.microsoft.com/office/drawing/2010/main" xmlns:m="http://schemas.openxmlformats.org/officeDocument/2006/math" xmlns="" val="1"/>
             </a:ext>
           </a:extLst>
         </p:spPr>
@@ -17530,7 +17480,7 @@
           </a:ln>
           <a:extLst>
             <a:ext uri="{C572A759-6A51-4108-AA02-DFA0A04FC94B}">
-              <ma14:wrappingTextBoxFlag xmlns="" xmlns:m="http://schemas.openxmlformats.org/officeDocument/2006/math" xmlns:a14="http://schemas.microsoft.com/office/drawing/2010/main" xmlns:ma14="http://schemas.microsoft.com/office/mac/drawingml/2011/main" val="1"/>
+              <ma14:wrappingTextBoxFlag xmlns:ma14="http://schemas.microsoft.com/office/mac/drawingml/2011/main" xmlns:a14="http://schemas.microsoft.com/office/drawing/2010/main" xmlns:m="http://schemas.openxmlformats.org/officeDocument/2006/math" xmlns="" val="1"/>
             </a:ext>
           </a:extLst>
         </p:spPr>
@@ -17596,7 +17546,7 @@
           </a:ln>
           <a:extLst>
             <a:ext uri="{C572A759-6A51-4108-AA02-DFA0A04FC94B}">
-              <ma14:wrappingTextBoxFlag xmlns="" xmlns:m="http://schemas.openxmlformats.org/officeDocument/2006/math" xmlns:a14="http://schemas.microsoft.com/office/drawing/2010/main" xmlns:ma14="http://schemas.microsoft.com/office/mac/drawingml/2011/main" val="1"/>
+              <ma14:wrappingTextBoxFlag xmlns:ma14="http://schemas.microsoft.com/office/mac/drawingml/2011/main" xmlns:a14="http://schemas.microsoft.com/office/drawing/2010/main" xmlns:m="http://schemas.openxmlformats.org/officeDocument/2006/math" xmlns="" val="1"/>
             </a:ext>
           </a:extLst>
         </p:spPr>
@@ -17663,7 +17613,7 @@
           </a:ln>
           <a:extLst>
             <a:ext uri="{C572A759-6A51-4108-AA02-DFA0A04FC94B}">
-              <ma14:wrappingTextBoxFlag xmlns="" xmlns:m="http://schemas.openxmlformats.org/officeDocument/2006/math" xmlns:a14="http://schemas.microsoft.com/office/drawing/2010/main" xmlns:ma14="http://schemas.microsoft.com/office/mac/drawingml/2011/main" val="1"/>
+              <ma14:wrappingTextBoxFlag xmlns:ma14="http://schemas.microsoft.com/office/mac/drawingml/2011/main" xmlns:a14="http://schemas.microsoft.com/office/drawing/2010/main" xmlns:m="http://schemas.openxmlformats.org/officeDocument/2006/math" xmlns="" val="1"/>
             </a:ext>
           </a:extLst>
         </p:spPr>
@@ -17703,7 +17653,7 @@
           </a:ln>
           <a:extLst>
             <a:ext uri="{C572A759-6A51-4108-AA02-DFA0A04FC94B}">
-              <ma14:wrappingTextBoxFlag xmlns="" xmlns:m="http://schemas.openxmlformats.org/officeDocument/2006/math" xmlns:a14="http://schemas.microsoft.com/office/drawing/2010/main" xmlns:ma14="http://schemas.microsoft.com/office/mac/drawingml/2011/main" val="1"/>
+              <ma14:wrappingTextBoxFlag xmlns:ma14="http://schemas.microsoft.com/office/mac/drawingml/2011/main" xmlns:a14="http://schemas.microsoft.com/office/drawing/2010/main" xmlns:m="http://schemas.openxmlformats.org/officeDocument/2006/math" xmlns="" val="1"/>
             </a:ext>
           </a:extLst>
         </p:spPr>
@@ -17769,7 +17719,7 @@
           </a:ln>
           <a:extLst>
             <a:ext uri="{C572A759-6A51-4108-AA02-DFA0A04FC94B}">
-              <ma14:wrappingTextBoxFlag xmlns="" xmlns:m="http://schemas.openxmlformats.org/officeDocument/2006/math" xmlns:a14="http://schemas.microsoft.com/office/drawing/2010/main" xmlns:ma14="http://schemas.microsoft.com/office/mac/drawingml/2011/main" val="1"/>
+              <ma14:wrappingTextBoxFlag xmlns:ma14="http://schemas.microsoft.com/office/mac/drawingml/2011/main" xmlns:a14="http://schemas.microsoft.com/office/drawing/2010/main" xmlns:m="http://schemas.openxmlformats.org/officeDocument/2006/math" xmlns="" val="1"/>
             </a:ext>
           </a:extLst>
         </p:spPr>
@@ -17830,7 +17780,7 @@
           </a:ln>
           <a:extLst>
             <a:ext uri="{C572A759-6A51-4108-AA02-DFA0A04FC94B}">
-              <ma14:wrappingTextBoxFlag xmlns="" xmlns:m="http://schemas.openxmlformats.org/officeDocument/2006/math" xmlns:a14="http://schemas.microsoft.com/office/drawing/2010/main" xmlns:ma14="http://schemas.microsoft.com/office/mac/drawingml/2011/main" val="1"/>
+              <ma14:wrappingTextBoxFlag xmlns:ma14="http://schemas.microsoft.com/office/mac/drawingml/2011/main" xmlns:a14="http://schemas.microsoft.com/office/drawing/2010/main" xmlns:m="http://schemas.openxmlformats.org/officeDocument/2006/math" xmlns="" val="1"/>
             </a:ext>
           </a:extLst>
         </p:spPr>
@@ -17896,7 +17846,7 @@
           </a:ln>
           <a:extLst>
             <a:ext uri="{C572A759-6A51-4108-AA02-DFA0A04FC94B}">
-              <ma14:wrappingTextBoxFlag xmlns="" xmlns:m="http://schemas.openxmlformats.org/officeDocument/2006/math" xmlns:a14="http://schemas.microsoft.com/office/drawing/2010/main" xmlns:ma14="http://schemas.microsoft.com/office/mac/drawingml/2011/main" val="1"/>
+              <ma14:wrappingTextBoxFlag xmlns:ma14="http://schemas.microsoft.com/office/mac/drawingml/2011/main" xmlns:a14="http://schemas.microsoft.com/office/drawing/2010/main" xmlns:m="http://schemas.openxmlformats.org/officeDocument/2006/math" xmlns="" val="1"/>
             </a:ext>
           </a:extLst>
         </p:spPr>
@@ -17943,7 +17893,7 @@
           </a:ln>
           <a:extLst>
             <a:ext uri="{C572A759-6A51-4108-AA02-DFA0A04FC94B}">
-              <ma14:wrappingTextBoxFlag xmlns="" xmlns:m="http://schemas.openxmlformats.org/officeDocument/2006/math" xmlns:a14="http://schemas.microsoft.com/office/drawing/2010/main" xmlns:ma14="http://schemas.microsoft.com/office/mac/drawingml/2011/main" val="1"/>
+              <ma14:wrappingTextBoxFlag xmlns:ma14="http://schemas.microsoft.com/office/mac/drawingml/2011/main" xmlns:a14="http://schemas.microsoft.com/office/drawing/2010/main" xmlns:m="http://schemas.openxmlformats.org/officeDocument/2006/math" xmlns="" val="1"/>
             </a:ext>
           </a:extLst>
         </p:spPr>
@@ -18009,7 +17959,7 @@
           </a:ln>
           <a:extLst>
             <a:ext uri="{C572A759-6A51-4108-AA02-DFA0A04FC94B}">
-              <ma14:wrappingTextBoxFlag xmlns="" xmlns:m="http://schemas.openxmlformats.org/officeDocument/2006/math" xmlns:a14="http://schemas.microsoft.com/office/drawing/2010/main" xmlns:ma14="http://schemas.microsoft.com/office/mac/drawingml/2011/main" val="1"/>
+              <ma14:wrappingTextBoxFlag xmlns:ma14="http://schemas.microsoft.com/office/mac/drawingml/2011/main" xmlns:a14="http://schemas.microsoft.com/office/drawing/2010/main" xmlns:m="http://schemas.openxmlformats.org/officeDocument/2006/math" xmlns="" val="1"/>
             </a:ext>
           </a:extLst>
         </p:spPr>
@@ -18052,7 +18002,7 @@
           </a:ln>
           <a:extLst>
             <a:ext uri="{C572A759-6A51-4108-AA02-DFA0A04FC94B}">
-              <ma14:wrappingTextBoxFlag xmlns="" xmlns:m="http://schemas.openxmlformats.org/officeDocument/2006/math" xmlns:a14="http://schemas.microsoft.com/office/drawing/2010/main" xmlns:ma14="http://schemas.microsoft.com/office/mac/drawingml/2011/main" val="1"/>
+              <ma14:wrappingTextBoxFlag xmlns:ma14="http://schemas.microsoft.com/office/mac/drawingml/2011/main" xmlns:a14="http://schemas.microsoft.com/office/drawing/2010/main" xmlns:m="http://schemas.openxmlformats.org/officeDocument/2006/math" xmlns="" val="1"/>
             </a:ext>
           </a:extLst>
         </p:spPr>
@@ -18118,7 +18068,7 @@
           </a:ln>
           <a:extLst>
             <a:ext uri="{C572A759-6A51-4108-AA02-DFA0A04FC94B}">
-              <ma14:wrappingTextBoxFlag xmlns="" xmlns:m="http://schemas.openxmlformats.org/officeDocument/2006/math" xmlns:a14="http://schemas.microsoft.com/office/drawing/2010/main" xmlns:ma14="http://schemas.microsoft.com/office/mac/drawingml/2011/main" val="1"/>
+              <ma14:wrappingTextBoxFlag xmlns:ma14="http://schemas.microsoft.com/office/mac/drawingml/2011/main" xmlns:a14="http://schemas.microsoft.com/office/drawing/2010/main" xmlns:m="http://schemas.openxmlformats.org/officeDocument/2006/math" xmlns="" val="1"/>
             </a:ext>
           </a:extLst>
         </p:spPr>
@@ -18209,7 +18159,7 @@
           </a:ln>
           <a:extLst>
             <a:ext uri="{C572A759-6A51-4108-AA02-DFA0A04FC94B}">
-              <ma14:wrappingTextBoxFlag xmlns="" xmlns:m="http://schemas.openxmlformats.org/officeDocument/2006/math" xmlns:a14="http://schemas.microsoft.com/office/drawing/2010/main" xmlns:ma14="http://schemas.microsoft.com/office/mac/drawingml/2011/main" val="1"/>
+              <ma14:wrappingTextBoxFlag xmlns:ma14="http://schemas.microsoft.com/office/mac/drawingml/2011/main" xmlns:a14="http://schemas.microsoft.com/office/drawing/2010/main" xmlns:m="http://schemas.openxmlformats.org/officeDocument/2006/math" xmlns="" val="1"/>
             </a:ext>
           </a:extLst>
         </p:spPr>
@@ -18249,7 +18199,7 @@
           </a:ln>
           <a:extLst>
             <a:ext uri="{C572A759-6A51-4108-AA02-DFA0A04FC94B}">
-              <ma14:wrappingTextBoxFlag xmlns="" xmlns:m="http://schemas.openxmlformats.org/officeDocument/2006/math" xmlns:a14="http://schemas.microsoft.com/office/drawing/2010/main" xmlns:ma14="http://schemas.microsoft.com/office/mac/drawingml/2011/main" val="1"/>
+              <ma14:wrappingTextBoxFlag xmlns:ma14="http://schemas.microsoft.com/office/mac/drawingml/2011/main" xmlns:a14="http://schemas.microsoft.com/office/drawing/2010/main" xmlns:m="http://schemas.openxmlformats.org/officeDocument/2006/math" xmlns="" val="1"/>
             </a:ext>
           </a:extLst>
         </p:spPr>
@@ -18315,7 +18265,7 @@
           </a:ln>
           <a:extLst>
             <a:ext uri="{C572A759-6A51-4108-AA02-DFA0A04FC94B}">
-              <ma14:wrappingTextBoxFlag xmlns="" xmlns:m="http://schemas.openxmlformats.org/officeDocument/2006/math" xmlns:a14="http://schemas.microsoft.com/office/drawing/2010/main" xmlns:ma14="http://schemas.microsoft.com/office/mac/drawingml/2011/main" val="1"/>
+              <ma14:wrappingTextBoxFlag xmlns:ma14="http://schemas.microsoft.com/office/mac/drawingml/2011/main" xmlns:a14="http://schemas.microsoft.com/office/drawing/2010/main" xmlns:m="http://schemas.openxmlformats.org/officeDocument/2006/math" xmlns="" val="1"/>
             </a:ext>
           </a:extLst>
         </p:spPr>
@@ -18398,7 +18348,7 @@
           </a:ln>
           <a:extLst>
             <a:ext uri="{C572A759-6A51-4108-AA02-DFA0A04FC94B}">
-              <ma14:wrappingTextBoxFlag xmlns="" xmlns:m="http://schemas.openxmlformats.org/officeDocument/2006/math" xmlns:a14="http://schemas.microsoft.com/office/drawing/2010/main" xmlns:ma14="http://schemas.microsoft.com/office/mac/drawingml/2011/main" val="1"/>
+              <ma14:wrappingTextBoxFlag xmlns:ma14="http://schemas.microsoft.com/office/mac/drawingml/2011/main" xmlns:a14="http://schemas.microsoft.com/office/drawing/2010/main" xmlns:m="http://schemas.openxmlformats.org/officeDocument/2006/math" xmlns="" val="1"/>
             </a:ext>
           </a:extLst>
         </p:spPr>
@@ -18438,7 +18388,7 @@
           </a:ln>
           <a:extLst>
             <a:ext uri="{C572A759-6A51-4108-AA02-DFA0A04FC94B}">
-              <ma14:wrappingTextBoxFlag xmlns="" xmlns:m="http://schemas.openxmlformats.org/officeDocument/2006/math" xmlns:a14="http://schemas.microsoft.com/office/drawing/2010/main" xmlns:ma14="http://schemas.microsoft.com/office/mac/drawingml/2011/main" val="1"/>
+              <ma14:wrappingTextBoxFlag xmlns:ma14="http://schemas.microsoft.com/office/mac/drawingml/2011/main" xmlns:a14="http://schemas.microsoft.com/office/drawing/2010/main" xmlns:m="http://schemas.openxmlformats.org/officeDocument/2006/math" xmlns="" val="1"/>
             </a:ext>
           </a:extLst>
         </p:spPr>
@@ -18504,7 +18454,7 @@
           </a:ln>
           <a:extLst>
             <a:ext uri="{C572A759-6A51-4108-AA02-DFA0A04FC94B}">
-              <ma14:wrappingTextBoxFlag xmlns="" xmlns:m="http://schemas.openxmlformats.org/officeDocument/2006/math" xmlns:a14="http://schemas.microsoft.com/office/drawing/2010/main" xmlns:ma14="http://schemas.microsoft.com/office/mac/drawingml/2011/main" val="1"/>
+              <ma14:wrappingTextBoxFlag xmlns:ma14="http://schemas.microsoft.com/office/mac/drawingml/2011/main" xmlns:a14="http://schemas.microsoft.com/office/drawing/2010/main" xmlns:m="http://schemas.openxmlformats.org/officeDocument/2006/math" xmlns="" val="1"/>
             </a:ext>
           </a:extLst>
         </p:spPr>
@@ -18572,7 +18522,7 @@
           </a:ln>
           <a:extLst>
             <a:ext uri="{C572A759-6A51-4108-AA02-DFA0A04FC94B}">
-              <ma14:wrappingTextBoxFlag xmlns="" xmlns:m="http://schemas.openxmlformats.org/officeDocument/2006/math" xmlns:a14="http://schemas.microsoft.com/office/drawing/2010/main" xmlns:ma14="http://schemas.microsoft.com/office/mac/drawingml/2011/main" val="1"/>
+              <ma14:wrappingTextBoxFlag xmlns:ma14="http://schemas.microsoft.com/office/mac/drawingml/2011/main" xmlns:a14="http://schemas.microsoft.com/office/drawing/2010/main" xmlns:m="http://schemas.openxmlformats.org/officeDocument/2006/math" xmlns="" val="1"/>
             </a:ext>
           </a:extLst>
         </p:spPr>
@@ -18612,7 +18562,7 @@
           </a:ln>
           <a:extLst>
             <a:ext uri="{C572A759-6A51-4108-AA02-DFA0A04FC94B}">
-              <ma14:wrappingTextBoxFlag xmlns="" xmlns:m="http://schemas.openxmlformats.org/officeDocument/2006/math" xmlns:a14="http://schemas.microsoft.com/office/drawing/2010/main" xmlns:ma14="http://schemas.microsoft.com/office/mac/drawingml/2011/main" val="1"/>
+              <ma14:wrappingTextBoxFlag xmlns:ma14="http://schemas.microsoft.com/office/mac/drawingml/2011/main" xmlns:a14="http://schemas.microsoft.com/office/drawing/2010/main" xmlns:m="http://schemas.openxmlformats.org/officeDocument/2006/math" xmlns="" val="1"/>
             </a:ext>
           </a:extLst>
         </p:spPr>
@@ -18678,7 +18628,7 @@
           </a:ln>
           <a:extLst>
             <a:ext uri="{C572A759-6A51-4108-AA02-DFA0A04FC94B}">
-              <ma14:wrappingTextBoxFlag xmlns="" xmlns:m="http://schemas.openxmlformats.org/officeDocument/2006/math" xmlns:a14="http://schemas.microsoft.com/office/drawing/2010/main" xmlns:ma14="http://schemas.microsoft.com/office/mac/drawingml/2011/main" val="1"/>
+              <ma14:wrappingTextBoxFlag xmlns:ma14="http://schemas.microsoft.com/office/mac/drawingml/2011/main" xmlns:a14="http://schemas.microsoft.com/office/drawing/2010/main" xmlns:m="http://schemas.openxmlformats.org/officeDocument/2006/math" xmlns="" val="1"/>
             </a:ext>
           </a:extLst>
         </p:spPr>
@@ -18725,7 +18675,7 @@
           </a:ln>
           <a:extLst>
             <a:ext uri="{C572A759-6A51-4108-AA02-DFA0A04FC94B}">
-              <ma14:wrappingTextBoxFlag xmlns="" xmlns:m="http://schemas.openxmlformats.org/officeDocument/2006/math" xmlns:a14="http://schemas.microsoft.com/office/drawing/2010/main" xmlns:ma14="http://schemas.microsoft.com/office/mac/drawingml/2011/main" val="1"/>
+              <ma14:wrappingTextBoxFlag xmlns:ma14="http://schemas.microsoft.com/office/mac/drawingml/2011/main" xmlns:a14="http://schemas.microsoft.com/office/drawing/2010/main" xmlns:m="http://schemas.openxmlformats.org/officeDocument/2006/math" xmlns="" val="1"/>
             </a:ext>
           </a:extLst>
         </p:spPr>
@@ -18791,7 +18741,7 @@
           </a:ln>
           <a:extLst>
             <a:ext uri="{C572A759-6A51-4108-AA02-DFA0A04FC94B}">
-              <ma14:wrappingTextBoxFlag xmlns="" xmlns:m="http://schemas.openxmlformats.org/officeDocument/2006/math" xmlns:a14="http://schemas.microsoft.com/office/drawing/2010/main" xmlns:ma14="http://schemas.microsoft.com/office/mac/drawingml/2011/main" val="1"/>
+              <ma14:wrappingTextBoxFlag xmlns:ma14="http://schemas.microsoft.com/office/mac/drawingml/2011/main" xmlns:a14="http://schemas.microsoft.com/office/drawing/2010/main" xmlns:m="http://schemas.openxmlformats.org/officeDocument/2006/math" xmlns="" val="1"/>
             </a:ext>
           </a:extLst>
         </p:spPr>
@@ -18855,7 +18805,7 @@
           </a:ln>
           <a:extLst>
             <a:ext uri="{C572A759-6A51-4108-AA02-DFA0A04FC94B}">
-              <ma14:wrappingTextBoxFlag xmlns="" xmlns:m="http://schemas.openxmlformats.org/officeDocument/2006/math" xmlns:a14="http://schemas.microsoft.com/office/drawing/2010/main" xmlns:ma14="http://schemas.microsoft.com/office/mac/drawingml/2011/main" val="1"/>
+              <ma14:wrappingTextBoxFlag xmlns:ma14="http://schemas.microsoft.com/office/mac/drawingml/2011/main" xmlns:a14="http://schemas.microsoft.com/office/drawing/2010/main" xmlns:m="http://schemas.openxmlformats.org/officeDocument/2006/math" xmlns="" val="1"/>
             </a:ext>
           </a:extLst>
         </p:spPr>
@@ -18895,7 +18845,7 @@
           </a:ln>
           <a:extLst>
             <a:ext uri="{C572A759-6A51-4108-AA02-DFA0A04FC94B}">
-              <ma14:wrappingTextBoxFlag xmlns="" xmlns:m="http://schemas.openxmlformats.org/officeDocument/2006/math" xmlns:a14="http://schemas.microsoft.com/office/drawing/2010/main" xmlns:ma14="http://schemas.microsoft.com/office/mac/drawingml/2011/main" val="1"/>
+              <ma14:wrappingTextBoxFlag xmlns:ma14="http://schemas.microsoft.com/office/mac/drawingml/2011/main" xmlns:a14="http://schemas.microsoft.com/office/drawing/2010/main" xmlns:m="http://schemas.openxmlformats.org/officeDocument/2006/math" xmlns="" val="1"/>
             </a:ext>
           </a:extLst>
         </p:spPr>
@@ -18961,7 +18911,7 @@
           </a:ln>
           <a:extLst>
             <a:ext uri="{C572A759-6A51-4108-AA02-DFA0A04FC94B}">
-              <ma14:wrappingTextBoxFlag xmlns="" xmlns:m="http://schemas.openxmlformats.org/officeDocument/2006/math" xmlns:a14="http://schemas.microsoft.com/office/drawing/2010/main" xmlns:ma14="http://schemas.microsoft.com/office/mac/drawingml/2011/main" val="1"/>
+              <ma14:wrappingTextBoxFlag xmlns:ma14="http://schemas.microsoft.com/office/mac/drawingml/2011/main" xmlns:a14="http://schemas.microsoft.com/office/drawing/2010/main" xmlns:m="http://schemas.openxmlformats.org/officeDocument/2006/math" xmlns="" val="1"/>
             </a:ext>
           </a:extLst>
         </p:spPr>
@@ -19176,7 +19126,7 @@
           </a:ln>
           <a:extLst>
             <a:ext uri="{C572A759-6A51-4108-AA02-DFA0A04FC94B}">
-              <ma14:wrappingTextBoxFlag xmlns="" xmlns:m="http://schemas.openxmlformats.org/officeDocument/2006/math" xmlns:a14="http://schemas.microsoft.com/office/drawing/2010/main" xmlns:ma14="http://schemas.microsoft.com/office/mac/drawingml/2011/main" val="1"/>
+              <ma14:wrappingTextBoxFlag xmlns:ma14="http://schemas.microsoft.com/office/mac/drawingml/2011/main" xmlns:a14="http://schemas.microsoft.com/office/drawing/2010/main" xmlns:m="http://schemas.openxmlformats.org/officeDocument/2006/math" xmlns="" val="1"/>
             </a:ext>
           </a:extLst>
         </p:spPr>
@@ -19237,7 +19187,7 @@
           </a:ln>
           <a:extLst>
             <a:ext uri="{C572A759-6A51-4108-AA02-DFA0A04FC94B}">
-              <ma14:wrappingTextBoxFlag xmlns="" xmlns:m="http://schemas.openxmlformats.org/officeDocument/2006/math" xmlns:a14="http://schemas.microsoft.com/office/drawing/2010/main" xmlns:ma14="http://schemas.microsoft.com/office/mac/drawingml/2011/main" val="1"/>
+              <ma14:wrappingTextBoxFlag xmlns:ma14="http://schemas.microsoft.com/office/mac/drawingml/2011/main" xmlns:a14="http://schemas.microsoft.com/office/drawing/2010/main" xmlns:m="http://schemas.openxmlformats.org/officeDocument/2006/math" xmlns="" val="1"/>
             </a:ext>
           </a:extLst>
         </p:spPr>
@@ -19303,7 +19253,7 @@
           </a:ln>
           <a:extLst>
             <a:ext uri="{C572A759-6A51-4108-AA02-DFA0A04FC94B}">
-              <ma14:wrappingTextBoxFlag xmlns="" xmlns:m="http://schemas.openxmlformats.org/officeDocument/2006/math" xmlns:a14="http://schemas.microsoft.com/office/drawing/2010/main" xmlns:ma14="http://schemas.microsoft.com/office/mac/drawingml/2011/main" val="1"/>
+              <ma14:wrappingTextBoxFlag xmlns:ma14="http://schemas.microsoft.com/office/mac/drawingml/2011/main" xmlns:a14="http://schemas.microsoft.com/office/drawing/2010/main" xmlns:m="http://schemas.openxmlformats.org/officeDocument/2006/math" xmlns="" val="1"/>
             </a:ext>
           </a:extLst>
         </p:spPr>
@@ -19368,7 +19318,7 @@
           </a:ln>
           <a:extLst>
             <a:ext uri="{C572A759-6A51-4108-AA02-DFA0A04FC94B}">
-              <ma14:wrappingTextBoxFlag xmlns="" xmlns:m="http://schemas.openxmlformats.org/officeDocument/2006/math" xmlns:a14="http://schemas.microsoft.com/office/drawing/2010/main" xmlns:ma14="http://schemas.microsoft.com/office/mac/drawingml/2011/main" val="1"/>
+              <ma14:wrappingTextBoxFlag xmlns:ma14="http://schemas.microsoft.com/office/mac/drawingml/2011/main" xmlns:a14="http://schemas.microsoft.com/office/drawing/2010/main" xmlns:m="http://schemas.openxmlformats.org/officeDocument/2006/math" xmlns="" val="1"/>
             </a:ext>
           </a:extLst>
         </p:spPr>
@@ -19408,7 +19358,7 @@
           </a:ln>
           <a:extLst>
             <a:ext uri="{C572A759-6A51-4108-AA02-DFA0A04FC94B}">
-              <ma14:wrappingTextBoxFlag xmlns="" xmlns:m="http://schemas.openxmlformats.org/officeDocument/2006/math" xmlns:a14="http://schemas.microsoft.com/office/drawing/2010/main" xmlns:ma14="http://schemas.microsoft.com/office/mac/drawingml/2011/main" val="1"/>
+              <ma14:wrappingTextBoxFlag xmlns:ma14="http://schemas.microsoft.com/office/mac/drawingml/2011/main" xmlns:a14="http://schemas.microsoft.com/office/drawing/2010/main" xmlns:m="http://schemas.openxmlformats.org/officeDocument/2006/math" xmlns="" val="1"/>
             </a:ext>
           </a:extLst>
         </p:spPr>
@@ -19474,7 +19424,7 @@
           </a:ln>
           <a:extLst>
             <a:ext uri="{C572A759-6A51-4108-AA02-DFA0A04FC94B}">
-              <ma14:wrappingTextBoxFlag xmlns="" xmlns:m="http://schemas.openxmlformats.org/officeDocument/2006/math" xmlns:a14="http://schemas.microsoft.com/office/drawing/2010/main" xmlns:ma14="http://schemas.microsoft.com/office/mac/drawingml/2011/main" val="1"/>
+              <ma14:wrappingTextBoxFlag xmlns:ma14="http://schemas.microsoft.com/office/mac/drawingml/2011/main" xmlns:a14="http://schemas.microsoft.com/office/drawing/2010/main" xmlns:m="http://schemas.openxmlformats.org/officeDocument/2006/math" xmlns="" val="1"/>
             </a:ext>
           </a:extLst>
         </p:spPr>
@@ -19521,7 +19471,7 @@
           </a:ln>
           <a:extLst>
             <a:ext uri="{C572A759-6A51-4108-AA02-DFA0A04FC94B}">
-              <ma14:wrappingTextBoxFlag xmlns="" xmlns:m="http://schemas.openxmlformats.org/officeDocument/2006/math" xmlns:a14="http://schemas.microsoft.com/office/drawing/2010/main" xmlns:ma14="http://schemas.microsoft.com/office/mac/drawingml/2011/main" val="1"/>
+              <ma14:wrappingTextBoxFlag xmlns:ma14="http://schemas.microsoft.com/office/mac/drawingml/2011/main" xmlns:a14="http://schemas.microsoft.com/office/drawing/2010/main" xmlns:m="http://schemas.openxmlformats.org/officeDocument/2006/math" xmlns="" val="1"/>
             </a:ext>
           </a:extLst>
         </p:spPr>
@@ -19587,7 +19537,7 @@
           </a:ln>
           <a:extLst>
             <a:ext uri="{C572A759-6A51-4108-AA02-DFA0A04FC94B}">
-              <ma14:wrappingTextBoxFlag xmlns="" xmlns:m="http://schemas.openxmlformats.org/officeDocument/2006/math" xmlns:a14="http://schemas.microsoft.com/office/drawing/2010/main" xmlns:ma14="http://schemas.microsoft.com/office/mac/drawingml/2011/main" val="1"/>
+              <ma14:wrappingTextBoxFlag xmlns:ma14="http://schemas.microsoft.com/office/mac/drawingml/2011/main" xmlns:a14="http://schemas.microsoft.com/office/drawing/2010/main" xmlns:m="http://schemas.openxmlformats.org/officeDocument/2006/math" xmlns="" val="1"/>
             </a:ext>
           </a:extLst>
         </p:spPr>
@@ -19651,7 +19601,7 @@
           </a:ln>
           <a:extLst>
             <a:ext uri="{C572A759-6A51-4108-AA02-DFA0A04FC94B}">
-              <ma14:wrappingTextBoxFlag xmlns="" xmlns:m="http://schemas.openxmlformats.org/officeDocument/2006/math" xmlns:a14="http://schemas.microsoft.com/office/drawing/2010/main" xmlns:ma14="http://schemas.microsoft.com/office/mac/drawingml/2011/main" val="1"/>
+              <ma14:wrappingTextBoxFlag xmlns:ma14="http://schemas.microsoft.com/office/mac/drawingml/2011/main" xmlns:a14="http://schemas.microsoft.com/office/drawing/2010/main" xmlns:m="http://schemas.openxmlformats.org/officeDocument/2006/math" xmlns="" val="1"/>
             </a:ext>
           </a:extLst>
         </p:spPr>
@@ -19691,7 +19641,7 @@
           </a:ln>
           <a:extLst>
             <a:ext uri="{C572A759-6A51-4108-AA02-DFA0A04FC94B}">
-              <ma14:wrappingTextBoxFlag xmlns="" xmlns:m="http://schemas.openxmlformats.org/officeDocument/2006/math" xmlns:a14="http://schemas.microsoft.com/office/drawing/2010/main" xmlns:ma14="http://schemas.microsoft.com/office/mac/drawingml/2011/main" val="1"/>
+              <ma14:wrappingTextBoxFlag xmlns:ma14="http://schemas.microsoft.com/office/mac/drawingml/2011/main" xmlns:a14="http://schemas.microsoft.com/office/drawing/2010/main" xmlns:m="http://schemas.openxmlformats.org/officeDocument/2006/math" xmlns="" val="1"/>
             </a:ext>
           </a:extLst>
         </p:spPr>
@@ -19757,7 +19707,7 @@
           </a:ln>
           <a:extLst>
             <a:ext uri="{C572A759-6A51-4108-AA02-DFA0A04FC94B}">
-              <ma14:wrappingTextBoxFlag xmlns="" xmlns:m="http://schemas.openxmlformats.org/officeDocument/2006/math" xmlns:a14="http://schemas.microsoft.com/office/drawing/2010/main" xmlns:ma14="http://schemas.microsoft.com/office/mac/drawingml/2011/main" val="1"/>
+              <ma14:wrappingTextBoxFlag xmlns:ma14="http://schemas.microsoft.com/office/mac/drawingml/2011/main" xmlns:a14="http://schemas.microsoft.com/office/drawing/2010/main" xmlns:m="http://schemas.openxmlformats.org/officeDocument/2006/math" xmlns="" val="1"/>
             </a:ext>
           </a:extLst>
         </p:spPr>
@@ -19822,7 +19772,7 @@
           </a:ln>
           <a:extLst>
             <a:ext uri="{C572A759-6A51-4108-AA02-DFA0A04FC94B}">
-              <ma14:wrappingTextBoxFlag xmlns="" xmlns:m="http://schemas.openxmlformats.org/officeDocument/2006/math" xmlns:a14="http://schemas.microsoft.com/office/drawing/2010/main" xmlns:ma14="http://schemas.microsoft.com/office/mac/drawingml/2011/main" val="1"/>
+              <ma14:wrappingTextBoxFlag xmlns:ma14="http://schemas.microsoft.com/office/mac/drawingml/2011/main" xmlns:a14="http://schemas.microsoft.com/office/drawing/2010/main" xmlns:m="http://schemas.openxmlformats.org/officeDocument/2006/math" xmlns="" val="1"/>
             </a:ext>
           </a:extLst>
         </p:spPr>
@@ -19862,7 +19812,7 @@
           </a:ln>
           <a:extLst>
             <a:ext uri="{C572A759-6A51-4108-AA02-DFA0A04FC94B}">
-              <ma14:wrappingTextBoxFlag xmlns="" xmlns:m="http://schemas.openxmlformats.org/officeDocument/2006/math" xmlns:a14="http://schemas.microsoft.com/office/drawing/2010/main" xmlns:ma14="http://schemas.microsoft.com/office/mac/drawingml/2011/main" val="1"/>
+              <ma14:wrappingTextBoxFlag xmlns:ma14="http://schemas.microsoft.com/office/mac/drawingml/2011/main" xmlns:a14="http://schemas.microsoft.com/office/drawing/2010/main" xmlns:m="http://schemas.openxmlformats.org/officeDocument/2006/math" xmlns="" val="1"/>
             </a:ext>
           </a:extLst>
         </p:spPr>
@@ -19928,7 +19878,7 @@
           </a:ln>
           <a:extLst>
             <a:ext uri="{C572A759-6A51-4108-AA02-DFA0A04FC94B}">
-              <ma14:wrappingTextBoxFlag xmlns="" xmlns:m="http://schemas.openxmlformats.org/officeDocument/2006/math" xmlns:a14="http://schemas.microsoft.com/office/drawing/2010/main" xmlns:ma14="http://schemas.microsoft.com/office/mac/drawingml/2011/main" val="1"/>
+              <ma14:wrappingTextBoxFlag xmlns:ma14="http://schemas.microsoft.com/office/mac/drawingml/2011/main" xmlns:a14="http://schemas.microsoft.com/office/drawing/2010/main" xmlns:m="http://schemas.openxmlformats.org/officeDocument/2006/math" xmlns="" val="1"/>
             </a:ext>
           </a:extLst>
         </p:spPr>
@@ -19974,7 +19924,7 @@
           </a:ln>
           <a:extLst>
             <a:ext uri="{C572A759-6A51-4108-AA02-DFA0A04FC94B}">
-              <ma14:wrappingTextBoxFlag xmlns="" xmlns:m="http://schemas.openxmlformats.org/officeDocument/2006/math" xmlns:a14="http://schemas.microsoft.com/office/drawing/2010/main" xmlns:ma14="http://schemas.microsoft.com/office/mac/drawingml/2011/main" val="1"/>
+              <ma14:wrappingTextBoxFlag xmlns:ma14="http://schemas.microsoft.com/office/mac/drawingml/2011/main" xmlns:a14="http://schemas.microsoft.com/office/drawing/2010/main" xmlns:m="http://schemas.openxmlformats.org/officeDocument/2006/math" xmlns="" val="1"/>
             </a:ext>
           </a:extLst>
         </p:spPr>
@@ -20040,7 +19990,7 @@
           </a:ln>
           <a:extLst>
             <a:ext uri="{C572A759-6A51-4108-AA02-DFA0A04FC94B}">
-              <ma14:wrappingTextBoxFlag xmlns="" xmlns:m="http://schemas.openxmlformats.org/officeDocument/2006/math" xmlns:a14="http://schemas.microsoft.com/office/drawing/2010/main" xmlns:ma14="http://schemas.microsoft.com/office/mac/drawingml/2011/main" val="1"/>
+              <ma14:wrappingTextBoxFlag xmlns:ma14="http://schemas.microsoft.com/office/mac/drawingml/2011/main" xmlns:a14="http://schemas.microsoft.com/office/drawing/2010/main" xmlns:m="http://schemas.openxmlformats.org/officeDocument/2006/math" xmlns="" val="1"/>
             </a:ext>
           </a:extLst>
         </p:spPr>
@@ -20104,7 +20054,7 @@
           </a:ln>
           <a:extLst>
             <a:ext uri="{C572A759-6A51-4108-AA02-DFA0A04FC94B}">
-              <ma14:wrappingTextBoxFlag xmlns="" xmlns:m="http://schemas.openxmlformats.org/officeDocument/2006/math" xmlns:a14="http://schemas.microsoft.com/office/drawing/2010/main" xmlns:ma14="http://schemas.microsoft.com/office/mac/drawingml/2011/main" val="1"/>
+              <ma14:wrappingTextBoxFlag xmlns:ma14="http://schemas.microsoft.com/office/mac/drawingml/2011/main" xmlns:a14="http://schemas.microsoft.com/office/drawing/2010/main" xmlns:m="http://schemas.openxmlformats.org/officeDocument/2006/math" xmlns="" val="1"/>
             </a:ext>
           </a:extLst>
         </p:spPr>
@@ -20144,7 +20094,7 @@
           </a:ln>
           <a:extLst>
             <a:ext uri="{C572A759-6A51-4108-AA02-DFA0A04FC94B}">
-              <ma14:wrappingTextBoxFlag xmlns="" xmlns:m="http://schemas.openxmlformats.org/officeDocument/2006/math" xmlns:a14="http://schemas.microsoft.com/office/drawing/2010/main" xmlns:ma14="http://schemas.microsoft.com/office/mac/drawingml/2011/main" val="1"/>
+              <ma14:wrappingTextBoxFlag xmlns:ma14="http://schemas.microsoft.com/office/mac/drawingml/2011/main" xmlns:a14="http://schemas.microsoft.com/office/drawing/2010/main" xmlns:m="http://schemas.openxmlformats.org/officeDocument/2006/math" xmlns="" val="1"/>
             </a:ext>
           </a:extLst>
         </p:spPr>
@@ -20210,7 +20160,7 @@
           </a:ln>
           <a:extLst>
             <a:ext uri="{C572A759-6A51-4108-AA02-DFA0A04FC94B}">
-              <ma14:wrappingTextBoxFlag xmlns="" xmlns:m="http://schemas.openxmlformats.org/officeDocument/2006/math" xmlns:a14="http://schemas.microsoft.com/office/drawing/2010/main" xmlns:ma14="http://schemas.microsoft.com/office/mac/drawingml/2011/main" val="1"/>
+              <ma14:wrappingTextBoxFlag xmlns:ma14="http://schemas.microsoft.com/office/mac/drawingml/2011/main" xmlns:a14="http://schemas.microsoft.com/office/drawing/2010/main" xmlns:m="http://schemas.openxmlformats.org/officeDocument/2006/math" xmlns="" val="1"/>
             </a:ext>
           </a:extLst>
         </p:spPr>
@@ -20282,7 +20232,7 @@
           </a:ln>
           <a:extLst>
             <a:ext uri="{C572A759-6A51-4108-AA02-DFA0A04FC94B}">
-              <ma14:wrappingTextBoxFlag xmlns="" xmlns:m="http://schemas.openxmlformats.org/officeDocument/2006/math" xmlns:a14="http://schemas.microsoft.com/office/drawing/2010/main" xmlns:ma14="http://schemas.microsoft.com/office/mac/drawingml/2011/main" val="1"/>
+              <ma14:wrappingTextBoxFlag xmlns:ma14="http://schemas.microsoft.com/office/mac/drawingml/2011/main" xmlns:a14="http://schemas.microsoft.com/office/drawing/2010/main" xmlns:m="http://schemas.openxmlformats.org/officeDocument/2006/math" xmlns="" val="1"/>
             </a:ext>
           </a:extLst>
         </p:spPr>
@@ -20323,7 +20273,7 @@
           </a:ln>
           <a:extLst>
             <a:ext uri="{C572A759-6A51-4108-AA02-DFA0A04FC94B}">
-              <ma14:wrappingTextBoxFlag xmlns="" xmlns:m="http://schemas.openxmlformats.org/officeDocument/2006/math" xmlns:a14="http://schemas.microsoft.com/office/drawing/2010/main" xmlns:ma14="http://schemas.microsoft.com/office/mac/drawingml/2011/main" val="1"/>
+              <ma14:wrappingTextBoxFlag xmlns:ma14="http://schemas.microsoft.com/office/mac/drawingml/2011/main" xmlns:a14="http://schemas.microsoft.com/office/drawing/2010/main" xmlns:m="http://schemas.openxmlformats.org/officeDocument/2006/math" xmlns="" val="1"/>
             </a:ext>
           </a:extLst>
         </p:spPr>
@@ -20390,7 +20340,7 @@
           </a:ln>
           <a:extLst>
             <a:ext uri="{C572A759-6A51-4108-AA02-DFA0A04FC94B}">
-              <ma14:wrappingTextBoxFlag xmlns="" xmlns:m="http://schemas.openxmlformats.org/officeDocument/2006/math" xmlns:a14="http://schemas.microsoft.com/office/drawing/2010/main" xmlns:ma14="http://schemas.microsoft.com/office/mac/drawingml/2011/main" val="1"/>
+              <ma14:wrappingTextBoxFlag xmlns:ma14="http://schemas.microsoft.com/office/mac/drawingml/2011/main" xmlns:a14="http://schemas.microsoft.com/office/drawing/2010/main" xmlns:m="http://schemas.openxmlformats.org/officeDocument/2006/math" xmlns="" val="1"/>
             </a:ext>
           </a:extLst>
         </p:spPr>
@@ -20437,7 +20387,7 @@
           </a:ln>
           <a:extLst>
             <a:ext uri="{C572A759-6A51-4108-AA02-DFA0A04FC94B}">
-              <ma14:wrappingTextBoxFlag xmlns="" xmlns:m="http://schemas.openxmlformats.org/officeDocument/2006/math" xmlns:a14="http://schemas.microsoft.com/office/drawing/2010/main" xmlns:ma14="http://schemas.microsoft.com/office/mac/drawingml/2011/main" val="1"/>
+              <ma14:wrappingTextBoxFlag xmlns:ma14="http://schemas.microsoft.com/office/mac/drawingml/2011/main" xmlns:a14="http://schemas.microsoft.com/office/drawing/2010/main" xmlns:m="http://schemas.openxmlformats.org/officeDocument/2006/math" xmlns="" val="1"/>
             </a:ext>
           </a:extLst>
         </p:spPr>
@@ -20503,7 +20453,7 @@
           </a:ln>
           <a:extLst>
             <a:ext uri="{C572A759-6A51-4108-AA02-DFA0A04FC94B}">
-              <ma14:wrappingTextBoxFlag xmlns="" xmlns:m="http://schemas.openxmlformats.org/officeDocument/2006/math" xmlns:a14="http://schemas.microsoft.com/office/drawing/2010/main" xmlns:ma14="http://schemas.microsoft.com/office/mac/drawingml/2011/main" val="1"/>
+              <ma14:wrappingTextBoxFlag xmlns:ma14="http://schemas.microsoft.com/office/mac/drawingml/2011/main" xmlns:a14="http://schemas.microsoft.com/office/drawing/2010/main" xmlns:m="http://schemas.openxmlformats.org/officeDocument/2006/math" xmlns="" val="1"/>
             </a:ext>
           </a:extLst>
         </p:spPr>
@@ -20600,7 +20550,7 @@
           </a:ln>
           <a:extLst>
             <a:ext uri="{C572A759-6A51-4108-AA02-DFA0A04FC94B}">
-              <ma14:wrappingTextBoxFlag xmlns="" xmlns:m="http://schemas.openxmlformats.org/officeDocument/2006/math" xmlns:a14="http://schemas.microsoft.com/office/drawing/2010/main" xmlns:ma14="http://schemas.microsoft.com/office/mac/drawingml/2011/main" val="1"/>
+              <ma14:wrappingTextBoxFlag xmlns:ma14="http://schemas.microsoft.com/office/mac/drawingml/2011/main" xmlns:a14="http://schemas.microsoft.com/office/drawing/2010/main" xmlns:m="http://schemas.openxmlformats.org/officeDocument/2006/math" xmlns="" val="1"/>
             </a:ext>
           </a:extLst>
         </p:spPr>
@@ -20640,7 +20590,7 @@
           </a:ln>
           <a:extLst>
             <a:ext uri="{C572A759-6A51-4108-AA02-DFA0A04FC94B}">
-              <ma14:wrappingTextBoxFlag xmlns="" xmlns:m="http://schemas.openxmlformats.org/officeDocument/2006/math" xmlns:a14="http://schemas.microsoft.com/office/drawing/2010/main" xmlns:ma14="http://schemas.microsoft.com/office/mac/drawingml/2011/main" val="1"/>
+              <ma14:wrappingTextBoxFlag xmlns:ma14="http://schemas.microsoft.com/office/mac/drawingml/2011/main" xmlns:a14="http://schemas.microsoft.com/office/drawing/2010/main" xmlns:m="http://schemas.openxmlformats.org/officeDocument/2006/math" xmlns="" val="1"/>
             </a:ext>
           </a:extLst>
         </p:spPr>
@@ -20680,7 +20630,7 @@
           </a:ln>
           <a:extLst>
             <a:ext uri="{C572A759-6A51-4108-AA02-DFA0A04FC94B}">
-              <ma14:wrappingTextBoxFlag xmlns="" xmlns:m="http://schemas.openxmlformats.org/officeDocument/2006/math" xmlns:a14="http://schemas.microsoft.com/office/drawing/2010/main" xmlns:ma14="http://schemas.microsoft.com/office/mac/drawingml/2011/main" val="1"/>
+              <ma14:wrappingTextBoxFlag xmlns:ma14="http://schemas.microsoft.com/office/mac/drawingml/2011/main" xmlns:a14="http://schemas.microsoft.com/office/drawing/2010/main" xmlns:m="http://schemas.openxmlformats.org/officeDocument/2006/math" xmlns="" val="1"/>
             </a:ext>
           </a:extLst>
         </p:spPr>
@@ -20746,7 +20696,7 @@
           </a:ln>
           <a:extLst>
             <a:ext uri="{C572A759-6A51-4108-AA02-DFA0A04FC94B}">
-              <ma14:wrappingTextBoxFlag xmlns="" xmlns:m="http://schemas.openxmlformats.org/officeDocument/2006/math" xmlns:a14="http://schemas.microsoft.com/office/drawing/2010/main" xmlns:ma14="http://schemas.microsoft.com/office/mac/drawingml/2011/main" val="1"/>
+              <ma14:wrappingTextBoxFlag xmlns:ma14="http://schemas.microsoft.com/office/mac/drawingml/2011/main" xmlns:a14="http://schemas.microsoft.com/office/drawing/2010/main" xmlns:m="http://schemas.openxmlformats.org/officeDocument/2006/math" xmlns="" val="1"/>
             </a:ext>
           </a:extLst>
         </p:spPr>
@@ -20836,7 +20786,7 @@
           </a:ln>
           <a:extLst>
             <a:ext uri="{C572A759-6A51-4108-AA02-DFA0A04FC94B}">
-              <ma14:wrappingTextBoxFlag xmlns="" xmlns:m="http://schemas.openxmlformats.org/officeDocument/2006/math" xmlns:a14="http://schemas.microsoft.com/office/drawing/2010/main" xmlns:ma14="http://schemas.microsoft.com/office/mac/drawingml/2011/main" val="1"/>
+              <ma14:wrappingTextBoxFlag xmlns:ma14="http://schemas.microsoft.com/office/mac/drawingml/2011/main" xmlns:a14="http://schemas.microsoft.com/office/drawing/2010/main" xmlns:m="http://schemas.openxmlformats.org/officeDocument/2006/math" xmlns="" val="1"/>
             </a:ext>
           </a:extLst>
         </p:spPr>
@@ -20902,7 +20852,7 @@
           </a:ln>
           <a:extLst>
             <a:ext uri="{C572A759-6A51-4108-AA02-DFA0A04FC94B}">
-              <ma14:wrappingTextBoxFlag xmlns="" xmlns:m="http://schemas.openxmlformats.org/officeDocument/2006/math" xmlns:a14="http://schemas.microsoft.com/office/drawing/2010/main" xmlns:ma14="http://schemas.microsoft.com/office/mac/drawingml/2011/main" val="1"/>
+              <ma14:wrappingTextBoxFlag xmlns:ma14="http://schemas.microsoft.com/office/mac/drawingml/2011/main" xmlns:a14="http://schemas.microsoft.com/office/drawing/2010/main" xmlns:m="http://schemas.openxmlformats.org/officeDocument/2006/math" xmlns="" val="1"/>
             </a:ext>
           </a:extLst>
         </p:spPr>
@@ -20984,7 +20934,7 @@
           </a:ln>
           <a:extLst>
             <a:ext uri="{C572A759-6A51-4108-AA02-DFA0A04FC94B}">
-              <ma14:wrappingTextBoxFlag xmlns="" xmlns:m="http://schemas.openxmlformats.org/officeDocument/2006/math" xmlns:a14="http://schemas.microsoft.com/office/drawing/2010/main" xmlns:ma14="http://schemas.microsoft.com/office/mac/drawingml/2011/main" val="1"/>
+              <ma14:wrappingTextBoxFlag xmlns:ma14="http://schemas.microsoft.com/office/mac/drawingml/2011/main" xmlns:a14="http://schemas.microsoft.com/office/drawing/2010/main" xmlns:m="http://schemas.openxmlformats.org/officeDocument/2006/math" xmlns="" val="1"/>
             </a:ext>
           </a:extLst>
         </p:spPr>
@@ -21024,7 +20974,7 @@
           </a:ln>
           <a:extLst>
             <a:ext uri="{C572A759-6A51-4108-AA02-DFA0A04FC94B}">
-              <ma14:wrappingTextBoxFlag xmlns="" xmlns:m="http://schemas.openxmlformats.org/officeDocument/2006/math" xmlns:a14="http://schemas.microsoft.com/office/drawing/2010/main" xmlns:ma14="http://schemas.microsoft.com/office/mac/drawingml/2011/main" val="1"/>
+              <ma14:wrappingTextBoxFlag xmlns:ma14="http://schemas.microsoft.com/office/mac/drawingml/2011/main" xmlns:a14="http://schemas.microsoft.com/office/drawing/2010/main" xmlns:m="http://schemas.openxmlformats.org/officeDocument/2006/math" xmlns="" val="1"/>
             </a:ext>
           </a:extLst>
         </p:spPr>
@@ -21090,7 +21040,7 @@
           </a:ln>
           <a:extLst>
             <a:ext uri="{C572A759-6A51-4108-AA02-DFA0A04FC94B}">
-              <ma14:wrappingTextBoxFlag xmlns="" xmlns:m="http://schemas.openxmlformats.org/officeDocument/2006/math" xmlns:a14="http://schemas.microsoft.com/office/drawing/2010/main" xmlns:ma14="http://schemas.microsoft.com/office/mac/drawingml/2011/main" val="1"/>
+              <ma14:wrappingTextBoxFlag xmlns:ma14="http://schemas.microsoft.com/office/mac/drawingml/2011/main" xmlns:a14="http://schemas.microsoft.com/office/drawing/2010/main" xmlns:m="http://schemas.openxmlformats.org/officeDocument/2006/math" xmlns="" val="1"/>
             </a:ext>
           </a:extLst>
         </p:spPr>
@@ -21154,7 +21104,7 @@
           </a:ln>
           <a:extLst>
             <a:ext uri="{C572A759-6A51-4108-AA02-DFA0A04FC94B}">
-              <ma14:wrappingTextBoxFlag xmlns="" xmlns:m="http://schemas.openxmlformats.org/officeDocument/2006/math" xmlns:a14="http://schemas.microsoft.com/office/drawing/2010/main" xmlns:ma14="http://schemas.microsoft.com/office/mac/drawingml/2011/main" val="1"/>
+              <ma14:wrappingTextBoxFlag xmlns:ma14="http://schemas.microsoft.com/office/mac/drawingml/2011/main" xmlns:a14="http://schemas.microsoft.com/office/drawing/2010/main" xmlns:m="http://schemas.openxmlformats.org/officeDocument/2006/math" xmlns="" val="1"/>
             </a:ext>
           </a:extLst>
         </p:spPr>
@@ -21194,7 +21144,7 @@
           </a:ln>
           <a:extLst>
             <a:ext uri="{C572A759-6A51-4108-AA02-DFA0A04FC94B}">
-              <ma14:wrappingTextBoxFlag xmlns="" xmlns:m="http://schemas.openxmlformats.org/officeDocument/2006/math" xmlns:a14="http://schemas.microsoft.com/office/drawing/2010/main" xmlns:ma14="http://schemas.microsoft.com/office/mac/drawingml/2011/main" val="1"/>
+              <ma14:wrappingTextBoxFlag xmlns:ma14="http://schemas.microsoft.com/office/mac/drawingml/2011/main" xmlns:a14="http://schemas.microsoft.com/office/drawing/2010/main" xmlns:m="http://schemas.openxmlformats.org/officeDocument/2006/math" xmlns="" val="1"/>
             </a:ext>
           </a:extLst>
         </p:spPr>
@@ -21260,7 +21210,7 @@
           </a:ln>
           <a:extLst>
             <a:ext uri="{C572A759-6A51-4108-AA02-DFA0A04FC94B}">
-              <ma14:wrappingTextBoxFlag xmlns="" xmlns:m="http://schemas.openxmlformats.org/officeDocument/2006/math" xmlns:a14="http://schemas.microsoft.com/office/drawing/2010/main" xmlns:ma14="http://schemas.microsoft.com/office/mac/drawingml/2011/main" val="1"/>
+              <ma14:wrappingTextBoxFlag xmlns:ma14="http://schemas.microsoft.com/office/mac/drawingml/2011/main" xmlns:a14="http://schemas.microsoft.com/office/drawing/2010/main" xmlns:m="http://schemas.openxmlformats.org/officeDocument/2006/math" xmlns="" val="1"/>
             </a:ext>
           </a:extLst>
         </p:spPr>
@@ -21324,7 +21274,7 @@
           </a:ln>
           <a:extLst>
             <a:ext uri="{C572A759-6A51-4108-AA02-DFA0A04FC94B}">
-              <ma14:wrappingTextBoxFlag xmlns="" xmlns:m="http://schemas.openxmlformats.org/officeDocument/2006/math" xmlns:a14="http://schemas.microsoft.com/office/drawing/2010/main" xmlns:ma14="http://schemas.microsoft.com/office/mac/drawingml/2011/main" val="1"/>
+              <ma14:wrappingTextBoxFlag xmlns:ma14="http://schemas.microsoft.com/office/mac/drawingml/2011/main" xmlns:a14="http://schemas.microsoft.com/office/drawing/2010/main" xmlns:m="http://schemas.openxmlformats.org/officeDocument/2006/math" xmlns="" val="1"/>
             </a:ext>
           </a:extLst>
         </p:spPr>
@@ -21364,7 +21314,7 @@
           </a:ln>
           <a:extLst>
             <a:ext uri="{C572A759-6A51-4108-AA02-DFA0A04FC94B}">
-              <ma14:wrappingTextBoxFlag xmlns="" xmlns:m="http://schemas.openxmlformats.org/officeDocument/2006/math" xmlns:a14="http://schemas.microsoft.com/office/drawing/2010/main" xmlns:ma14="http://schemas.microsoft.com/office/mac/drawingml/2011/main" val="1"/>
+              <ma14:wrappingTextBoxFlag xmlns:ma14="http://schemas.microsoft.com/office/mac/drawingml/2011/main" xmlns:a14="http://schemas.microsoft.com/office/drawing/2010/main" xmlns:m="http://schemas.openxmlformats.org/officeDocument/2006/math" xmlns="" val="1"/>
             </a:ext>
           </a:extLst>
         </p:spPr>
@@ -21430,7 +21380,7 @@
           </a:ln>
           <a:extLst>
             <a:ext uri="{C572A759-6A51-4108-AA02-DFA0A04FC94B}">
-              <ma14:wrappingTextBoxFlag xmlns="" xmlns:m="http://schemas.openxmlformats.org/officeDocument/2006/math" xmlns:a14="http://schemas.microsoft.com/office/drawing/2010/main" xmlns:ma14="http://schemas.microsoft.com/office/mac/drawingml/2011/main" val="1"/>
+              <ma14:wrappingTextBoxFlag xmlns:ma14="http://schemas.microsoft.com/office/mac/drawingml/2011/main" xmlns:a14="http://schemas.microsoft.com/office/drawing/2010/main" xmlns:m="http://schemas.openxmlformats.org/officeDocument/2006/math" xmlns="" val="1"/>
             </a:ext>
           </a:extLst>
         </p:spPr>
@@ -21516,7 +21466,7 @@
           </a:ln>
           <a:extLst>
             <a:ext uri="{C572A759-6A51-4108-AA02-DFA0A04FC94B}">
-              <ma14:wrappingTextBoxFlag xmlns="" xmlns:m="http://schemas.openxmlformats.org/officeDocument/2006/math" xmlns:a14="http://schemas.microsoft.com/office/drawing/2010/main" xmlns:ma14="http://schemas.microsoft.com/office/mac/drawingml/2011/main" val="1"/>
+              <ma14:wrappingTextBoxFlag xmlns:ma14="http://schemas.microsoft.com/office/mac/drawingml/2011/main" xmlns:a14="http://schemas.microsoft.com/office/drawing/2010/main" xmlns:m="http://schemas.openxmlformats.org/officeDocument/2006/math" xmlns="" val="1"/>
             </a:ext>
           </a:extLst>
         </p:spPr>
@@ -21557,7 +21507,7 @@
           </a:ln>
           <a:extLst>
             <a:ext uri="{C572A759-6A51-4108-AA02-DFA0A04FC94B}">
-              <ma14:wrappingTextBoxFlag xmlns="" xmlns:m="http://schemas.openxmlformats.org/officeDocument/2006/math" xmlns:a14="http://schemas.microsoft.com/office/drawing/2010/main" xmlns:ma14="http://schemas.microsoft.com/office/mac/drawingml/2011/main" val="1"/>
+              <ma14:wrappingTextBoxFlag xmlns:ma14="http://schemas.microsoft.com/office/mac/drawingml/2011/main" xmlns:a14="http://schemas.microsoft.com/office/drawing/2010/main" xmlns:m="http://schemas.openxmlformats.org/officeDocument/2006/math" xmlns="" val="1"/>
             </a:ext>
           </a:extLst>
         </p:spPr>
@@ -21598,7 +21548,7 @@
           </a:ln>
           <a:extLst>
             <a:ext uri="{C572A759-6A51-4108-AA02-DFA0A04FC94B}">
-              <ma14:wrappingTextBoxFlag xmlns="" xmlns:m="http://schemas.openxmlformats.org/officeDocument/2006/math" xmlns:a14="http://schemas.microsoft.com/office/drawing/2010/main" xmlns:ma14="http://schemas.microsoft.com/office/mac/drawingml/2011/main" val="1"/>
+              <ma14:wrappingTextBoxFlag xmlns:ma14="http://schemas.microsoft.com/office/mac/drawingml/2011/main" xmlns:a14="http://schemas.microsoft.com/office/drawing/2010/main" xmlns:m="http://schemas.openxmlformats.org/officeDocument/2006/math" xmlns="" val="1"/>
             </a:ext>
           </a:extLst>
         </p:spPr>
@@ -21665,7 +21615,7 @@
           </a:ln>
           <a:extLst>
             <a:ext uri="{C572A759-6A51-4108-AA02-DFA0A04FC94B}">
-              <ma14:wrappingTextBoxFlag xmlns="" xmlns:m="http://schemas.openxmlformats.org/officeDocument/2006/math" xmlns:a14="http://schemas.microsoft.com/office/drawing/2010/main" xmlns:ma14="http://schemas.microsoft.com/office/mac/drawingml/2011/main" val="1"/>
+              <ma14:wrappingTextBoxFlag xmlns:ma14="http://schemas.microsoft.com/office/mac/drawingml/2011/main" xmlns:a14="http://schemas.microsoft.com/office/drawing/2010/main" xmlns:m="http://schemas.openxmlformats.org/officeDocument/2006/math" xmlns="" val="1"/>
             </a:ext>
           </a:extLst>
         </p:spPr>
@@ -21732,7 +21682,7 @@
           </a:ln>
           <a:extLst>
             <a:ext uri="{C572A759-6A51-4108-AA02-DFA0A04FC94B}">
-              <ma14:wrappingTextBoxFlag xmlns="" xmlns:m="http://schemas.openxmlformats.org/officeDocument/2006/math" xmlns:a14="http://schemas.microsoft.com/office/drawing/2010/main" xmlns:ma14="http://schemas.microsoft.com/office/mac/drawingml/2011/main" val="1"/>
+              <ma14:wrappingTextBoxFlag xmlns:ma14="http://schemas.microsoft.com/office/mac/drawingml/2011/main" xmlns:a14="http://schemas.microsoft.com/office/drawing/2010/main" xmlns:m="http://schemas.openxmlformats.org/officeDocument/2006/math" xmlns="" val="1"/>
             </a:ext>
           </a:extLst>
         </p:spPr>
@@ -21773,7 +21723,7 @@
           </a:ln>
           <a:extLst>
             <a:ext uri="{C572A759-6A51-4108-AA02-DFA0A04FC94B}">
-              <ma14:wrappingTextBoxFlag xmlns="" xmlns:m="http://schemas.openxmlformats.org/officeDocument/2006/math" xmlns:a14="http://schemas.microsoft.com/office/drawing/2010/main" xmlns:ma14="http://schemas.microsoft.com/office/mac/drawingml/2011/main" val="1"/>
+              <ma14:wrappingTextBoxFlag xmlns:ma14="http://schemas.microsoft.com/office/mac/drawingml/2011/main" xmlns:a14="http://schemas.microsoft.com/office/drawing/2010/main" xmlns:m="http://schemas.openxmlformats.org/officeDocument/2006/math" xmlns="" val="1"/>
             </a:ext>
           </a:extLst>
         </p:spPr>
@@ -21840,7 +21790,7 @@
           </a:ln>
           <a:extLst>
             <a:ext uri="{C572A759-6A51-4108-AA02-DFA0A04FC94B}">
-              <ma14:wrappingTextBoxFlag xmlns="" xmlns:m="http://schemas.openxmlformats.org/officeDocument/2006/math" xmlns:a14="http://schemas.microsoft.com/office/drawing/2010/main" xmlns:ma14="http://schemas.microsoft.com/office/mac/drawingml/2011/main" val="1"/>
+              <ma14:wrappingTextBoxFlag xmlns:ma14="http://schemas.microsoft.com/office/mac/drawingml/2011/main" xmlns:a14="http://schemas.microsoft.com/office/drawing/2010/main" xmlns:m="http://schemas.openxmlformats.org/officeDocument/2006/math" xmlns="" val="1"/>
             </a:ext>
           </a:extLst>
         </p:spPr>
@@ -21884,7 +21834,7 @@
           </a:ln>
           <a:extLst>
             <a:ext uri="{C572A759-6A51-4108-AA02-DFA0A04FC94B}">
-              <ma14:wrappingTextBoxFlag xmlns="" xmlns:m="http://schemas.openxmlformats.org/officeDocument/2006/math" xmlns:a14="http://schemas.microsoft.com/office/drawing/2010/main" xmlns:ma14="http://schemas.microsoft.com/office/mac/drawingml/2011/main" val="1"/>
+              <ma14:wrappingTextBoxFlag xmlns:ma14="http://schemas.microsoft.com/office/mac/drawingml/2011/main" xmlns:a14="http://schemas.microsoft.com/office/drawing/2010/main" xmlns:m="http://schemas.openxmlformats.org/officeDocument/2006/math" xmlns="" val="1"/>
             </a:ext>
           </a:extLst>
         </p:spPr>
@@ -21947,7 +21897,7 @@
           </a:ln>
           <a:extLst>
             <a:ext uri="{C572A759-6A51-4108-AA02-DFA0A04FC94B}">
-              <ma14:wrappingTextBoxFlag xmlns:ma14="http://schemas.microsoft.com/office/mac/drawingml/2011/main" xmlns:a14="http://schemas.microsoft.com/office/drawing/2010/main" xmlns:m="http://schemas.openxmlformats.org/officeDocument/2006/math" xmlns="" val="1"/>
+              <ma14:wrappingTextBoxFlag xmlns="" xmlns:m="http://schemas.openxmlformats.org/officeDocument/2006/math" xmlns:a14="http://schemas.microsoft.com/office/drawing/2010/main" xmlns:ma14="http://schemas.microsoft.com/office/mac/drawingml/2011/main" val="1"/>
             </a:ext>
           </a:extLst>
         </p:spPr>
@@ -21994,7 +21944,7 @@
           </a:ln>
           <a:extLst>
             <a:ext uri="{C572A759-6A51-4108-AA02-DFA0A04FC94B}">
-              <ma14:wrappingTextBoxFlag xmlns:ma14="http://schemas.microsoft.com/office/mac/drawingml/2011/main" xmlns:a14="http://schemas.microsoft.com/office/drawing/2010/main" xmlns:m="http://schemas.openxmlformats.org/officeDocument/2006/math" xmlns="" val="1"/>
+              <ma14:wrappingTextBoxFlag xmlns="" xmlns:m="http://schemas.openxmlformats.org/officeDocument/2006/math" xmlns:a14="http://schemas.microsoft.com/office/drawing/2010/main" xmlns:ma14="http://schemas.microsoft.com/office/mac/drawingml/2011/main" val="1"/>
             </a:ext>
           </a:extLst>
         </p:spPr>
@@ -22065,7 +22015,7 @@
           </a:ln>
           <a:extLst>
             <a:ext uri="{C572A759-6A51-4108-AA02-DFA0A04FC94B}">
-              <ma14:wrappingTextBoxFlag xmlns="" xmlns:m="http://schemas.openxmlformats.org/officeDocument/2006/math" xmlns:a14="http://schemas.microsoft.com/office/drawing/2010/main" xmlns:ma14="http://schemas.microsoft.com/office/mac/drawingml/2011/main" val="1"/>
+              <ma14:wrappingTextBoxFlag xmlns:ma14="http://schemas.microsoft.com/office/mac/drawingml/2011/main" xmlns:a14="http://schemas.microsoft.com/office/drawing/2010/main" xmlns:m="http://schemas.openxmlformats.org/officeDocument/2006/math" xmlns="" val="1"/>
             </a:ext>
           </a:extLst>
         </p:spPr>
@@ -22112,7 +22062,7 @@
           </a:ln>
           <a:extLst>
             <a:ext uri="{C572A759-6A51-4108-AA02-DFA0A04FC94B}">
-              <ma14:wrappingTextBoxFlag xmlns="" xmlns:m="http://schemas.openxmlformats.org/officeDocument/2006/math" xmlns:a14="http://schemas.microsoft.com/office/drawing/2010/main" xmlns:ma14="http://schemas.microsoft.com/office/mac/drawingml/2011/main" val="1"/>
+              <ma14:wrappingTextBoxFlag xmlns:ma14="http://schemas.microsoft.com/office/mac/drawingml/2011/main" xmlns:a14="http://schemas.microsoft.com/office/drawing/2010/main" xmlns:m="http://schemas.openxmlformats.org/officeDocument/2006/math" xmlns="" val="1"/>
             </a:ext>
           </a:extLst>
         </p:spPr>
@@ -22178,7 +22128,7 @@
           </a:ln>
           <a:extLst>
             <a:ext uri="{C572A759-6A51-4108-AA02-DFA0A04FC94B}">
-              <ma14:wrappingTextBoxFlag xmlns="" xmlns:m="http://schemas.openxmlformats.org/officeDocument/2006/math" xmlns:a14="http://schemas.microsoft.com/office/drawing/2010/main" xmlns:ma14="http://schemas.microsoft.com/office/mac/drawingml/2011/main" val="1"/>
+              <ma14:wrappingTextBoxFlag xmlns:ma14="http://schemas.microsoft.com/office/mac/drawingml/2011/main" xmlns:a14="http://schemas.microsoft.com/office/drawing/2010/main" xmlns:m="http://schemas.openxmlformats.org/officeDocument/2006/math" xmlns="" val="1"/>
             </a:ext>
           </a:extLst>
         </p:spPr>
@@ -22221,7 +22171,7 @@
           </a:ln>
           <a:extLst>
             <a:ext uri="{C572A759-6A51-4108-AA02-DFA0A04FC94B}">
-              <ma14:wrappingTextBoxFlag xmlns="" xmlns:m="http://schemas.openxmlformats.org/officeDocument/2006/math" xmlns:a14="http://schemas.microsoft.com/office/drawing/2010/main" xmlns:ma14="http://schemas.microsoft.com/office/mac/drawingml/2011/main" val="1"/>
+              <ma14:wrappingTextBoxFlag xmlns:ma14="http://schemas.microsoft.com/office/mac/drawingml/2011/main" xmlns:a14="http://schemas.microsoft.com/office/drawing/2010/main" xmlns:m="http://schemas.openxmlformats.org/officeDocument/2006/math" xmlns="" val="1"/>
             </a:ext>
           </a:extLst>
         </p:spPr>
@@ -22287,7 +22237,7 @@
           </a:ln>
           <a:extLst>
             <a:ext uri="{C572A759-6A51-4108-AA02-DFA0A04FC94B}">
-              <ma14:wrappingTextBoxFlag xmlns="" xmlns:m="http://schemas.openxmlformats.org/officeDocument/2006/math" xmlns:a14="http://schemas.microsoft.com/office/drawing/2010/main" xmlns:ma14="http://schemas.microsoft.com/office/mac/drawingml/2011/main" val="1"/>
+              <ma14:wrappingTextBoxFlag xmlns:ma14="http://schemas.microsoft.com/office/mac/drawingml/2011/main" xmlns:a14="http://schemas.microsoft.com/office/drawing/2010/main" xmlns:m="http://schemas.openxmlformats.org/officeDocument/2006/math" xmlns="" val="1"/>
             </a:ext>
           </a:extLst>
         </p:spPr>
@@ -22369,7 +22319,7 @@
           </a:ln>
           <a:extLst>
             <a:ext uri="{C572A759-6A51-4108-AA02-DFA0A04FC94B}">
-              <ma14:wrappingTextBoxFlag xmlns="" xmlns:m="http://schemas.openxmlformats.org/officeDocument/2006/math" xmlns:a14="http://schemas.microsoft.com/office/drawing/2010/main" xmlns:ma14="http://schemas.microsoft.com/office/mac/drawingml/2011/main" val="1"/>
+              <ma14:wrappingTextBoxFlag xmlns:ma14="http://schemas.microsoft.com/office/mac/drawingml/2011/main" xmlns:a14="http://schemas.microsoft.com/office/drawing/2010/main" xmlns:m="http://schemas.openxmlformats.org/officeDocument/2006/math" xmlns="" val="1"/>
             </a:ext>
           </a:extLst>
         </p:spPr>
@@ -22410,7 +22360,7 @@
           </a:ln>
           <a:extLst>
             <a:ext uri="{C572A759-6A51-4108-AA02-DFA0A04FC94B}">
-              <ma14:wrappingTextBoxFlag xmlns="" xmlns:m="http://schemas.openxmlformats.org/officeDocument/2006/math" xmlns:a14="http://schemas.microsoft.com/office/drawing/2010/main" xmlns:ma14="http://schemas.microsoft.com/office/mac/drawingml/2011/main" val="1"/>
+              <ma14:wrappingTextBoxFlag xmlns:ma14="http://schemas.microsoft.com/office/mac/drawingml/2011/main" xmlns:a14="http://schemas.microsoft.com/office/drawing/2010/main" xmlns:m="http://schemas.openxmlformats.org/officeDocument/2006/math" xmlns="" val="1"/>
             </a:ext>
           </a:extLst>
         </p:spPr>
@@ -22451,7 +22401,7 @@
           </a:ln>
           <a:extLst>
             <a:ext uri="{C572A759-6A51-4108-AA02-DFA0A04FC94B}">
-              <ma14:wrappingTextBoxFlag xmlns="" xmlns:m="http://schemas.openxmlformats.org/officeDocument/2006/math" xmlns:a14="http://schemas.microsoft.com/office/drawing/2010/main" xmlns:ma14="http://schemas.microsoft.com/office/mac/drawingml/2011/main" val="1"/>
+              <ma14:wrappingTextBoxFlag xmlns:ma14="http://schemas.microsoft.com/office/mac/drawingml/2011/main" xmlns:a14="http://schemas.microsoft.com/office/drawing/2010/main" xmlns:m="http://schemas.openxmlformats.org/officeDocument/2006/math" xmlns="" val="1"/>
             </a:ext>
           </a:extLst>
         </p:spPr>
